--- a/week11/intro_django.pptx
+++ b/week11/intro_django.pptx
@@ -140,7 +140,7 @@
   </p:defaultTextStyle>
   <p:extLst>
     <p:ext uri="{EFAFB233-063F-42B5-8137-9DF3F51BA10A}">
-      <p15:sldGuideLst xmlns:p15="http://schemas.microsoft.com/office/powerpoint/2012/main">
+      <p15:sldGuideLst xmlns:p15="http://schemas.microsoft.com/office/powerpoint/2012/main" xmlns="">
         <p15:guide id="1" orient="horz" pos="2160">
           <p15:clr>
             <a:srgbClr val="A4A3A4"/>
@@ -407,6 +407,11 @@
         </p:txBody>
       </p:sp>
     </p:spTree>
+    <p:extLst>
+      <p:ext uri="{BB962C8B-B14F-4D97-AF65-F5344CB8AC3E}">
+        <p14:creationId xmlns:p14="http://schemas.microsoft.com/office/powerpoint/2010/main" val="2704053611"/>
+      </p:ext>
+    </p:extLst>
   </p:cSld>
   <p:clrMap bg1="lt1" tx1="dk1" bg2="lt2" tx2="dk2" accent1="accent1" accent2="accent2" accent3="accent3" accent4="accent4" accent5="accent5" accent6="accent6" hlink="hlink" folHlink="folHlink"/>
   <p:notesStyle>
@@ -5356,11 +5361,7 @@
           <a:p>
             <a:r>
               <a:rPr lang="ru-RU" dirty="0" smtClean="0"/>
-              <a:t>Миграция </a:t>
-            </a:r>
-            <a:r>
-              <a:rPr lang="ru-RU" dirty="0" smtClean="0"/>
-              <a:t>БД:</a:t>
+              <a:t>Миграция БД:</a:t>
             </a:r>
           </a:p>
           <a:p>
@@ -5373,21 +5374,8 @@
                   <a:srgbClr val="008000"/>
                 </a:solidFill>
               </a:rPr>
-              <a:t>		&gt; python manage.py </a:t>
-            </a:r>
-            <a:r>
-              <a:rPr lang="en-US" sz="2595" dirty="0" smtClean="0">
-                <a:solidFill>
-                  <a:srgbClr val="008000"/>
-                </a:solidFill>
-              </a:rPr>
-              <a:t>migrate</a:t>
-            </a:r>
-            <a:endParaRPr lang="en-US" sz="2595" dirty="0" smtClean="0">
-              <a:solidFill>
-                <a:srgbClr val="008000"/>
-              </a:solidFill>
-            </a:endParaRPr>
+              <a:t>		&gt; python manage.py migrate</a:t>
+            </a:r>
           </a:p>
         </p:txBody>
       </p:sp>
@@ -5663,11 +5651,7 @@
           <a:p>
             <a:r>
               <a:rPr lang="ru-RU" dirty="0" smtClean="0"/>
-              <a:t>Запуск </a:t>
-            </a:r>
-            <a:r>
-              <a:rPr lang="ru-RU" dirty="0" smtClean="0"/>
-              <a:t>встроенного сервера:</a:t>
+              <a:t>Запуск встроенного сервера:</a:t>
             </a:r>
           </a:p>
           <a:p>
@@ -6068,7 +6052,6 @@
               <a:rPr lang="ru-RU" dirty="0" smtClean="0"/>
               <a:t>Запуск браузера по адресу:</a:t>
             </a:r>
-            <a:endParaRPr lang="ru-RU" dirty="0" smtClean="0"/>
           </a:p>
           <a:p>
             <a:pPr>
@@ -6080,23 +6063,7 @@
                   <a:srgbClr val="008000"/>
                 </a:solidFill>
               </a:rPr>
-              <a:t>	 </a:t>
-            </a:r>
-            <a:r>
-              <a:rPr lang="en-US" sz="2400" dirty="0" smtClean="0">
-                <a:solidFill>
-                  <a:srgbClr val="008000"/>
-                </a:solidFill>
-              </a:rPr>
-              <a:t>http://localhost:</a:t>
-            </a:r>
-            <a:r>
-              <a:rPr lang="en-US" sz="2400" dirty="0" smtClean="0">
-                <a:solidFill>
-                  <a:srgbClr val="008000"/>
-                </a:solidFill>
-              </a:rPr>
-              <a:t>8000</a:t>
+              <a:t>	 http://localhost:8000</a:t>
             </a:r>
             <a:endParaRPr lang="en-US" sz="2400" dirty="0">
               <a:solidFill>
@@ -6661,7 +6628,6 @@
               <a:rPr lang="ru-RU" dirty="0" smtClean="0"/>
               <a:t>Отредактировать файл:</a:t>
             </a:r>
-            <a:endParaRPr lang="ru-RU" dirty="0" smtClean="0"/>
           </a:p>
           <a:p>
             <a:pPr>
@@ -7190,7 +7156,6 @@
               <a:rPr lang="ru-RU" dirty="0" smtClean="0"/>
               <a:t>Отредактировать файл:</a:t>
             </a:r>
-            <a:endParaRPr lang="ru-RU" dirty="0" smtClean="0"/>
           </a:p>
           <a:p>
             <a:pPr>
@@ -7763,7 +7728,6 @@
               <a:rPr lang="ru-RU" dirty="0" smtClean="0"/>
               <a:t>Отредактировать файл:</a:t>
             </a:r>
-            <a:endParaRPr lang="ru-RU" dirty="0" smtClean="0"/>
           </a:p>
           <a:p>
             <a:pPr>
@@ -8360,7 +8324,6 @@
               <a:rPr lang="ru-RU" dirty="0" smtClean="0"/>
               <a:t>Отредактировать файл:</a:t>
             </a:r>
-            <a:endParaRPr lang="ru-RU" dirty="0" smtClean="0"/>
           </a:p>
           <a:p>
             <a:pPr>
@@ -8911,7 +8874,6 @@
               <a:rPr lang="ru-RU" dirty="0" smtClean="0"/>
               <a:t>Создать файл:</a:t>
             </a:r>
-            <a:endParaRPr lang="ru-RU" dirty="0" smtClean="0"/>
           </a:p>
           <a:p>
             <a:pPr>
@@ -15563,12 +15525,12 @@
               <a:t> </a:t>
             </a:r>
             <a:r>
-              <a:rPr lang="en-US" sz="2595" dirty="0" err="1" smtClean="0">
+              <a:rPr lang="en-US" sz="2595" dirty="0" smtClean="0">
                 <a:solidFill>
                   <a:srgbClr val="00B0F0"/>
                 </a:solidFill>
               </a:rPr>
-              <a:t>myproject</a:t>
+              <a:t>website</a:t>
             </a:r>
             <a:endParaRPr lang="en-US" sz="2595" dirty="0" smtClean="0">
               <a:solidFill>
@@ -15899,11 +15861,7 @@
           <a:p>
             <a:r>
               <a:rPr lang="ru-RU" dirty="0" smtClean="0"/>
-              <a:t>Создание </a:t>
-            </a:r>
-            <a:r>
-              <a:rPr lang="ru-RU" dirty="0" smtClean="0"/>
-              <a:t>приложения:</a:t>
+              <a:t>Создание приложения:</a:t>
             </a:r>
           </a:p>
           <a:p>
@@ -15919,12 +15877,12 @@
               <a:t>		&gt; cd </a:t>
             </a:r>
             <a:r>
-              <a:rPr lang="en-US" sz="2595" dirty="0" err="1" smtClean="0">
+              <a:rPr lang="en-US" sz="2595" dirty="0" smtClean="0">
                 <a:solidFill>
                   <a:srgbClr val="00B0F0"/>
                 </a:solidFill>
               </a:rPr>
-              <a:t>myproject</a:t>
+              <a:t>website</a:t>
             </a:r>
             <a:endParaRPr lang="en-US" sz="2595" dirty="0" smtClean="0">
               <a:solidFill>
@@ -15966,7 +15924,7 @@
                   <a:srgbClr val="00B0F0"/>
                 </a:solidFill>
               </a:rPr>
-              <a:t>myapp</a:t>
+              <a:t>helloweb</a:t>
             </a:r>
             <a:endParaRPr lang="en-US" sz="2595" dirty="0" smtClean="0">
               <a:solidFill>

--- a/week11/intro_django.pptx
+++ b/week11/intro_django.pptx
@@ -5,7 +5,7 @@
     <p:sldMasterId id="2147483648" r:id="rId1"/>
   </p:sldMasterIdLst>
   <p:notesMasterIdLst>
-    <p:notesMasterId r:id="rId34"/>
+    <p:notesMasterId r:id="rId21"/>
   </p:notesMasterIdLst>
   <p:sldIdLst>
     <p:sldId id="256" r:id="rId2"/>
@@ -27,19 +27,6 @@
     <p:sldId id="286" r:id="rId18"/>
     <p:sldId id="287" r:id="rId19"/>
     <p:sldId id="288" r:id="rId20"/>
-    <p:sldId id="262" r:id="rId21"/>
-    <p:sldId id="263" r:id="rId22"/>
-    <p:sldId id="264" r:id="rId23"/>
-    <p:sldId id="265" r:id="rId24"/>
-    <p:sldId id="266" r:id="rId25"/>
-    <p:sldId id="267" r:id="rId26"/>
-    <p:sldId id="268" r:id="rId27"/>
-    <p:sldId id="269" r:id="rId28"/>
-    <p:sldId id="270" r:id="rId29"/>
-    <p:sldId id="271" r:id="rId30"/>
-    <p:sldId id="272" r:id="rId31"/>
-    <p:sldId id="273" r:id="rId32"/>
-    <p:sldId id="275" r:id="rId33"/>
   </p:sldIdLst>
   <p:sldSz cx="9144000" cy="6858000" type="screen4x3"/>
   <p:notesSz cx="6858000" cy="9144000"/>
@@ -140,7 +127,7 @@
   </p:defaultTextStyle>
   <p:extLst>
     <p:ext uri="{EFAFB233-063F-42B5-8137-9DF3F51BA10A}">
-      <p15:sldGuideLst xmlns:p15="http://schemas.microsoft.com/office/powerpoint/2012/main" xmlns="">
+      <p15:sldGuideLst xmlns:p15="http://schemas.microsoft.com/office/powerpoint/2012/main">
         <p15:guide id="1" orient="horz" pos="2160">
           <p15:clr>
             <a:srgbClr val="A4A3A4"/>
@@ -239,7 +226,7 @@
           <a:p>
             <a:fld id="{BB853691-2568-724D-8AC3-0B4EBB217FA1}" type="datetimeFigureOut">
               <a:rPr lang="en-US" smtClean="0"/>
-              <a:t>10/28/2016</a:t>
+              <a:t>10/29/2016</a:t>
             </a:fld>
             <a:endParaRPr lang="en-US"/>
           </a:p>
@@ -1723,7 +1710,7 @@
           <a:p>
             <a:fld id="{1FACF698-560B-A546-A4FA-6B15CCA392CB}" type="datetimeFigureOut">
               <a:rPr lang="en-US" smtClean="0"/>
-              <a:t>10/28/2016</a:t>
+              <a:t>10/29/2016</a:t>
             </a:fld>
             <a:endParaRPr lang="en-US"/>
           </a:p>
@@ -1888,7 +1875,7 @@
           <a:p>
             <a:fld id="{1FACF698-560B-A546-A4FA-6B15CCA392CB}" type="datetimeFigureOut">
               <a:rPr lang="en-US" smtClean="0"/>
-              <a:t>10/28/2016</a:t>
+              <a:t>10/29/2016</a:t>
             </a:fld>
             <a:endParaRPr lang="en-US"/>
           </a:p>
@@ -2063,7 +2050,7 @@
           <a:p>
             <a:fld id="{1FACF698-560B-A546-A4FA-6B15CCA392CB}" type="datetimeFigureOut">
               <a:rPr lang="en-US" smtClean="0"/>
-              <a:t>10/28/2016</a:t>
+              <a:t>10/29/2016</a:t>
             </a:fld>
             <a:endParaRPr lang="en-US"/>
           </a:p>
@@ -2228,7 +2215,7 @@
           <a:p>
             <a:fld id="{1FACF698-560B-A546-A4FA-6B15CCA392CB}" type="datetimeFigureOut">
               <a:rPr lang="en-US" smtClean="0"/>
-              <a:t>10/28/2016</a:t>
+              <a:t>10/29/2016</a:t>
             </a:fld>
             <a:endParaRPr lang="en-US"/>
           </a:p>
@@ -2469,7 +2456,7 @@
           <a:p>
             <a:fld id="{1FACF698-560B-A546-A4FA-6B15CCA392CB}" type="datetimeFigureOut">
               <a:rPr lang="en-US" smtClean="0"/>
-              <a:t>10/28/2016</a:t>
+              <a:t>10/29/2016</a:t>
             </a:fld>
             <a:endParaRPr lang="en-US"/>
           </a:p>
@@ -2752,7 +2739,7 @@
           <a:p>
             <a:fld id="{1FACF698-560B-A546-A4FA-6B15CCA392CB}" type="datetimeFigureOut">
               <a:rPr lang="en-US" smtClean="0"/>
-              <a:t>10/28/2016</a:t>
+              <a:t>10/29/2016</a:t>
             </a:fld>
             <a:endParaRPr lang="en-US"/>
           </a:p>
@@ -3169,7 +3156,7 @@
           <a:p>
             <a:fld id="{1FACF698-560B-A546-A4FA-6B15CCA392CB}" type="datetimeFigureOut">
               <a:rPr lang="en-US" smtClean="0"/>
-              <a:t>10/28/2016</a:t>
+              <a:t>10/29/2016</a:t>
             </a:fld>
             <a:endParaRPr lang="en-US"/>
           </a:p>
@@ -3282,7 +3269,7 @@
           <a:p>
             <a:fld id="{1FACF698-560B-A546-A4FA-6B15CCA392CB}" type="datetimeFigureOut">
               <a:rPr lang="en-US" smtClean="0"/>
-              <a:t>10/28/2016</a:t>
+              <a:t>10/29/2016</a:t>
             </a:fld>
             <a:endParaRPr lang="en-US"/>
           </a:p>
@@ -3372,7 +3359,7 @@
           <a:p>
             <a:fld id="{1FACF698-560B-A546-A4FA-6B15CCA392CB}" type="datetimeFigureOut">
               <a:rPr lang="en-US" smtClean="0"/>
-              <a:t>10/28/2016</a:t>
+              <a:t>10/29/2016</a:t>
             </a:fld>
             <a:endParaRPr lang="en-US"/>
           </a:p>
@@ -3644,7 +3631,7 @@
           <a:p>
             <a:fld id="{1FACF698-560B-A546-A4FA-6B15CCA392CB}" type="datetimeFigureOut">
               <a:rPr lang="en-US" smtClean="0"/>
-              <a:t>10/28/2016</a:t>
+              <a:t>10/29/2016</a:t>
             </a:fld>
             <a:endParaRPr lang="en-US"/>
           </a:p>
@@ -3892,7 +3879,7 @@
           <a:p>
             <a:fld id="{1FACF698-560B-A546-A4FA-6B15CCA392CB}" type="datetimeFigureOut">
               <a:rPr lang="en-US" smtClean="0"/>
-              <a:t>10/28/2016</a:t>
+              <a:t>10/29/2016</a:t>
             </a:fld>
             <a:endParaRPr lang="en-US"/>
           </a:p>
@@ -4100,7 +4087,7 @@
           <a:p>
             <a:fld id="{1FACF698-560B-A546-A4FA-6B15CCA392CB}" type="datetimeFigureOut">
               <a:rPr lang="en-US" smtClean="0"/>
-              <a:t>10/28/2016</a:t>
+              <a:t>10/29/2016</a:t>
             </a:fld>
             <a:endParaRPr lang="en-US"/>
           </a:p>
@@ -9523,3586 +9510,6 @@
 </p:sld>
 </file>
 
-<file path=ppt/slides/slide20.xml><?xml version="1.0" encoding="utf-8"?>
-<p:sld xmlns:a="http://schemas.openxmlformats.org/drawingml/2006/main" xmlns:r="http://schemas.openxmlformats.org/officeDocument/2006/relationships" xmlns:p="http://schemas.openxmlformats.org/presentationml/2006/main">
-  <p:cSld>
-    <p:spTree>
-      <p:nvGrpSpPr>
-        <p:cNvPr id="1" name=""/>
-        <p:cNvGrpSpPr/>
-        <p:nvPr/>
-      </p:nvGrpSpPr>
-      <p:grpSpPr>
-        <a:xfrm>
-          <a:off x="0" y="0"/>
-          <a:ext cx="0" cy="0"/>
-          <a:chOff x="0" y="0"/>
-          <a:chExt cx="0" cy="0"/>
-        </a:xfrm>
-      </p:grpSpPr>
-      <p:sp>
-        <p:nvSpPr>
-          <p:cNvPr id="2" name="Title 1"/>
-          <p:cNvSpPr>
-            <a:spLocks noGrp="1"/>
-          </p:cNvSpPr>
-          <p:nvPr>
-            <p:ph type="title"/>
-          </p:nvPr>
-        </p:nvSpPr>
-        <p:spPr/>
-        <p:txBody>
-          <a:bodyPr/>
-          <a:lstStyle/>
-          <a:p>
-            <a:r>
-              <a:rPr lang="ru-RU" dirty="0" smtClean="0">
-                <a:solidFill>
-                  <a:schemeClr val="accent6">
-                    <a:lumMod val="50000"/>
-                  </a:schemeClr>
-                </a:solidFill>
-              </a:rPr>
-              <a:t>Модели</a:t>
-            </a:r>
-            <a:endParaRPr lang="en-US" dirty="0">
-              <a:solidFill>
-                <a:schemeClr val="accent6">
-                  <a:lumMod val="50000"/>
-                </a:schemeClr>
-              </a:solidFill>
-            </a:endParaRPr>
-          </a:p>
-        </p:txBody>
-      </p:sp>
-      <p:sp>
-        <p:nvSpPr>
-          <p:cNvPr id="3" name="Content Placeholder 2"/>
-          <p:cNvSpPr>
-            <a:spLocks noGrp="1"/>
-          </p:cNvSpPr>
-          <p:nvPr>
-            <p:ph idx="1"/>
-          </p:nvPr>
-        </p:nvSpPr>
-        <p:spPr/>
-        <p:txBody>
-          <a:bodyPr>
-            <a:normAutofit lnSpcReduction="10000"/>
-          </a:bodyPr>
-          <a:lstStyle/>
-          <a:p>
-            <a:r>
-              <a:rPr lang="ru-RU" dirty="0" smtClean="0"/>
-              <a:t>Пример модели:</a:t>
-            </a:r>
-            <a:endParaRPr lang="en-US" dirty="0" smtClean="0"/>
-          </a:p>
-          <a:p>
-            <a:pPr>
-              <a:buNone/>
-            </a:pPr>
-            <a:endParaRPr lang="ru-RU" sz="1200" dirty="0" smtClean="0"/>
-          </a:p>
-          <a:p>
-            <a:pPr>
-              <a:buNone/>
-            </a:pPr>
-            <a:r>
-              <a:rPr lang="en-US" sz="2000" dirty="0" smtClean="0">
-                <a:solidFill>
-                  <a:srgbClr val="008000"/>
-                </a:solidFill>
-              </a:rPr>
-              <a:t>	</a:t>
-            </a:r>
-            <a:r>
-              <a:rPr lang="en-US" sz="2000" b="1" dirty="0" smtClean="0">
-                <a:solidFill>
-                  <a:srgbClr val="008000"/>
-                </a:solidFill>
-              </a:rPr>
-              <a:t>from </a:t>
-            </a:r>
-            <a:r>
-              <a:rPr lang="en-US" sz="2000" dirty="0" smtClean="0">
-                <a:solidFill>
-                  <a:srgbClr val="008000"/>
-                </a:solidFill>
-              </a:rPr>
-              <a:t>django.db </a:t>
-            </a:r>
-            <a:r>
-              <a:rPr lang="en-US" sz="2000" b="1" dirty="0" smtClean="0">
-                <a:solidFill>
-                  <a:srgbClr val="008000"/>
-                </a:solidFill>
-              </a:rPr>
-              <a:t>import </a:t>
-            </a:r>
-            <a:r>
-              <a:rPr lang="en-US" sz="2000" dirty="0" smtClean="0">
-                <a:solidFill>
-                  <a:srgbClr val="008000"/>
-                </a:solidFill>
-              </a:rPr>
-              <a:t>models</a:t>
-            </a:r>
-          </a:p>
-          <a:p>
-            <a:pPr>
-              <a:buNone/>
-            </a:pPr>
-            <a:endParaRPr lang="en-US" sz="1000" dirty="0" smtClean="0">
-              <a:solidFill>
-                <a:srgbClr val="008000"/>
-              </a:solidFill>
-            </a:endParaRPr>
-          </a:p>
-          <a:p>
-            <a:pPr>
-              <a:buNone/>
-            </a:pPr>
-            <a:r>
-              <a:rPr lang="en-US" sz="2000" dirty="0" smtClean="0">
-                <a:solidFill>
-                  <a:srgbClr val="008000"/>
-                </a:solidFill>
-              </a:rPr>
-              <a:t>	</a:t>
-            </a:r>
-            <a:r>
-              <a:rPr lang="en-US" sz="2000" b="1" dirty="0" smtClean="0">
-                <a:solidFill>
-                  <a:srgbClr val="008000"/>
-                </a:solidFill>
-              </a:rPr>
-              <a:t>class </a:t>
-            </a:r>
-            <a:r>
-              <a:rPr lang="en-US" sz="2000" dirty="0" smtClean="0">
-                <a:solidFill>
-                  <a:srgbClr val="008000"/>
-                </a:solidFill>
-              </a:rPr>
-              <a:t>Person</a:t>
-            </a:r>
-            <a:r>
-              <a:rPr lang="en-US" sz="2000" b="1" dirty="0" smtClean="0">
-                <a:solidFill>
-                  <a:srgbClr val="008000"/>
-                </a:solidFill>
-              </a:rPr>
-              <a:t>(</a:t>
-            </a:r>
-            <a:r>
-              <a:rPr lang="en-US" sz="2000" dirty="0" smtClean="0">
-                <a:solidFill>
-                  <a:srgbClr val="008000"/>
-                </a:solidFill>
-              </a:rPr>
-              <a:t>models.Model</a:t>
-            </a:r>
-            <a:r>
-              <a:rPr lang="en-US" sz="2000" b="1" dirty="0" smtClean="0">
-                <a:solidFill>
-                  <a:srgbClr val="008000"/>
-                </a:solidFill>
-              </a:rPr>
-              <a:t>):</a:t>
-            </a:r>
-          </a:p>
-          <a:p>
-            <a:pPr>
-              <a:buNone/>
-            </a:pPr>
-            <a:r>
-              <a:rPr lang="en-US" sz="2000" dirty="0" smtClean="0">
-                <a:solidFill>
-                  <a:srgbClr val="008000"/>
-                </a:solidFill>
-              </a:rPr>
-              <a:t>			first_name </a:t>
-            </a:r>
-            <a:r>
-              <a:rPr lang="en-US" sz="2000" b="1" dirty="0" smtClean="0">
-                <a:solidFill>
-                  <a:srgbClr val="008000"/>
-                </a:solidFill>
-              </a:rPr>
-              <a:t>=</a:t>
-            </a:r>
-            <a:r>
-              <a:rPr lang="en-US" sz="2000" dirty="0" smtClean="0">
-                <a:solidFill>
-                  <a:srgbClr val="008000"/>
-                </a:solidFill>
-              </a:rPr>
-              <a:t> models.CharField</a:t>
-            </a:r>
-            <a:r>
-              <a:rPr lang="en-US" sz="2000" b="1" dirty="0" smtClean="0">
-                <a:solidFill>
-                  <a:srgbClr val="008000"/>
-                </a:solidFill>
-              </a:rPr>
-              <a:t>(</a:t>
-            </a:r>
-            <a:r>
-              <a:rPr lang="en-US" sz="2000" dirty="0" smtClean="0">
-                <a:solidFill>
-                  <a:srgbClr val="3366FF"/>
-                </a:solidFill>
-              </a:rPr>
-              <a:t>‘</a:t>
-            </a:r>
-            <a:r>
-              <a:rPr lang="ru-RU" sz="2000" dirty="0" smtClean="0">
-                <a:solidFill>
-                  <a:srgbClr val="3366FF"/>
-                </a:solidFill>
-              </a:rPr>
-              <a:t>Имя</a:t>
-            </a:r>
-            <a:r>
-              <a:rPr lang="en-US" sz="2000" dirty="0" smtClean="0">
-                <a:solidFill>
-                  <a:srgbClr val="3366FF"/>
-                </a:solidFill>
-              </a:rPr>
-              <a:t>’</a:t>
-            </a:r>
-            <a:r>
-              <a:rPr lang="en-US" sz="2000" dirty="0" smtClean="0">
-                <a:solidFill>
-                  <a:srgbClr val="008000"/>
-                </a:solidFill>
-              </a:rPr>
-              <a:t>, max_length</a:t>
-            </a:r>
-            <a:r>
-              <a:rPr lang="en-US" sz="2000" b="1" dirty="0" smtClean="0">
-                <a:solidFill>
-                  <a:srgbClr val="008000"/>
-                </a:solidFill>
-              </a:rPr>
-              <a:t>=</a:t>
-            </a:r>
-            <a:r>
-              <a:rPr lang="en-US" sz="2000" dirty="0" smtClean="0">
-                <a:solidFill>
-                  <a:srgbClr val="008000"/>
-                </a:solidFill>
-              </a:rPr>
-              <a:t>32</a:t>
-            </a:r>
-            <a:r>
-              <a:rPr lang="en-US" sz="2000" b="1" dirty="0" smtClean="0">
-                <a:solidFill>
-                  <a:srgbClr val="008000"/>
-                </a:solidFill>
-              </a:rPr>
-              <a:t>)</a:t>
-            </a:r>
-          </a:p>
-          <a:p>
-            <a:pPr>
-              <a:buNone/>
-            </a:pPr>
-            <a:r>
-              <a:rPr lang="en-US" sz="2000" dirty="0" smtClean="0">
-                <a:solidFill>
-                  <a:srgbClr val="008000"/>
-                </a:solidFill>
-              </a:rPr>
-              <a:t>			last_name </a:t>
-            </a:r>
-            <a:r>
-              <a:rPr lang="en-US" sz="2000" b="1" dirty="0" smtClean="0">
-                <a:solidFill>
-                  <a:srgbClr val="008000"/>
-                </a:solidFill>
-              </a:rPr>
-              <a:t>=</a:t>
-            </a:r>
-            <a:r>
-              <a:rPr lang="en-US" sz="2000" dirty="0" smtClean="0">
-                <a:solidFill>
-                  <a:srgbClr val="008000"/>
-                </a:solidFill>
-              </a:rPr>
-              <a:t> models.CharField</a:t>
-            </a:r>
-            <a:r>
-              <a:rPr lang="en-US" sz="2000" b="1" dirty="0" smtClean="0">
-                <a:solidFill>
-                  <a:srgbClr val="008000"/>
-                </a:solidFill>
-              </a:rPr>
-              <a:t>(</a:t>
-            </a:r>
-            <a:r>
-              <a:rPr lang="en-US" sz="2000" dirty="0" smtClean="0">
-                <a:solidFill>
-                  <a:srgbClr val="3366FF"/>
-                </a:solidFill>
-              </a:rPr>
-              <a:t>‘</a:t>
-            </a:r>
-            <a:r>
-              <a:rPr lang="ru-RU" sz="2000" dirty="0" smtClean="0">
-                <a:solidFill>
-                  <a:srgbClr val="3366FF"/>
-                </a:solidFill>
-              </a:rPr>
-              <a:t>Фамилия</a:t>
-            </a:r>
-            <a:r>
-              <a:rPr lang="en-US" sz="2000" dirty="0" smtClean="0">
-                <a:solidFill>
-                  <a:srgbClr val="3366FF"/>
-                </a:solidFill>
-              </a:rPr>
-              <a:t>’</a:t>
-            </a:r>
-            <a:r>
-              <a:rPr lang="en-US" sz="2000" dirty="0" smtClean="0">
-                <a:solidFill>
-                  <a:srgbClr val="008000"/>
-                </a:solidFill>
-              </a:rPr>
-              <a:t>, max_length</a:t>
-            </a:r>
-            <a:r>
-              <a:rPr lang="en-US" sz="2000" b="1" dirty="0" smtClean="0">
-                <a:solidFill>
-                  <a:srgbClr val="008000"/>
-                </a:solidFill>
-              </a:rPr>
-              <a:t>=</a:t>
-            </a:r>
-            <a:r>
-              <a:rPr lang="en-US" sz="2000" dirty="0" smtClean="0">
-                <a:solidFill>
-                  <a:srgbClr val="008000"/>
-                </a:solidFill>
-              </a:rPr>
-              <a:t>64</a:t>
-            </a:r>
-            <a:r>
-              <a:rPr lang="en-US" sz="2000" b="1" dirty="0" smtClean="0">
-                <a:solidFill>
-                  <a:srgbClr val="008000"/>
-                </a:solidFill>
-              </a:rPr>
-              <a:t>)</a:t>
-            </a:r>
-          </a:p>
-          <a:p>
-            <a:pPr>
-              <a:buNone/>
-            </a:pPr>
-            <a:endParaRPr lang="en-US" sz="1000" dirty="0" smtClean="0">
-              <a:solidFill>
-                <a:srgbClr val="008000"/>
-              </a:solidFill>
-            </a:endParaRPr>
-          </a:p>
-          <a:p>
-            <a:pPr>
-              <a:buNone/>
-            </a:pPr>
-            <a:r>
-              <a:rPr lang="en-US" sz="2000" dirty="0" smtClean="0">
-                <a:solidFill>
-                  <a:srgbClr val="008000"/>
-                </a:solidFill>
-              </a:rPr>
-              <a:t>			</a:t>
-            </a:r>
-            <a:r>
-              <a:rPr lang="en-US" sz="2000" b="1" dirty="0" smtClean="0">
-                <a:solidFill>
-                  <a:srgbClr val="008000"/>
-                </a:solidFill>
-              </a:rPr>
-              <a:t>def </a:t>
-            </a:r>
-            <a:r>
-              <a:rPr lang="en-US" sz="2000" dirty="0" smtClean="0">
-                <a:solidFill>
-                  <a:srgbClr val="008000"/>
-                </a:solidFill>
-              </a:rPr>
-              <a:t>__unicode__</a:t>
-            </a:r>
-            <a:r>
-              <a:rPr lang="en-US" sz="2000" b="1" dirty="0" smtClean="0">
-                <a:solidFill>
-                  <a:srgbClr val="008000"/>
-                </a:solidFill>
-              </a:rPr>
-              <a:t>(</a:t>
-            </a:r>
-            <a:r>
-              <a:rPr lang="en-US" sz="2000" dirty="0" smtClean="0">
-                <a:solidFill>
-                  <a:srgbClr val="008000"/>
-                </a:solidFill>
-              </a:rPr>
-              <a:t>self</a:t>
-            </a:r>
-            <a:r>
-              <a:rPr lang="en-US" sz="2000" b="1" dirty="0" smtClean="0">
-                <a:solidFill>
-                  <a:srgbClr val="008000"/>
-                </a:solidFill>
-              </a:rPr>
-              <a:t>):</a:t>
-            </a:r>
-          </a:p>
-          <a:p>
-            <a:pPr lvl="1">
-              <a:buNone/>
-            </a:pPr>
-            <a:r>
-              <a:rPr lang="en-US" sz="2000" dirty="0" smtClean="0">
-                <a:solidFill>
-                  <a:srgbClr val="008000"/>
-                </a:solidFill>
-              </a:rPr>
-              <a:t>			return self.first_name</a:t>
-            </a:r>
-          </a:p>
-          <a:p>
-            <a:pPr lvl="1">
-              <a:buNone/>
-            </a:pPr>
-            <a:endParaRPr lang="en-US" sz="1000" dirty="0" smtClean="0">
-              <a:solidFill>
-                <a:srgbClr val="008000"/>
-              </a:solidFill>
-            </a:endParaRPr>
-          </a:p>
-          <a:p>
-            <a:pPr lvl="1">
-              <a:buNone/>
-            </a:pPr>
-            <a:r>
-              <a:rPr lang="en-US" sz="2000" dirty="0" smtClean="0">
-                <a:solidFill>
-                  <a:srgbClr val="008000"/>
-                </a:solidFill>
-              </a:rPr>
-              <a:t>		</a:t>
-            </a:r>
-            <a:r>
-              <a:rPr lang="en-US" sz="2000" b="1" dirty="0" smtClean="0">
-                <a:solidFill>
-                  <a:srgbClr val="008000"/>
-                </a:solidFill>
-              </a:rPr>
-              <a:t>class </a:t>
-            </a:r>
-            <a:r>
-              <a:rPr lang="en-US" sz="2000" dirty="0" smtClean="0">
-                <a:solidFill>
-                  <a:srgbClr val="008000"/>
-                </a:solidFill>
-              </a:rPr>
-              <a:t>Meta</a:t>
-            </a:r>
-            <a:r>
-              <a:rPr lang="en-US" sz="2000" b="1" dirty="0" smtClean="0">
-                <a:solidFill>
-                  <a:srgbClr val="008000"/>
-                </a:solidFill>
-              </a:rPr>
-              <a:t>:</a:t>
-            </a:r>
-          </a:p>
-          <a:p>
-            <a:pPr lvl="1">
-              <a:buNone/>
-            </a:pPr>
-            <a:r>
-              <a:rPr lang="en-US" sz="2000" dirty="0" smtClean="0">
-                <a:solidFill>
-                  <a:srgbClr val="008000"/>
-                </a:solidFill>
-              </a:rPr>
-              <a:t>			verbose_name </a:t>
-            </a:r>
-            <a:r>
-              <a:rPr lang="en-US" sz="2000" b="1" dirty="0" smtClean="0">
-                <a:solidFill>
-                  <a:srgbClr val="008000"/>
-                </a:solidFill>
-              </a:rPr>
-              <a:t>=</a:t>
-            </a:r>
-            <a:r>
-              <a:rPr lang="en-US" sz="2000" dirty="0" smtClean="0">
-                <a:solidFill>
-                  <a:srgbClr val="008000"/>
-                </a:solidFill>
-              </a:rPr>
-              <a:t> </a:t>
-            </a:r>
-            <a:r>
-              <a:rPr lang="en-US" sz="2000" dirty="0" smtClean="0">
-                <a:solidFill>
-                  <a:srgbClr val="3366FF"/>
-                </a:solidFill>
-              </a:rPr>
-              <a:t>‘</a:t>
-            </a:r>
-            <a:r>
-              <a:rPr lang="ru-RU" sz="2000" dirty="0" smtClean="0">
-                <a:solidFill>
-                  <a:srgbClr val="3366FF"/>
-                </a:solidFill>
-              </a:rPr>
-              <a:t>Человек</a:t>
-            </a:r>
-            <a:r>
-              <a:rPr lang="en-US" sz="2000" dirty="0" smtClean="0">
-                <a:solidFill>
-                  <a:srgbClr val="3366FF"/>
-                </a:solidFill>
-              </a:rPr>
-              <a:t>’</a:t>
-            </a:r>
-          </a:p>
-          <a:p>
-            <a:pPr lvl="1">
-              <a:buNone/>
-            </a:pPr>
-            <a:r>
-              <a:rPr lang="en-US" sz="2000" dirty="0" smtClean="0">
-                <a:solidFill>
-                  <a:srgbClr val="008000"/>
-                </a:solidFill>
-              </a:rPr>
-              <a:t>			verbose_name_plural </a:t>
-            </a:r>
-            <a:r>
-              <a:rPr lang="en-US" sz="2000" b="1" dirty="0" smtClean="0">
-                <a:solidFill>
-                  <a:srgbClr val="008000"/>
-                </a:solidFill>
-              </a:rPr>
-              <a:t>=</a:t>
-            </a:r>
-            <a:r>
-              <a:rPr lang="en-US" sz="2000" dirty="0" smtClean="0">
-                <a:solidFill>
-                  <a:srgbClr val="008000"/>
-                </a:solidFill>
-              </a:rPr>
-              <a:t> </a:t>
-            </a:r>
-            <a:r>
-              <a:rPr lang="en-US" sz="2000" dirty="0" smtClean="0">
-                <a:solidFill>
-                  <a:srgbClr val="3366FF"/>
-                </a:solidFill>
-              </a:rPr>
-              <a:t>‘</a:t>
-            </a:r>
-            <a:r>
-              <a:rPr lang="ru-RU" sz="2000" dirty="0" smtClean="0">
-                <a:solidFill>
-                  <a:srgbClr val="3366FF"/>
-                </a:solidFill>
-              </a:rPr>
-              <a:t>Люди</a:t>
-            </a:r>
-            <a:r>
-              <a:rPr lang="en-US" sz="2000" dirty="0" smtClean="0">
-                <a:solidFill>
-                  <a:srgbClr val="3366FF"/>
-                </a:solidFill>
-              </a:rPr>
-              <a:t>’</a:t>
-            </a:r>
-            <a:endParaRPr lang="en-US" sz="2000" dirty="0">
-              <a:solidFill>
-                <a:srgbClr val="3366FF"/>
-              </a:solidFill>
-            </a:endParaRPr>
-          </a:p>
-        </p:txBody>
-      </p:sp>
-    </p:spTree>
-  </p:cSld>
-  <p:clrMapOvr>
-    <a:masterClrMapping/>
-  </p:clrMapOvr>
-  <p:timing>
-    <p:tnLst>
-      <p:par>
-        <p:cTn id="1" dur="indefinite" restart="never" nodeType="tmRoot"/>
-      </p:par>
-    </p:tnLst>
-  </p:timing>
-</p:sld>
-</file>
-
-<file path=ppt/slides/slide21.xml><?xml version="1.0" encoding="utf-8"?>
-<p:sld xmlns:a="http://schemas.openxmlformats.org/drawingml/2006/main" xmlns:r="http://schemas.openxmlformats.org/officeDocument/2006/relationships" xmlns:p="http://schemas.openxmlformats.org/presentationml/2006/main">
-  <p:cSld>
-    <p:spTree>
-      <p:nvGrpSpPr>
-        <p:cNvPr id="1" name=""/>
-        <p:cNvGrpSpPr/>
-        <p:nvPr/>
-      </p:nvGrpSpPr>
-      <p:grpSpPr>
-        <a:xfrm>
-          <a:off x="0" y="0"/>
-          <a:ext cx="0" cy="0"/>
-          <a:chOff x="0" y="0"/>
-          <a:chExt cx="0" cy="0"/>
-        </a:xfrm>
-      </p:grpSpPr>
-      <p:sp>
-        <p:nvSpPr>
-          <p:cNvPr id="2" name="Title 1"/>
-          <p:cNvSpPr>
-            <a:spLocks noGrp="1"/>
-          </p:cNvSpPr>
-          <p:nvPr>
-            <p:ph type="title"/>
-          </p:nvPr>
-        </p:nvSpPr>
-        <p:spPr/>
-        <p:txBody>
-          <a:bodyPr/>
-          <a:lstStyle/>
-          <a:p>
-            <a:r>
-              <a:rPr lang="ru-RU" dirty="0" smtClean="0">
-                <a:solidFill>
-                  <a:schemeClr val="accent6">
-                    <a:lumMod val="50000"/>
-                  </a:schemeClr>
-                </a:solidFill>
-              </a:rPr>
-              <a:t>Возможности моделей</a:t>
-            </a:r>
-            <a:endParaRPr lang="en-US" dirty="0">
-              <a:solidFill>
-                <a:schemeClr val="accent6">
-                  <a:lumMod val="50000"/>
-                </a:schemeClr>
-              </a:solidFill>
-            </a:endParaRPr>
-          </a:p>
-        </p:txBody>
-      </p:sp>
-      <p:sp>
-        <p:nvSpPr>
-          <p:cNvPr id="3" name="Content Placeholder 2"/>
-          <p:cNvSpPr>
-            <a:spLocks noGrp="1"/>
-          </p:cNvSpPr>
-          <p:nvPr>
-            <p:ph idx="1"/>
-          </p:nvPr>
-        </p:nvSpPr>
-        <p:spPr/>
-        <p:txBody>
-          <a:bodyPr>
-            <a:normAutofit lnSpcReduction="10000"/>
-          </a:bodyPr>
-          <a:lstStyle/>
-          <a:p>
-            <a:r>
-              <a:rPr lang="ru-RU" dirty="0" smtClean="0"/>
-              <a:t>Набор типов полей:</a:t>
-            </a:r>
-          </a:p>
-          <a:p>
-            <a:pPr>
-              <a:buNone/>
-            </a:pPr>
-            <a:r>
-              <a:rPr lang="en-US" sz="2400" dirty="0" smtClean="0">
-                <a:solidFill>
-                  <a:srgbClr val="008000"/>
-                </a:solidFill>
-              </a:rPr>
-              <a:t>	char, text, email, xml, integer, date, file </a:t>
-            </a:r>
-            <a:r>
-              <a:rPr lang="ru-RU" sz="2400" dirty="0" smtClean="0"/>
-              <a:t>и др.</a:t>
-            </a:r>
-            <a:endParaRPr lang="en-US" sz="2400" dirty="0" smtClean="0"/>
-          </a:p>
-          <a:p>
-            <a:r>
-              <a:rPr lang="ru-RU" dirty="0" smtClean="0"/>
-              <a:t>Отношения между моделями:</a:t>
-            </a:r>
-          </a:p>
-          <a:p>
-            <a:pPr>
-              <a:buNone/>
-            </a:pPr>
-            <a:r>
-              <a:rPr lang="en-US" sz="2400" dirty="0" smtClean="0">
-                <a:solidFill>
-                  <a:srgbClr val="008000"/>
-                </a:solidFill>
-              </a:rPr>
-              <a:t>	father = models.ForeignKey(Person)</a:t>
-            </a:r>
-          </a:p>
-          <a:p>
-            <a:pPr>
-              <a:buNone/>
-            </a:pPr>
-            <a:r>
-              <a:rPr lang="en-US" sz="2400" dirty="0" smtClean="0">
-                <a:solidFill>
-                  <a:srgbClr val="008000"/>
-                </a:solidFill>
-              </a:rPr>
-              <a:t>	friends = models.ManyToManyField(Person)</a:t>
-            </a:r>
-          </a:p>
-          <a:p>
-            <a:r>
-              <a:rPr lang="ru-RU" dirty="0" smtClean="0"/>
-              <a:t>Наследование</a:t>
-            </a:r>
-            <a:r>
-              <a:rPr lang="en-US" dirty="0" smtClean="0"/>
-              <a:t>;</a:t>
-            </a:r>
-            <a:endParaRPr lang="ru-RU" dirty="0" smtClean="0"/>
-          </a:p>
-          <a:p>
-            <a:r>
-              <a:rPr lang="ru-RU" dirty="0" smtClean="0"/>
-              <a:t>Мета-параметры</a:t>
-            </a:r>
-            <a:r>
-              <a:rPr lang="en-US" dirty="0" smtClean="0"/>
-              <a:t>;</a:t>
-            </a:r>
-          </a:p>
-          <a:p>
-            <a:r>
-              <a:rPr lang="ru-RU" dirty="0" smtClean="0"/>
-              <a:t>Взаимодействие с </a:t>
-            </a:r>
-            <a:r>
-              <a:rPr lang="en-US" dirty="0" smtClean="0"/>
-              <a:t>ORM;</a:t>
-            </a:r>
-          </a:p>
-          <a:p>
-            <a:r>
-              <a:rPr lang="ru-RU" dirty="0" smtClean="0"/>
-              <a:t>Валидация полей</a:t>
-            </a:r>
-            <a:r>
-              <a:rPr lang="en-US" dirty="0" smtClean="0"/>
-              <a:t>.</a:t>
-            </a:r>
-            <a:endParaRPr lang="en-US" dirty="0"/>
-          </a:p>
-        </p:txBody>
-      </p:sp>
-    </p:spTree>
-  </p:cSld>
-  <p:clrMapOvr>
-    <a:masterClrMapping/>
-  </p:clrMapOvr>
-  <p:timing>
-    <p:tnLst>
-      <p:par>
-        <p:cTn id="1" dur="indefinite" restart="never" nodeType="tmRoot"/>
-      </p:par>
-    </p:tnLst>
-  </p:timing>
-</p:sld>
-</file>
-
-<file path=ppt/slides/slide22.xml><?xml version="1.0" encoding="utf-8"?>
-<p:sld xmlns:a="http://schemas.openxmlformats.org/drawingml/2006/main" xmlns:r="http://schemas.openxmlformats.org/officeDocument/2006/relationships" xmlns:p="http://schemas.openxmlformats.org/presentationml/2006/main">
-  <p:cSld>
-    <p:spTree>
-      <p:nvGrpSpPr>
-        <p:cNvPr id="1" name=""/>
-        <p:cNvGrpSpPr/>
-        <p:nvPr/>
-      </p:nvGrpSpPr>
-      <p:grpSpPr>
-        <a:xfrm>
-          <a:off x="0" y="0"/>
-          <a:ext cx="0" cy="0"/>
-          <a:chOff x="0" y="0"/>
-          <a:chExt cx="0" cy="0"/>
-        </a:xfrm>
-      </p:grpSpPr>
-      <p:sp>
-        <p:nvSpPr>
-          <p:cNvPr id="2" name="Title 1"/>
-          <p:cNvSpPr>
-            <a:spLocks noGrp="1"/>
-          </p:cNvSpPr>
-          <p:nvPr>
-            <p:ph type="title"/>
-          </p:nvPr>
-        </p:nvSpPr>
-        <p:spPr/>
-        <p:txBody>
-          <a:bodyPr/>
-          <a:lstStyle/>
-          <a:p>
-            <a:r>
-              <a:rPr lang="en-US" dirty="0" smtClean="0">
-                <a:solidFill>
-                  <a:schemeClr val="accent6">
-                    <a:lumMod val="50000"/>
-                  </a:schemeClr>
-                </a:solidFill>
-              </a:rPr>
-              <a:t>ORM </a:t>
-            </a:r>
-            <a:r>
-              <a:rPr lang="ru-RU" dirty="0" smtClean="0">
-                <a:solidFill>
-                  <a:schemeClr val="accent6">
-                    <a:lumMod val="50000"/>
-                  </a:schemeClr>
-                </a:solidFill>
-              </a:rPr>
-              <a:t>в примерах</a:t>
-            </a:r>
-            <a:endParaRPr lang="en-US" dirty="0">
-              <a:solidFill>
-                <a:schemeClr val="accent6">
-                  <a:lumMod val="50000"/>
-                </a:schemeClr>
-              </a:solidFill>
-            </a:endParaRPr>
-          </a:p>
-        </p:txBody>
-      </p:sp>
-      <p:sp>
-        <p:nvSpPr>
-          <p:cNvPr id="3" name="Content Placeholder 2"/>
-          <p:cNvSpPr>
-            <a:spLocks noGrp="1"/>
-          </p:cNvSpPr>
-          <p:nvPr>
-            <p:ph idx="1"/>
-          </p:nvPr>
-        </p:nvSpPr>
-        <p:spPr/>
-        <p:txBody>
-          <a:bodyPr>
-            <a:normAutofit fontScale="70000" lnSpcReduction="20000"/>
-          </a:bodyPr>
-          <a:lstStyle/>
-          <a:p>
-            <a:pPr>
-              <a:buNone/>
-            </a:pPr>
-            <a:r>
-              <a:rPr lang="en-US" dirty="0" smtClean="0">
-                <a:solidFill>
-                  <a:srgbClr val="008000"/>
-                </a:solidFill>
-              </a:rPr>
-              <a:t>persons = Person.objects.all()</a:t>
-            </a:r>
-          </a:p>
-          <a:p>
-            <a:pPr>
-              <a:buNone/>
-            </a:pPr>
-            <a:r>
-              <a:rPr lang="en-US" dirty="0">
-                <a:solidFill>
-                  <a:srgbClr val="008000"/>
-                </a:solidFill>
-              </a:rPr>
-              <a:t>p</a:t>
-            </a:r>
-            <a:r>
-              <a:rPr lang="en-US" dirty="0" smtClean="0">
-                <a:solidFill>
-                  <a:srgbClr val="008000"/>
-                </a:solidFill>
-              </a:rPr>
-              <a:t>ersons = Person.objects.filter(first_name__contains=</a:t>
-            </a:r>
-            <a:r>
-              <a:rPr lang="en-US" dirty="0" smtClean="0">
-                <a:solidFill>
-                  <a:srgbClr val="3366FF"/>
-                </a:solidFill>
-              </a:rPr>
-              <a:t>‘</a:t>
-            </a:r>
-            <a:r>
-              <a:rPr lang="ru-RU" dirty="0" smtClean="0">
-                <a:solidFill>
-                  <a:srgbClr val="3366FF"/>
-                </a:solidFill>
-              </a:rPr>
-              <a:t>ан</a:t>
-            </a:r>
-            <a:r>
-              <a:rPr lang="en-US" dirty="0" smtClean="0">
-                <a:solidFill>
-                  <a:srgbClr val="3366FF"/>
-                </a:solidFill>
-              </a:rPr>
-              <a:t>’</a:t>
-            </a:r>
-            <a:r>
-              <a:rPr lang="en-US" dirty="0" smtClean="0">
-                <a:solidFill>
-                  <a:srgbClr val="008000"/>
-                </a:solidFill>
-              </a:rPr>
-              <a:t>)</a:t>
-            </a:r>
-          </a:p>
-          <a:p>
-            <a:endParaRPr lang="en-US" dirty="0" smtClean="0">
-              <a:solidFill>
-                <a:srgbClr val="008000"/>
-              </a:solidFill>
-            </a:endParaRPr>
-          </a:p>
-          <a:p>
-            <a:pPr>
-              <a:buNone/>
-            </a:pPr>
-            <a:r>
-              <a:rPr lang="en-US" dirty="0" smtClean="0">
-                <a:solidFill>
-                  <a:srgbClr val="008000"/>
-                </a:solidFill>
-              </a:rPr>
-              <a:t>posts = Post.objects.filter(title__startswith=</a:t>
-            </a:r>
-            <a:r>
-              <a:rPr lang="en-US" dirty="0" smtClean="0">
-                <a:solidFill>
-                  <a:srgbClr val="3366FF"/>
-                </a:solidFill>
-              </a:rPr>
-              <a:t>‘</a:t>
-            </a:r>
-            <a:r>
-              <a:rPr lang="ru-RU" dirty="0" smtClean="0">
-                <a:solidFill>
-                  <a:srgbClr val="3366FF"/>
-                </a:solidFill>
-              </a:rPr>
-              <a:t>Как</a:t>
-            </a:r>
-            <a:r>
-              <a:rPr lang="en-US" dirty="0" smtClean="0">
-                <a:solidFill>
-                  <a:srgbClr val="3366FF"/>
-                </a:solidFill>
-              </a:rPr>
-              <a:t>’</a:t>
-            </a:r>
-            <a:r>
-              <a:rPr lang="en-US" dirty="0" smtClean="0">
-                <a:solidFill>
-                  <a:srgbClr val="008000"/>
-                </a:solidFill>
-              </a:rPr>
-              <a:t>)</a:t>
-            </a:r>
-          </a:p>
-          <a:p>
-            <a:pPr>
-              <a:buNone/>
-            </a:pPr>
-            <a:r>
-              <a:rPr lang="en-US" dirty="0" smtClean="0">
-                <a:solidFill>
-                  <a:srgbClr val="008000"/>
-                </a:solidFill>
-              </a:rPr>
-              <a:t>			.exclude(pub_date__gte=datetime.now())</a:t>
-            </a:r>
-          </a:p>
-          <a:p>
-            <a:endParaRPr lang="en-US" dirty="0" smtClean="0">
-              <a:solidFill>
-                <a:srgbClr val="008000"/>
-              </a:solidFill>
-            </a:endParaRPr>
-          </a:p>
-          <a:p>
-            <a:pPr>
-              <a:buNone/>
-            </a:pPr>
-            <a:r>
-              <a:rPr lang="en-US" dirty="0" smtClean="0">
-                <a:solidFill>
-                  <a:schemeClr val="bg1">
-                    <a:lumMod val="50000"/>
-                  </a:schemeClr>
-                </a:solidFill>
-              </a:rPr>
-              <a:t># OFFSET 5 LIMIT 5</a:t>
-            </a:r>
-          </a:p>
-          <a:p>
-            <a:pPr>
-              <a:buNone/>
-            </a:pPr>
-            <a:r>
-              <a:rPr lang="en-US" dirty="0" smtClean="0">
-                <a:solidFill>
-                  <a:srgbClr val="008000"/>
-                </a:solidFill>
-              </a:rPr>
-              <a:t>entries = Entry.objects.all().order_by(</a:t>
-            </a:r>
-            <a:r>
-              <a:rPr lang="en-US" dirty="0" smtClean="0">
-                <a:solidFill>
-                  <a:srgbClr val="3366FF"/>
-                </a:solidFill>
-              </a:rPr>
-              <a:t>‘title’</a:t>
-            </a:r>
-            <a:r>
-              <a:rPr lang="en-US" dirty="0" smtClean="0">
-                <a:solidFill>
-                  <a:srgbClr val="008000"/>
-                </a:solidFill>
-              </a:rPr>
-              <a:t>)[5:10]</a:t>
-            </a:r>
-          </a:p>
-          <a:p>
-            <a:pPr>
-              <a:buNone/>
-            </a:pPr>
-            <a:endParaRPr lang="en-US" dirty="0" smtClean="0">
-              <a:solidFill>
-                <a:srgbClr val="008000"/>
-              </a:solidFill>
-            </a:endParaRPr>
-          </a:p>
-          <a:p>
-            <a:pPr>
-              <a:buNone/>
-            </a:pPr>
-            <a:r>
-              <a:rPr lang="en-US" dirty="0" smtClean="0">
-                <a:solidFill>
-                  <a:srgbClr val="7F7F7F"/>
-                </a:solidFill>
-              </a:rPr>
-              <a:t># AND + OR</a:t>
-            </a:r>
-          </a:p>
-          <a:p>
-            <a:pPr>
-              <a:buNone/>
-            </a:pPr>
-            <a:r>
-              <a:rPr lang="en-US" dirty="0" smtClean="0">
-                <a:solidFill>
-                  <a:srgbClr val="008000"/>
-                </a:solidFill>
-              </a:rPr>
-              <a:t>posts = Post.objects.get(Q(title__icontains=</a:t>
-            </a:r>
-            <a:r>
-              <a:rPr lang="en-US" dirty="0" smtClean="0">
-                <a:solidFill>
-                  <a:srgbClr val="3366FF"/>
-                </a:solidFill>
-              </a:rPr>
-              <a:t>‘</a:t>
-            </a:r>
-            <a:r>
-              <a:rPr lang="ru-RU" dirty="0" smtClean="0">
-                <a:solidFill>
-                  <a:srgbClr val="3366FF"/>
-                </a:solidFill>
-              </a:rPr>
-              <a:t>почему</a:t>
-            </a:r>
-            <a:r>
-              <a:rPr lang="en-US" dirty="0" smtClean="0">
-                <a:solidFill>
-                  <a:srgbClr val="3366FF"/>
-                </a:solidFill>
-              </a:rPr>
-              <a:t>’</a:t>
-            </a:r>
-            <a:r>
-              <a:rPr lang="en-US" dirty="0" smtClean="0">
-                <a:solidFill>
-                  <a:srgbClr val="008000"/>
-                </a:solidFill>
-              </a:rPr>
-              <a:t>),</a:t>
-            </a:r>
-          </a:p>
-          <a:p>
-            <a:pPr>
-              <a:buNone/>
-            </a:pPr>
-            <a:r>
-              <a:rPr lang="en-US" dirty="0" smtClean="0">
-                <a:solidFill>
-                  <a:srgbClr val="008000"/>
-                </a:solidFill>
-              </a:rPr>
-              <a:t>Q(pub_date=date(2011, 7, 5)) | Q(pub_date=date(2011, 7, 6))</a:t>
-            </a:r>
-            <a:endParaRPr lang="en-US" dirty="0">
-              <a:solidFill>
-                <a:srgbClr val="008000"/>
-              </a:solidFill>
-            </a:endParaRPr>
-          </a:p>
-        </p:txBody>
-      </p:sp>
-    </p:spTree>
-  </p:cSld>
-  <p:clrMapOvr>
-    <a:masterClrMapping/>
-  </p:clrMapOvr>
-  <p:timing>
-    <p:tnLst>
-      <p:par>
-        <p:cTn id="1" dur="indefinite" restart="never" nodeType="tmRoot"/>
-      </p:par>
-    </p:tnLst>
-  </p:timing>
-</p:sld>
-</file>
-
-<file path=ppt/slides/slide23.xml><?xml version="1.0" encoding="utf-8"?>
-<p:sld xmlns:a="http://schemas.openxmlformats.org/drawingml/2006/main" xmlns:r="http://schemas.openxmlformats.org/officeDocument/2006/relationships" xmlns:p="http://schemas.openxmlformats.org/presentationml/2006/main">
-  <p:cSld>
-    <p:spTree>
-      <p:nvGrpSpPr>
-        <p:cNvPr id="1" name=""/>
-        <p:cNvGrpSpPr/>
-        <p:nvPr/>
-      </p:nvGrpSpPr>
-      <p:grpSpPr>
-        <a:xfrm>
-          <a:off x="0" y="0"/>
-          <a:ext cx="0" cy="0"/>
-          <a:chOff x="0" y="0"/>
-          <a:chExt cx="0" cy="0"/>
-        </a:xfrm>
-      </p:grpSpPr>
-      <p:sp>
-        <p:nvSpPr>
-          <p:cNvPr id="2" name="Title 1"/>
-          <p:cNvSpPr>
-            <a:spLocks noGrp="1"/>
-          </p:cNvSpPr>
-          <p:nvPr>
-            <p:ph type="title"/>
-          </p:nvPr>
-        </p:nvSpPr>
-        <p:spPr/>
-        <p:txBody>
-          <a:bodyPr/>
-          <a:lstStyle/>
-          <a:p>
-            <a:r>
-              <a:rPr lang="ru-RU" dirty="0" smtClean="0">
-                <a:solidFill>
-                  <a:schemeClr val="accent6">
-                    <a:lumMod val="50000"/>
-                  </a:schemeClr>
-                </a:solidFill>
-              </a:rPr>
-              <a:t>Работа с моделями</a:t>
-            </a:r>
-            <a:endParaRPr lang="en-US" dirty="0">
-              <a:solidFill>
-                <a:schemeClr val="accent6">
-                  <a:lumMod val="50000"/>
-                </a:schemeClr>
-              </a:solidFill>
-            </a:endParaRPr>
-          </a:p>
-        </p:txBody>
-      </p:sp>
-      <p:sp>
-        <p:nvSpPr>
-          <p:cNvPr id="3" name="Content Placeholder 2"/>
-          <p:cNvSpPr>
-            <a:spLocks noGrp="1"/>
-          </p:cNvSpPr>
-          <p:nvPr>
-            <p:ph idx="1"/>
-          </p:nvPr>
-        </p:nvSpPr>
-        <p:spPr/>
-        <p:txBody>
-          <a:bodyPr>
-            <a:normAutofit fontScale="92500" lnSpcReduction="10000"/>
-          </a:bodyPr>
-          <a:lstStyle/>
-          <a:p>
-            <a:r>
-              <a:rPr lang="ru-RU" dirty="0" smtClean="0"/>
-              <a:t>Создание объекта:</a:t>
-            </a:r>
-          </a:p>
-          <a:p>
-            <a:pPr>
-              <a:buNone/>
-            </a:pPr>
-            <a:r>
-              <a:rPr lang="en-US" sz="2595" dirty="0" smtClean="0">
-                <a:solidFill>
-                  <a:srgbClr val="008000"/>
-                </a:solidFill>
-              </a:rPr>
-              <a:t>	p = Person(first_name=</a:t>
-            </a:r>
-            <a:r>
-              <a:rPr lang="en-US" sz="2595" dirty="0" smtClean="0">
-                <a:solidFill>
-                  <a:srgbClr val="3366FF"/>
-                </a:solidFill>
-              </a:rPr>
-              <a:t>“</a:t>
-            </a:r>
-            <a:r>
-              <a:rPr lang="ru-RU" sz="2595" dirty="0" smtClean="0">
-                <a:solidFill>
-                  <a:srgbClr val="3366FF"/>
-                </a:solidFill>
-              </a:rPr>
-              <a:t>Иван</a:t>
-            </a:r>
-            <a:r>
-              <a:rPr lang="en-US" sz="2595" dirty="0" smtClean="0">
-                <a:solidFill>
-                  <a:srgbClr val="3366FF"/>
-                </a:solidFill>
-              </a:rPr>
-              <a:t>”</a:t>
-            </a:r>
-            <a:r>
-              <a:rPr lang="en-US" sz="2595" dirty="0" smtClean="0">
-                <a:solidFill>
-                  <a:srgbClr val="008000"/>
-                </a:solidFill>
-              </a:rPr>
-              <a:t>, last_name=</a:t>
-            </a:r>
-            <a:r>
-              <a:rPr lang="en-US" sz="2595" dirty="0" smtClean="0">
-                <a:solidFill>
-                  <a:srgbClr val="3366FF"/>
-                </a:solidFill>
-              </a:rPr>
-              <a:t>“</a:t>
-            </a:r>
-            <a:r>
-              <a:rPr lang="ru-RU" sz="2595" dirty="0" smtClean="0">
-                <a:solidFill>
-                  <a:srgbClr val="3366FF"/>
-                </a:solidFill>
-              </a:rPr>
-              <a:t>Иванов</a:t>
-            </a:r>
-            <a:r>
-              <a:rPr lang="en-US" sz="2595" dirty="0" smtClean="0">
-                <a:solidFill>
-                  <a:srgbClr val="3366FF"/>
-                </a:solidFill>
-              </a:rPr>
-              <a:t>”</a:t>
-            </a:r>
-            <a:r>
-              <a:rPr lang="en-US" sz="2595" dirty="0" smtClean="0">
-                <a:solidFill>
-                  <a:srgbClr val="008000"/>
-                </a:solidFill>
-              </a:rPr>
-              <a:t>).save()</a:t>
-            </a:r>
-          </a:p>
-          <a:p>
-            <a:r>
-              <a:rPr lang="ru-RU" dirty="0" smtClean="0"/>
-              <a:t>Редактирование:</a:t>
-            </a:r>
-          </a:p>
-          <a:p>
-            <a:pPr>
-              <a:buNone/>
-            </a:pPr>
-            <a:r>
-              <a:rPr lang="en-US" sz="2595" dirty="0" smtClean="0">
-                <a:solidFill>
-                  <a:srgbClr val="008000"/>
-                </a:solidFill>
-              </a:rPr>
-              <a:t>	p.update(first_name=</a:t>
-            </a:r>
-            <a:r>
-              <a:rPr lang="en-US" sz="2595" dirty="0" smtClean="0">
-                <a:solidFill>
-                  <a:srgbClr val="3366FF"/>
-                </a:solidFill>
-              </a:rPr>
-              <a:t>“</a:t>
-            </a:r>
-            <a:r>
-              <a:rPr lang="ru-RU" sz="2595" dirty="0" smtClean="0">
-                <a:solidFill>
-                  <a:srgbClr val="3366FF"/>
-                </a:solidFill>
-              </a:rPr>
-              <a:t>Николай</a:t>
-            </a:r>
-            <a:r>
-              <a:rPr lang="en-US" sz="2595" dirty="0" smtClean="0">
-                <a:solidFill>
-                  <a:srgbClr val="3366FF"/>
-                </a:solidFill>
-              </a:rPr>
-              <a:t>”</a:t>
-            </a:r>
-            <a:r>
-              <a:rPr lang="en-US" sz="2595" dirty="0" smtClean="0">
-                <a:solidFill>
-                  <a:srgbClr val="008000"/>
-                </a:solidFill>
-              </a:rPr>
-              <a:t>)</a:t>
-            </a:r>
-          </a:p>
-          <a:p>
-            <a:r>
-              <a:rPr lang="ru-RU" dirty="0" smtClean="0"/>
-              <a:t>Удаление:</a:t>
-            </a:r>
-          </a:p>
-          <a:p>
-            <a:pPr>
-              <a:buNone/>
-            </a:pPr>
-            <a:r>
-              <a:rPr lang="en-US" sz="2595" dirty="0" smtClean="0">
-                <a:solidFill>
-                  <a:srgbClr val="008000"/>
-                </a:solidFill>
-              </a:rPr>
-              <a:t>	p.delete()</a:t>
-            </a:r>
-            <a:endParaRPr lang="ru-RU" sz="2595" dirty="0" smtClean="0">
-              <a:solidFill>
-                <a:srgbClr val="008000"/>
-              </a:solidFill>
-            </a:endParaRPr>
-          </a:p>
-          <a:p>
-            <a:r>
-              <a:rPr lang="ru-RU" dirty="0" smtClean="0"/>
-              <a:t>Выборка связанных:</a:t>
-            </a:r>
-          </a:p>
-          <a:p>
-            <a:pPr>
-              <a:buNone/>
-            </a:pPr>
-            <a:r>
-              <a:rPr lang="en-US" sz="2595" dirty="0" smtClean="0">
-                <a:solidFill>
-                  <a:srgbClr val="008000"/>
-                </a:solidFill>
-              </a:rPr>
-              <a:t>	group.members.all()</a:t>
-            </a:r>
-          </a:p>
-          <a:p>
-            <a:pPr>
-              <a:buNone/>
-            </a:pPr>
-            <a:r>
-              <a:rPr lang="en-US" sz="2595" dirty="0" smtClean="0">
-                <a:solidFill>
-                  <a:srgbClr val="008000"/>
-                </a:solidFill>
-              </a:rPr>
-              <a:t>	</a:t>
-            </a:r>
-            <a:r>
-              <a:rPr lang="en-US" sz="2595" dirty="0" err="1" smtClean="0">
-                <a:solidFill>
-                  <a:srgbClr val="008000"/>
-                </a:solidFill>
-              </a:rPr>
-              <a:t>group.album_set.all</a:t>
-            </a:r>
-            <a:r>
-              <a:rPr lang="en-US" sz="2595" dirty="0" smtClean="0">
-                <a:solidFill>
-                  <a:srgbClr val="008000"/>
-                </a:solidFill>
-              </a:rPr>
-              <a:t>()</a:t>
-            </a:r>
-          </a:p>
-          <a:p>
-            <a:pPr>
-              <a:buNone/>
-            </a:pPr>
-            <a:endParaRPr lang="en-US" dirty="0"/>
-          </a:p>
-        </p:txBody>
-      </p:sp>
-    </p:spTree>
-  </p:cSld>
-  <p:clrMapOvr>
-    <a:masterClrMapping/>
-  </p:clrMapOvr>
-  <p:timing>
-    <p:tnLst>
-      <p:par>
-        <p:cTn id="1" dur="indefinite" restart="never" nodeType="tmRoot"/>
-      </p:par>
-    </p:tnLst>
-  </p:timing>
-</p:sld>
-</file>
-
-<file path=ppt/slides/slide24.xml><?xml version="1.0" encoding="utf-8"?>
-<p:sld xmlns:a="http://schemas.openxmlformats.org/drawingml/2006/main" xmlns:r="http://schemas.openxmlformats.org/officeDocument/2006/relationships" xmlns:p="http://schemas.openxmlformats.org/presentationml/2006/main">
-  <p:cSld>
-    <p:spTree>
-      <p:nvGrpSpPr>
-        <p:cNvPr id="1" name=""/>
-        <p:cNvGrpSpPr/>
-        <p:nvPr/>
-      </p:nvGrpSpPr>
-      <p:grpSpPr>
-        <a:xfrm>
-          <a:off x="0" y="0"/>
-          <a:ext cx="0" cy="0"/>
-          <a:chOff x="0" y="0"/>
-          <a:chExt cx="0" cy="0"/>
-        </a:xfrm>
-      </p:grpSpPr>
-      <p:sp>
-        <p:nvSpPr>
-          <p:cNvPr id="2" name="Title 1"/>
-          <p:cNvSpPr>
-            <a:spLocks noGrp="1"/>
-          </p:cNvSpPr>
-          <p:nvPr>
-            <p:ph type="title"/>
-          </p:nvPr>
-        </p:nvSpPr>
-        <p:spPr/>
-        <p:txBody>
-          <a:bodyPr/>
-          <a:lstStyle/>
-          <a:p>
-            <a:r>
-              <a:rPr lang="ru-RU" dirty="0" smtClean="0">
-                <a:solidFill>
-                  <a:srgbClr val="984807"/>
-                </a:solidFill>
-              </a:rPr>
-              <a:t>Шаблоны</a:t>
-            </a:r>
-            <a:endParaRPr lang="en-US" dirty="0">
-              <a:solidFill>
-                <a:srgbClr val="984807"/>
-              </a:solidFill>
-            </a:endParaRPr>
-          </a:p>
-        </p:txBody>
-      </p:sp>
-      <p:sp>
-        <p:nvSpPr>
-          <p:cNvPr id="3" name="Content Placeholder 2"/>
-          <p:cNvSpPr>
-            <a:spLocks noGrp="1"/>
-          </p:cNvSpPr>
-          <p:nvPr>
-            <p:ph idx="1"/>
-          </p:nvPr>
-        </p:nvSpPr>
-        <p:spPr/>
-        <p:txBody>
-          <a:bodyPr>
-            <a:normAutofit/>
-          </a:bodyPr>
-          <a:lstStyle/>
-          <a:p>
-            <a:r>
-              <a:rPr lang="ru-RU" sz="3000" dirty="0" smtClean="0"/>
-              <a:t>Специальные теги</a:t>
-            </a:r>
-          </a:p>
-          <a:p>
-            <a:r>
-              <a:rPr lang="ru-RU" sz="3000" dirty="0" smtClean="0"/>
-              <a:t>Наследование шаблонов</a:t>
-            </a:r>
-          </a:p>
-          <a:p>
-            <a:r>
-              <a:rPr lang="ru-RU" sz="3000" dirty="0" smtClean="0"/>
-              <a:t>Блоки, переопределение блоков</a:t>
-            </a:r>
-          </a:p>
-          <a:p>
-            <a:r>
-              <a:rPr lang="ru-RU" sz="3000" dirty="0" smtClean="0"/>
-              <a:t>Фильтры</a:t>
-            </a:r>
-            <a:endParaRPr lang="en-US" sz="3000" dirty="0" smtClean="0"/>
-          </a:p>
-          <a:p>
-            <a:r>
-              <a:rPr lang="ru-RU" sz="3000" dirty="0" smtClean="0"/>
-              <a:t>Поддержка интернационализации</a:t>
-            </a:r>
-            <a:endParaRPr lang="en-US" sz="3000" dirty="0" smtClean="0"/>
-          </a:p>
-          <a:p>
-            <a:r>
-              <a:rPr lang="ru-RU" sz="3000" dirty="0" smtClean="0"/>
-              <a:t>Поддержка базовых операторов</a:t>
-            </a:r>
-            <a:r>
-              <a:rPr lang="en-US" sz="3000" dirty="0" smtClean="0"/>
-              <a:t> (for, if)</a:t>
-            </a:r>
-            <a:endParaRPr lang="ru-RU" sz="3000" dirty="0" smtClean="0"/>
-          </a:p>
-          <a:p>
-            <a:r>
-              <a:rPr lang="ru-RU" sz="3000" dirty="0" smtClean="0"/>
-              <a:t>Возможность создания собственных тегов</a:t>
-            </a:r>
-            <a:r>
-              <a:rPr lang="en-US" sz="3000" dirty="0" smtClean="0"/>
-              <a:t> </a:t>
-            </a:r>
-            <a:r>
-              <a:rPr lang="ru-RU" sz="3000" dirty="0" smtClean="0"/>
-              <a:t>и фильтров</a:t>
-            </a:r>
-            <a:endParaRPr lang="en-US" sz="3000" dirty="0"/>
-          </a:p>
-        </p:txBody>
-      </p:sp>
-    </p:spTree>
-  </p:cSld>
-  <p:clrMapOvr>
-    <a:masterClrMapping/>
-  </p:clrMapOvr>
-  <p:timing>
-    <p:tnLst>
-      <p:par>
-        <p:cTn id="1" dur="indefinite" restart="never" nodeType="tmRoot"/>
-      </p:par>
-    </p:tnLst>
-  </p:timing>
-</p:sld>
-</file>
-
-<file path=ppt/slides/slide25.xml><?xml version="1.0" encoding="utf-8"?>
-<p:sld xmlns:a="http://schemas.openxmlformats.org/drawingml/2006/main" xmlns:r="http://schemas.openxmlformats.org/officeDocument/2006/relationships" xmlns:p="http://schemas.openxmlformats.org/presentationml/2006/main">
-  <p:cSld>
-    <p:spTree>
-      <p:nvGrpSpPr>
-        <p:cNvPr id="1" name=""/>
-        <p:cNvGrpSpPr/>
-        <p:nvPr/>
-      </p:nvGrpSpPr>
-      <p:grpSpPr>
-        <a:xfrm>
-          <a:off x="0" y="0"/>
-          <a:ext cx="0" cy="0"/>
-          <a:chOff x="0" y="0"/>
-          <a:chExt cx="0" cy="0"/>
-        </a:xfrm>
-      </p:grpSpPr>
-      <p:sp>
-        <p:nvSpPr>
-          <p:cNvPr id="2" name="Title 1"/>
-          <p:cNvSpPr>
-            <a:spLocks noGrp="1"/>
-          </p:cNvSpPr>
-          <p:nvPr>
-            <p:ph type="title"/>
-          </p:nvPr>
-        </p:nvSpPr>
-        <p:spPr/>
-        <p:txBody>
-          <a:bodyPr/>
-          <a:lstStyle/>
-          <a:p>
-            <a:r>
-              <a:rPr lang="ru-RU" dirty="0" smtClean="0">
-                <a:solidFill>
-                  <a:srgbClr val="984807"/>
-                </a:solidFill>
-              </a:rPr>
-              <a:t>Пример шаблона</a:t>
-            </a:r>
-            <a:endParaRPr lang="en-US" dirty="0">
-              <a:solidFill>
-                <a:srgbClr val="984807"/>
-              </a:solidFill>
-            </a:endParaRPr>
-          </a:p>
-        </p:txBody>
-      </p:sp>
-      <p:sp>
-        <p:nvSpPr>
-          <p:cNvPr id="3" name="Content Placeholder 2"/>
-          <p:cNvSpPr>
-            <a:spLocks noGrp="1"/>
-          </p:cNvSpPr>
-          <p:nvPr>
-            <p:ph idx="1"/>
-          </p:nvPr>
-        </p:nvSpPr>
-        <p:spPr/>
-        <p:txBody>
-          <a:bodyPr>
-            <a:normAutofit fontScale="55000" lnSpcReduction="20000"/>
-          </a:bodyPr>
-          <a:lstStyle/>
-          <a:p>
-            <a:pPr>
-              <a:buNone/>
-            </a:pPr>
-            <a:r>
-              <a:rPr lang="en-US" dirty="0" smtClean="0"/>
-              <a:t>base.html:</a:t>
-            </a:r>
-          </a:p>
-          <a:p>
-            <a:pPr>
-              <a:buNone/>
-            </a:pPr>
-            <a:r>
-              <a:rPr lang="en-US" dirty="0" smtClean="0"/>
-              <a:t>	</a:t>
-            </a:r>
-            <a:r>
-              <a:rPr lang="en-US" dirty="0" smtClean="0">
-                <a:solidFill>
-                  <a:srgbClr val="008000"/>
-                </a:solidFill>
-              </a:rPr>
-              <a:t>&lt;html&gt;</a:t>
-            </a:r>
-          </a:p>
-          <a:p>
-            <a:pPr>
-              <a:buNone/>
-            </a:pPr>
-            <a:r>
-              <a:rPr lang="en-US" dirty="0" smtClean="0">
-                <a:solidFill>
-                  <a:srgbClr val="008000"/>
-                </a:solidFill>
-              </a:rPr>
-              <a:t>			&lt;head&gt;</a:t>
-            </a:r>
-          </a:p>
-          <a:p>
-            <a:pPr>
-              <a:buNone/>
-            </a:pPr>
-            <a:r>
-              <a:rPr lang="en-US" dirty="0" smtClean="0">
-                <a:solidFill>
-                  <a:srgbClr val="008000"/>
-                </a:solidFill>
-              </a:rPr>
-              <a:t>				&lt;title&gt;</a:t>
-            </a:r>
-            <a:r>
-              <a:rPr lang="en-US" b="1" dirty="0" smtClean="0">
-                <a:solidFill>
-                  <a:srgbClr val="008000"/>
-                </a:solidFill>
-              </a:rPr>
-              <a:t>{% block </a:t>
-            </a:r>
-            <a:r>
-              <a:rPr lang="en-US" dirty="0" smtClean="0">
-                <a:solidFill>
-                  <a:srgbClr val="008000"/>
-                </a:solidFill>
-              </a:rPr>
-              <a:t>title </a:t>
-            </a:r>
-            <a:r>
-              <a:rPr lang="en-US" b="1" dirty="0" smtClean="0">
-                <a:solidFill>
-                  <a:srgbClr val="008000"/>
-                </a:solidFill>
-              </a:rPr>
-              <a:t>%}</a:t>
-            </a:r>
-            <a:r>
-              <a:rPr lang="en-US" dirty="0" smtClean="0">
-                <a:solidFill>
-                  <a:srgbClr val="008000"/>
-                </a:solidFill>
-              </a:rPr>
-              <a:t>My Site</a:t>
-            </a:r>
-            <a:r>
-              <a:rPr lang="en-US" b="1" dirty="0" smtClean="0">
-                <a:solidFill>
-                  <a:srgbClr val="008000"/>
-                </a:solidFill>
-              </a:rPr>
-              <a:t>{% endblock %}</a:t>
-            </a:r>
-            <a:r>
-              <a:rPr lang="en-US" dirty="0" smtClean="0">
-                <a:solidFill>
-                  <a:srgbClr val="008000"/>
-                </a:solidFill>
-              </a:rPr>
-              <a:t>&lt;/title&gt;</a:t>
-            </a:r>
-          </a:p>
-          <a:p>
-            <a:pPr>
-              <a:buNone/>
-            </a:pPr>
-            <a:r>
-              <a:rPr lang="en-US" dirty="0" smtClean="0">
-                <a:solidFill>
-                  <a:srgbClr val="008000"/>
-                </a:solidFill>
-              </a:rPr>
-              <a:t>			&lt;/head&gt;</a:t>
-            </a:r>
-          </a:p>
-          <a:p>
-            <a:pPr>
-              <a:buNone/>
-            </a:pPr>
-            <a:r>
-              <a:rPr lang="en-US" dirty="0" smtClean="0">
-                <a:solidFill>
-                  <a:srgbClr val="008000"/>
-                </a:solidFill>
-              </a:rPr>
-              <a:t>			&lt;body&gt;</a:t>
-            </a:r>
-          </a:p>
-          <a:p>
-            <a:pPr>
-              <a:buNone/>
-            </a:pPr>
-            <a:r>
-              <a:rPr lang="en-US" dirty="0" smtClean="0">
-                <a:solidFill>
-                  <a:srgbClr val="008000"/>
-                </a:solidFill>
-              </a:rPr>
-              <a:t>				</a:t>
-            </a:r>
-            <a:r>
-              <a:rPr lang="en-US" b="1" dirty="0" smtClean="0">
-                <a:solidFill>
-                  <a:srgbClr val="008000"/>
-                </a:solidFill>
-              </a:rPr>
-              <a:t>{% block </a:t>
-            </a:r>
-            <a:r>
-              <a:rPr lang="en-US" dirty="0" smtClean="0">
-                <a:solidFill>
-                  <a:srgbClr val="008000"/>
-                </a:solidFill>
-              </a:rPr>
-              <a:t>content </a:t>
-            </a:r>
-            <a:r>
-              <a:rPr lang="en-US" b="1" dirty="0" smtClean="0">
-                <a:solidFill>
-                  <a:srgbClr val="008000"/>
-                </a:solidFill>
-              </a:rPr>
-              <a:t>%}{% endblock %}</a:t>
-            </a:r>
-          </a:p>
-          <a:p>
-            <a:pPr>
-              <a:buNone/>
-            </a:pPr>
-            <a:r>
-              <a:rPr lang="en-US" dirty="0" smtClean="0">
-                <a:solidFill>
-                  <a:srgbClr val="008000"/>
-                </a:solidFill>
-              </a:rPr>
-              <a:t>			&lt;/body&gt;</a:t>
-            </a:r>
-          </a:p>
-          <a:p>
-            <a:pPr>
-              <a:buNone/>
-            </a:pPr>
-            <a:r>
-              <a:rPr lang="en-US" dirty="0" smtClean="0">
-                <a:solidFill>
-                  <a:srgbClr val="008000"/>
-                </a:solidFill>
-              </a:rPr>
-              <a:t>	&lt;/html&gt;</a:t>
-            </a:r>
-          </a:p>
-          <a:p>
-            <a:pPr>
-              <a:buNone/>
-            </a:pPr>
-            <a:endParaRPr lang="en-US" dirty="0" smtClean="0">
-              <a:solidFill>
-                <a:srgbClr val="008000"/>
-              </a:solidFill>
-            </a:endParaRPr>
-          </a:p>
-          <a:p>
-            <a:pPr>
-              <a:buNone/>
-            </a:pPr>
-            <a:r>
-              <a:rPr lang="en-US" dirty="0" smtClean="0"/>
-              <a:t>page.html:</a:t>
-            </a:r>
-          </a:p>
-          <a:p>
-            <a:pPr>
-              <a:buNone/>
-            </a:pPr>
-            <a:r>
-              <a:rPr lang="en-US" dirty="0" smtClean="0">
-                <a:solidFill>
-                  <a:srgbClr val="008000"/>
-                </a:solidFill>
-              </a:rPr>
-              <a:t>	</a:t>
-            </a:r>
-            <a:r>
-              <a:rPr lang="en-US" b="1" dirty="0" smtClean="0">
-                <a:solidFill>
-                  <a:srgbClr val="008000"/>
-                </a:solidFill>
-              </a:rPr>
-              <a:t>{% extends “</a:t>
-            </a:r>
-            <a:r>
-              <a:rPr lang="en-US" dirty="0" smtClean="0">
-                <a:solidFill>
-                  <a:srgbClr val="008000"/>
-                </a:solidFill>
-              </a:rPr>
-              <a:t>base.html</a:t>
-            </a:r>
-            <a:r>
-              <a:rPr lang="en-US" b="1" dirty="0" smtClean="0">
-                <a:solidFill>
-                  <a:srgbClr val="008000"/>
-                </a:solidFill>
-              </a:rPr>
-              <a:t>” %}</a:t>
-            </a:r>
-          </a:p>
-          <a:p>
-            <a:pPr>
-              <a:buNone/>
-            </a:pPr>
-            <a:r>
-              <a:rPr lang="en-US" b="1" dirty="0" smtClean="0">
-                <a:solidFill>
-                  <a:srgbClr val="008000"/>
-                </a:solidFill>
-              </a:rPr>
-              <a:t>	{% load </a:t>
-            </a:r>
-            <a:r>
-              <a:rPr lang="en-US" dirty="0" smtClean="0">
-                <a:solidFill>
-                  <a:srgbClr val="008000"/>
-                </a:solidFill>
-              </a:rPr>
-              <a:t>i18n </a:t>
-            </a:r>
-            <a:r>
-              <a:rPr lang="en-US" b="1" dirty="0" smtClean="0">
-                <a:solidFill>
-                  <a:srgbClr val="008000"/>
-                </a:solidFill>
-              </a:rPr>
-              <a:t>%}</a:t>
-            </a:r>
-          </a:p>
-          <a:p>
-            <a:pPr>
-              <a:buNone/>
-            </a:pPr>
-            <a:r>
-              <a:rPr lang="en-US" b="1" dirty="0" smtClean="0">
-                <a:solidFill>
-                  <a:srgbClr val="008000"/>
-                </a:solidFill>
-              </a:rPr>
-              <a:t>	{% block </a:t>
-            </a:r>
-            <a:r>
-              <a:rPr lang="en-US" dirty="0" smtClean="0">
-                <a:solidFill>
-                  <a:srgbClr val="008000"/>
-                </a:solidFill>
-              </a:rPr>
-              <a:t>content </a:t>
-            </a:r>
-            <a:r>
-              <a:rPr lang="en-US" b="1" dirty="0" smtClean="0">
-                <a:solidFill>
-                  <a:srgbClr val="008000"/>
-                </a:solidFill>
-              </a:rPr>
-              <a:t>%}</a:t>
-            </a:r>
-          </a:p>
-          <a:p>
-            <a:pPr>
-              <a:buNone/>
-            </a:pPr>
-            <a:r>
-              <a:rPr lang="en-US" dirty="0" smtClean="0">
-                <a:solidFill>
-                  <a:srgbClr val="008000"/>
-                </a:solidFill>
-              </a:rPr>
-              <a:t>			&lt;p&gt;</a:t>
-            </a:r>
-            <a:r>
-              <a:rPr lang="en-US" b="1" dirty="0" smtClean="0">
-                <a:solidFill>
-                  <a:srgbClr val="008000"/>
-                </a:solidFill>
-              </a:rPr>
-              <a:t>{% trans </a:t>
-            </a:r>
-            <a:r>
-              <a:rPr lang="en-US" b="1" dirty="0" smtClean="0">
-                <a:solidFill>
-                  <a:srgbClr val="3366FF"/>
-                </a:solidFill>
-              </a:rPr>
-              <a:t>“</a:t>
-            </a:r>
-            <a:r>
-              <a:rPr lang="ru-RU" dirty="0" smtClean="0">
-                <a:solidFill>
-                  <a:srgbClr val="3366FF"/>
-                </a:solidFill>
-              </a:rPr>
-              <a:t>Содержимое блока</a:t>
-            </a:r>
-            <a:r>
-              <a:rPr lang="en-US" b="1" dirty="0" smtClean="0">
-                <a:solidFill>
-                  <a:srgbClr val="3366FF"/>
-                </a:solidFill>
-              </a:rPr>
-              <a:t>”</a:t>
-            </a:r>
-            <a:r>
-              <a:rPr lang="en-US" b="1" dirty="0" smtClean="0">
-                <a:solidFill>
-                  <a:srgbClr val="008000"/>
-                </a:solidFill>
-              </a:rPr>
-              <a:t> %}</a:t>
-            </a:r>
-            <a:r>
-              <a:rPr lang="en-US" dirty="0" smtClean="0">
-                <a:solidFill>
-                  <a:srgbClr val="008000"/>
-                </a:solidFill>
-              </a:rPr>
-              <a:t>&lt;/p&gt;</a:t>
-            </a:r>
-          </a:p>
-          <a:p>
-            <a:pPr>
-              <a:buNone/>
-            </a:pPr>
-            <a:r>
-              <a:rPr lang="en-US" dirty="0" smtClean="0">
-                <a:solidFill>
-                  <a:srgbClr val="008000"/>
-                </a:solidFill>
-              </a:rPr>
-              <a:t>	</a:t>
-            </a:r>
-            <a:r>
-              <a:rPr lang="en-US" b="1" dirty="0" smtClean="0">
-                <a:solidFill>
-                  <a:srgbClr val="008000"/>
-                </a:solidFill>
-              </a:rPr>
-              <a:t>{% endblock %}</a:t>
-            </a:r>
-          </a:p>
-        </p:txBody>
-      </p:sp>
-    </p:spTree>
-  </p:cSld>
-  <p:clrMapOvr>
-    <a:masterClrMapping/>
-  </p:clrMapOvr>
-  <p:timing>
-    <p:tnLst>
-      <p:par>
-        <p:cTn id="1" dur="indefinite" restart="never" nodeType="tmRoot"/>
-      </p:par>
-    </p:tnLst>
-  </p:timing>
-</p:sld>
-</file>
-
-<file path=ppt/slides/slide26.xml><?xml version="1.0" encoding="utf-8"?>
-<p:sld xmlns:a="http://schemas.openxmlformats.org/drawingml/2006/main" xmlns:r="http://schemas.openxmlformats.org/officeDocument/2006/relationships" xmlns:p="http://schemas.openxmlformats.org/presentationml/2006/main">
-  <p:cSld>
-    <p:spTree>
-      <p:nvGrpSpPr>
-        <p:cNvPr id="1" name=""/>
-        <p:cNvGrpSpPr/>
-        <p:nvPr/>
-      </p:nvGrpSpPr>
-      <p:grpSpPr>
-        <a:xfrm>
-          <a:off x="0" y="0"/>
-          <a:ext cx="0" cy="0"/>
-          <a:chOff x="0" y="0"/>
-          <a:chExt cx="0" cy="0"/>
-        </a:xfrm>
-      </p:grpSpPr>
-      <p:sp>
-        <p:nvSpPr>
-          <p:cNvPr id="2" name="Title 1"/>
-          <p:cNvSpPr>
-            <a:spLocks noGrp="1"/>
-          </p:cNvSpPr>
-          <p:nvPr>
-            <p:ph type="title"/>
-          </p:nvPr>
-        </p:nvSpPr>
-        <p:spPr/>
-        <p:txBody>
-          <a:bodyPr/>
-          <a:lstStyle/>
-          <a:p>
-            <a:r>
-              <a:rPr lang="en-US" dirty="0" smtClean="0">
-                <a:solidFill>
-                  <a:schemeClr val="accent6">
-                    <a:lumMod val="50000"/>
-                  </a:schemeClr>
-                </a:solidFill>
-              </a:rPr>
-              <a:t>URLs</a:t>
-            </a:r>
-            <a:endParaRPr lang="en-US" dirty="0">
-              <a:solidFill>
-                <a:schemeClr val="accent6">
-                  <a:lumMod val="50000"/>
-                </a:schemeClr>
-              </a:solidFill>
-            </a:endParaRPr>
-          </a:p>
-        </p:txBody>
-      </p:sp>
-      <p:sp>
-        <p:nvSpPr>
-          <p:cNvPr id="3" name="Content Placeholder 2"/>
-          <p:cNvSpPr>
-            <a:spLocks noGrp="1"/>
-          </p:cNvSpPr>
-          <p:nvPr>
-            <p:ph idx="1"/>
-          </p:nvPr>
-        </p:nvSpPr>
-        <p:spPr/>
-        <p:txBody>
-          <a:bodyPr/>
-          <a:lstStyle/>
-          <a:p>
-            <a:pPr>
-              <a:buNone/>
-            </a:pPr>
-            <a:r>
-              <a:rPr lang="ru-RU" dirty="0" smtClean="0"/>
-              <a:t>Пример</a:t>
-            </a:r>
-            <a:r>
-              <a:rPr lang="en-US" dirty="0" smtClean="0"/>
-              <a:t> urls.py</a:t>
-            </a:r>
-            <a:r>
-              <a:rPr lang="ru-RU" dirty="0" smtClean="0"/>
-              <a:t>:</a:t>
-            </a:r>
-            <a:endParaRPr lang="en-US" dirty="0" smtClean="0"/>
-          </a:p>
-          <a:p>
-            <a:pPr>
-              <a:buNone/>
-            </a:pPr>
-            <a:endParaRPr lang="ru-RU" sz="1000" dirty="0" smtClean="0"/>
-          </a:p>
-          <a:p>
-            <a:pPr>
-              <a:buNone/>
-            </a:pPr>
-            <a:r>
-              <a:rPr lang="en-US" sz="2400" dirty="0" smtClean="0">
-                <a:solidFill>
-                  <a:srgbClr val="008000"/>
-                </a:solidFill>
-              </a:rPr>
-              <a:t>	urlpatterns = patterns(</a:t>
-            </a:r>
-            <a:r>
-              <a:rPr lang="en-US" sz="2400" dirty="0" smtClean="0">
-                <a:solidFill>
-                  <a:srgbClr val="3366FF"/>
-                </a:solidFill>
-              </a:rPr>
-              <a:t>‘’</a:t>
-            </a:r>
-            <a:r>
-              <a:rPr lang="en-US" sz="2400" dirty="0" smtClean="0">
-                <a:solidFill>
-                  <a:srgbClr val="008000"/>
-                </a:solidFill>
-              </a:rPr>
-              <a:t>,</a:t>
-            </a:r>
-          </a:p>
-          <a:p>
-            <a:pPr>
-              <a:buNone/>
-            </a:pPr>
-            <a:r>
-              <a:rPr lang="en-US" sz="2400" dirty="0" smtClean="0">
-                <a:solidFill>
-                  <a:srgbClr val="008000"/>
-                </a:solidFill>
-              </a:rPr>
-              <a:t>			(r</a:t>
-            </a:r>
-            <a:r>
-              <a:rPr lang="en-US" sz="2400" dirty="0" smtClean="0">
-                <a:solidFill>
-                  <a:srgbClr val="3366FF"/>
-                </a:solidFill>
-              </a:rPr>
-              <a:t>’^admin/’</a:t>
-            </a:r>
-            <a:r>
-              <a:rPr lang="en-US" sz="2400" dirty="0" smtClean="0">
-                <a:solidFill>
-                  <a:srgbClr val="008000"/>
-                </a:solidFill>
-              </a:rPr>
-              <a:t>, include(admin.site.urls)),</a:t>
-            </a:r>
-          </a:p>
-          <a:p>
-            <a:pPr>
-              <a:buNone/>
-            </a:pPr>
-            <a:r>
-              <a:rPr lang="en-US" sz="2400" dirty="0" smtClean="0">
-                <a:solidFill>
-                  <a:srgbClr val="008000"/>
-                </a:solidFill>
-              </a:rPr>
-              <a:t>			(r</a:t>
-            </a:r>
-            <a:r>
-              <a:rPr lang="en-US" sz="2400" dirty="0" smtClean="0">
-                <a:solidFill>
-                  <a:srgbClr val="3366FF"/>
-                </a:solidFill>
-              </a:rPr>
-              <a:t>’^blog/$’</a:t>
-            </a:r>
-            <a:r>
-              <a:rPr lang="en-US" sz="2400" dirty="0" smtClean="0">
-                <a:solidFill>
-                  <a:srgbClr val="008000"/>
-                </a:solidFill>
-              </a:rPr>
-              <a:t>, </a:t>
-            </a:r>
-            <a:r>
-              <a:rPr lang="en-US" sz="2400" dirty="0" smtClean="0">
-                <a:solidFill>
-                  <a:srgbClr val="3366FF"/>
-                </a:solidFill>
-              </a:rPr>
-              <a:t>‘blog.views.view_all_entries’</a:t>
-            </a:r>
-            <a:r>
-              <a:rPr lang="en-US" sz="2400" dirty="0" smtClean="0">
-                <a:solidFill>
-                  <a:srgbClr val="008000"/>
-                </a:solidFill>
-              </a:rPr>
-              <a:t>),</a:t>
-            </a:r>
-          </a:p>
-          <a:p>
-            <a:pPr>
-              <a:buNone/>
-            </a:pPr>
-            <a:r>
-              <a:rPr lang="en-US" sz="2400" dirty="0" smtClean="0">
-                <a:solidFill>
-                  <a:srgbClr val="008000"/>
-                </a:solidFill>
-              </a:rPr>
-              <a:t>			(r</a:t>
-            </a:r>
-            <a:r>
-              <a:rPr lang="en-US" sz="2400" dirty="0" smtClean="0">
-                <a:solidFill>
-                  <a:srgbClr val="3366FF"/>
-                </a:solidFill>
-              </a:rPr>
-              <a:t>’^blog/entry/(\d+)/$’</a:t>
-            </a:r>
-            <a:r>
-              <a:rPr lang="en-US" sz="2400" dirty="0" smtClean="0">
-                <a:solidFill>
-                  <a:srgbClr val="008000"/>
-                </a:solidFill>
-              </a:rPr>
-              <a:t>, </a:t>
-            </a:r>
-            <a:r>
-              <a:rPr lang="en-US" sz="2400" dirty="0" smtClean="0">
-                <a:solidFill>
-                  <a:srgbClr val="3366FF"/>
-                </a:solidFill>
-              </a:rPr>
-              <a:t>‘blog.view.view_entry’</a:t>
-            </a:r>
-            <a:r>
-              <a:rPr lang="en-US" sz="2400" dirty="0" smtClean="0">
-                <a:solidFill>
-                  <a:srgbClr val="008000"/>
-                </a:solidFill>
-              </a:rPr>
-              <a:t>)</a:t>
-            </a:r>
-          </a:p>
-          <a:p>
-            <a:pPr>
-              <a:buNone/>
-            </a:pPr>
-            <a:r>
-              <a:rPr lang="en-US" sz="2400" dirty="0" smtClean="0">
-                <a:solidFill>
-                  <a:srgbClr val="008000"/>
-                </a:solidFill>
-              </a:rPr>
-              <a:t>	)</a:t>
-            </a:r>
-            <a:endParaRPr lang="ru-RU" sz="2400" dirty="0">
-              <a:solidFill>
-                <a:srgbClr val="008000"/>
-              </a:solidFill>
-            </a:endParaRPr>
-          </a:p>
-        </p:txBody>
-      </p:sp>
-    </p:spTree>
-  </p:cSld>
-  <p:clrMapOvr>
-    <a:masterClrMapping/>
-  </p:clrMapOvr>
-  <p:timing>
-    <p:tnLst>
-      <p:par>
-        <p:cTn id="1" dur="indefinite" restart="never" nodeType="tmRoot"/>
-      </p:par>
-    </p:tnLst>
-  </p:timing>
-</p:sld>
-</file>
-
-<file path=ppt/slides/slide27.xml><?xml version="1.0" encoding="utf-8"?>
-<p:sld xmlns:a="http://schemas.openxmlformats.org/drawingml/2006/main" xmlns:r="http://schemas.openxmlformats.org/officeDocument/2006/relationships" xmlns:p="http://schemas.openxmlformats.org/presentationml/2006/main">
-  <p:cSld>
-    <p:spTree>
-      <p:nvGrpSpPr>
-        <p:cNvPr id="1" name=""/>
-        <p:cNvGrpSpPr/>
-        <p:nvPr/>
-      </p:nvGrpSpPr>
-      <p:grpSpPr>
-        <a:xfrm>
-          <a:off x="0" y="0"/>
-          <a:ext cx="0" cy="0"/>
-          <a:chOff x="0" y="0"/>
-          <a:chExt cx="0" cy="0"/>
-        </a:xfrm>
-      </p:grpSpPr>
-      <p:sp>
-        <p:nvSpPr>
-          <p:cNvPr id="2" name="Title 1"/>
-          <p:cNvSpPr>
-            <a:spLocks noGrp="1"/>
-          </p:cNvSpPr>
-          <p:nvPr>
-            <p:ph type="title"/>
-          </p:nvPr>
-        </p:nvSpPr>
-        <p:spPr/>
-        <p:txBody>
-          <a:bodyPr/>
-          <a:lstStyle/>
-          <a:p>
-            <a:r>
-              <a:rPr lang="ru-RU" dirty="0" smtClean="0">
-                <a:solidFill>
-                  <a:srgbClr val="984807"/>
-                </a:solidFill>
-              </a:rPr>
-              <a:t>Виды (</a:t>
-            </a:r>
-            <a:r>
-              <a:rPr lang="en-US" dirty="0" smtClean="0">
-                <a:solidFill>
-                  <a:srgbClr val="984807"/>
-                </a:solidFill>
-              </a:rPr>
-              <a:t>views)</a:t>
-            </a:r>
-            <a:endParaRPr lang="en-US" dirty="0">
-              <a:solidFill>
-                <a:srgbClr val="984807"/>
-              </a:solidFill>
-            </a:endParaRPr>
-          </a:p>
-        </p:txBody>
-      </p:sp>
-      <p:sp>
-        <p:nvSpPr>
-          <p:cNvPr id="3" name="Content Placeholder 2"/>
-          <p:cNvSpPr>
-            <a:spLocks noGrp="1"/>
-          </p:cNvSpPr>
-          <p:nvPr>
-            <p:ph idx="1"/>
-          </p:nvPr>
-        </p:nvSpPr>
-        <p:spPr/>
-        <p:txBody>
-          <a:bodyPr>
-            <a:normAutofit fontScale="77500" lnSpcReduction="20000"/>
-          </a:bodyPr>
-          <a:lstStyle/>
-          <a:p>
-            <a:r>
-              <a:rPr lang="ru-RU" sz="2400" dirty="0" smtClean="0"/>
-              <a:t>Обычно представляют собой функции, которые возвращают </a:t>
-            </a:r>
-            <a:r>
-              <a:rPr lang="en-US" sz="2400" dirty="0" smtClean="0"/>
-              <a:t>HttpResponse. </a:t>
-            </a:r>
-            <a:r>
-              <a:rPr lang="ru-RU" sz="2400" dirty="0" smtClean="0"/>
-              <a:t>В версии </a:t>
-            </a:r>
-            <a:r>
-              <a:rPr lang="en-US" sz="2400" dirty="0" smtClean="0"/>
-              <a:t>django</a:t>
-            </a:r>
-            <a:r>
-              <a:rPr lang="ru-RU" sz="2400" dirty="0" smtClean="0"/>
-              <a:t> 1.3 появилась возможность </a:t>
-            </a:r>
-            <a:r>
-              <a:rPr lang="en-US" sz="2400" dirty="0" smtClean="0"/>
-              <a:t>class-based views.</a:t>
-            </a:r>
-            <a:r>
-              <a:rPr lang="ru-RU" sz="2400" dirty="0" smtClean="0"/>
-              <a:t> </a:t>
-            </a:r>
-            <a:endParaRPr lang="en-US" sz="2400" dirty="0" smtClean="0"/>
-          </a:p>
-          <a:p>
-            <a:r>
-              <a:rPr lang="ru-RU" sz="2400" dirty="0" smtClean="0"/>
-              <a:t>Пример </a:t>
-            </a:r>
-            <a:r>
-              <a:rPr lang="en-US" sz="2400" dirty="0" smtClean="0"/>
-              <a:t>view:</a:t>
-            </a:r>
-          </a:p>
-          <a:p>
-            <a:pPr>
-              <a:buNone/>
-            </a:pPr>
-            <a:r>
-              <a:rPr lang="ru-RU" sz="2400" dirty="0" smtClean="0">
-                <a:solidFill>
-                  <a:schemeClr val="tx1">
-                    <a:lumMod val="65000"/>
-                    <a:lumOff val="35000"/>
-                  </a:schemeClr>
-                </a:solidFill>
-              </a:rPr>
-              <a:t>	</a:t>
-            </a:r>
-            <a:r>
-              <a:rPr lang="en-US" sz="2400" dirty="0" smtClean="0">
-                <a:solidFill>
-                  <a:schemeClr val="tx1">
-                    <a:lumMod val="65000"/>
-                    <a:lumOff val="35000"/>
-                  </a:schemeClr>
-                </a:solidFill>
-              </a:rPr>
-              <a:t># </a:t>
-            </a:r>
-            <a:r>
-              <a:rPr lang="ru-RU" sz="2400" dirty="0" smtClean="0">
-                <a:solidFill>
-                  <a:schemeClr val="tx1">
-                    <a:lumMod val="65000"/>
-                    <a:lumOff val="35000"/>
-                  </a:schemeClr>
-                </a:solidFill>
-              </a:rPr>
-              <a:t>в </a:t>
-            </a:r>
-            <a:r>
-              <a:rPr lang="en-US" sz="2400" dirty="0" smtClean="0">
-                <a:solidFill>
-                  <a:schemeClr val="tx1">
-                    <a:lumMod val="65000"/>
-                    <a:lumOff val="35000"/>
-                  </a:schemeClr>
-                </a:solidFill>
-              </a:rPr>
-              <a:t>urls.py </a:t>
-            </a:r>
-            <a:r>
-              <a:rPr lang="ru-RU" sz="2400" dirty="0" smtClean="0">
-                <a:solidFill>
-                  <a:schemeClr val="tx1">
-                    <a:lumMod val="65000"/>
-                    <a:lumOff val="35000"/>
-                  </a:schemeClr>
-                </a:solidFill>
-              </a:rPr>
-              <a:t>было:</a:t>
-            </a:r>
-            <a:endParaRPr lang="en-US" sz="2400" dirty="0" smtClean="0">
-              <a:solidFill>
-                <a:schemeClr val="tx1">
-                  <a:lumMod val="65000"/>
-                  <a:lumOff val="35000"/>
-                </a:schemeClr>
-              </a:solidFill>
-            </a:endParaRPr>
-          </a:p>
-          <a:p>
-            <a:pPr>
-              <a:buNone/>
-            </a:pPr>
-            <a:r>
-              <a:rPr lang="en-US" sz="2400" dirty="0" smtClean="0">
-                <a:solidFill>
-                  <a:schemeClr val="tx1">
-                    <a:lumMod val="65000"/>
-                    <a:lumOff val="35000"/>
-                  </a:schemeClr>
-                </a:solidFill>
-              </a:rPr>
-              <a:t>	# (r’^blog/entry/(\d+)/$’, ‘blog.view.view_entry’)</a:t>
-            </a:r>
-            <a:endParaRPr lang="ru-RU" sz="2400" dirty="0" smtClean="0">
-              <a:solidFill>
-                <a:schemeClr val="tx1">
-                  <a:lumMod val="65000"/>
-                  <a:lumOff val="35000"/>
-                </a:schemeClr>
-              </a:solidFill>
-            </a:endParaRPr>
-          </a:p>
-          <a:p>
-            <a:pPr>
-              <a:buNone/>
-            </a:pPr>
-            <a:r>
-              <a:rPr lang="en-US" sz="941" dirty="0" smtClean="0">
-                <a:solidFill>
-                  <a:srgbClr val="008000"/>
-                </a:solidFill>
-              </a:rPr>
-              <a:t>	</a:t>
-            </a:r>
-          </a:p>
-          <a:p>
-            <a:pPr>
-              <a:buNone/>
-            </a:pPr>
-            <a:r>
-              <a:rPr lang="en-US" sz="2400" dirty="0" smtClean="0">
-                <a:solidFill>
-                  <a:srgbClr val="008000"/>
-                </a:solidFill>
-              </a:rPr>
-              <a:t>	</a:t>
-            </a:r>
-            <a:r>
-              <a:rPr lang="en-US" sz="2400" b="1" dirty="0" smtClean="0">
-                <a:solidFill>
-                  <a:srgbClr val="008000"/>
-                </a:solidFill>
-              </a:rPr>
-              <a:t>from </a:t>
-            </a:r>
-            <a:r>
-              <a:rPr lang="en-US" sz="2400" dirty="0" smtClean="0">
-                <a:solidFill>
-                  <a:srgbClr val="008000"/>
-                </a:solidFill>
-              </a:rPr>
-              <a:t>django.http </a:t>
-            </a:r>
-            <a:r>
-              <a:rPr lang="en-US" sz="2400" b="1" dirty="0" smtClean="0">
-                <a:solidFill>
-                  <a:srgbClr val="008000"/>
-                </a:solidFill>
-              </a:rPr>
-              <a:t>import </a:t>
-            </a:r>
-            <a:r>
-              <a:rPr lang="en-US" sz="2400" dirty="0" smtClean="0">
-                <a:solidFill>
-                  <a:srgbClr val="008000"/>
-                </a:solidFill>
-              </a:rPr>
-              <a:t>Http404</a:t>
-            </a:r>
-          </a:p>
-          <a:p>
-            <a:pPr>
-              <a:buNone/>
-            </a:pPr>
-            <a:r>
-              <a:rPr lang="en-US" sz="2400" dirty="0" smtClean="0">
-                <a:solidFill>
-                  <a:srgbClr val="008000"/>
-                </a:solidFill>
-              </a:rPr>
-              <a:t>	</a:t>
-            </a:r>
-            <a:r>
-              <a:rPr lang="en-US" sz="2400" b="1" dirty="0" smtClean="0">
-                <a:solidFill>
-                  <a:srgbClr val="008000"/>
-                </a:solidFill>
-              </a:rPr>
-              <a:t>from </a:t>
-            </a:r>
-            <a:r>
-              <a:rPr lang="en-US" sz="2400" dirty="0" smtClean="0">
-                <a:solidFill>
-                  <a:srgbClr val="008000"/>
-                </a:solidFill>
-              </a:rPr>
-              <a:t>myproject.myapp.models </a:t>
-            </a:r>
-            <a:r>
-              <a:rPr lang="en-US" sz="2400" b="1" dirty="0" smtClean="0">
-                <a:solidFill>
-                  <a:srgbClr val="008000"/>
-                </a:solidFill>
-              </a:rPr>
-              <a:t>import </a:t>
-            </a:r>
-            <a:r>
-              <a:rPr lang="en-US" sz="2400" dirty="0" smtClean="0">
-                <a:solidFill>
-                  <a:srgbClr val="008000"/>
-                </a:solidFill>
-              </a:rPr>
-              <a:t>Entry</a:t>
-            </a:r>
-          </a:p>
-          <a:p>
-            <a:pPr>
-              <a:buNone/>
-            </a:pPr>
-            <a:endParaRPr lang="en-US" sz="1032" dirty="0" smtClean="0">
-              <a:solidFill>
-                <a:srgbClr val="008000"/>
-              </a:solidFill>
-            </a:endParaRPr>
-          </a:p>
-          <a:p>
-            <a:pPr>
-              <a:buNone/>
-            </a:pPr>
-            <a:r>
-              <a:rPr lang="en-US" sz="2400" dirty="0" smtClean="0">
-                <a:solidFill>
-                  <a:srgbClr val="008000"/>
-                </a:solidFill>
-              </a:rPr>
-              <a:t>	</a:t>
-            </a:r>
-            <a:r>
-              <a:rPr lang="en-US" sz="2400" b="1" dirty="0" smtClean="0">
-                <a:solidFill>
-                  <a:srgbClr val="008000"/>
-                </a:solidFill>
-              </a:rPr>
-              <a:t>def </a:t>
-            </a:r>
-            <a:r>
-              <a:rPr lang="en-US" sz="2400" dirty="0" smtClean="0">
-                <a:solidFill>
-                  <a:srgbClr val="008000"/>
-                </a:solidFill>
-              </a:rPr>
-              <a:t>view_entry</a:t>
-            </a:r>
-            <a:r>
-              <a:rPr lang="en-US" sz="2400" b="1" dirty="0" smtClean="0">
-                <a:solidFill>
-                  <a:srgbClr val="008000"/>
-                </a:solidFill>
-              </a:rPr>
-              <a:t>(</a:t>
-            </a:r>
-            <a:r>
-              <a:rPr lang="en-US" sz="2400" dirty="0" smtClean="0">
-                <a:solidFill>
-                  <a:srgbClr val="008000"/>
-                </a:solidFill>
-              </a:rPr>
-              <a:t>request, entry_id</a:t>
-            </a:r>
-            <a:r>
-              <a:rPr lang="en-US" sz="2400" b="1" dirty="0" smtClean="0">
-                <a:solidFill>
-                  <a:srgbClr val="008000"/>
-                </a:solidFill>
-              </a:rPr>
-              <a:t>):</a:t>
-            </a:r>
-          </a:p>
-          <a:p>
-            <a:pPr>
-              <a:buNone/>
-            </a:pPr>
-            <a:r>
-              <a:rPr lang="en-US" sz="2400" dirty="0" smtClean="0">
-                <a:solidFill>
-                  <a:srgbClr val="008000"/>
-                </a:solidFill>
-              </a:rPr>
-              <a:t>			</a:t>
-            </a:r>
-            <a:r>
-              <a:rPr lang="en-US" sz="2400" b="1" dirty="0" smtClean="0">
-                <a:solidFill>
-                  <a:srgbClr val="008000"/>
-                </a:solidFill>
-              </a:rPr>
-              <a:t>try</a:t>
-            </a:r>
-            <a:r>
-              <a:rPr lang="en-US" sz="2400" dirty="0" smtClean="0">
-                <a:solidFill>
-                  <a:srgbClr val="008000"/>
-                </a:solidFill>
-              </a:rPr>
-              <a:t>:</a:t>
-            </a:r>
-          </a:p>
-          <a:p>
-            <a:pPr>
-              <a:buNone/>
-            </a:pPr>
-            <a:r>
-              <a:rPr lang="en-US" sz="2400" dirty="0" smtClean="0">
-                <a:solidFill>
-                  <a:srgbClr val="008000"/>
-                </a:solidFill>
-              </a:rPr>
-              <a:t>				entry </a:t>
-            </a:r>
-            <a:r>
-              <a:rPr lang="en-US" sz="2400" b="1" dirty="0" smtClean="0">
-                <a:solidFill>
-                  <a:srgbClr val="008000"/>
-                </a:solidFill>
-              </a:rPr>
-              <a:t>=</a:t>
-            </a:r>
-            <a:r>
-              <a:rPr lang="en-US" sz="2400" dirty="0" smtClean="0">
-                <a:solidFill>
-                  <a:srgbClr val="008000"/>
-                </a:solidFill>
-              </a:rPr>
-              <a:t> Entry.objects.get</a:t>
-            </a:r>
-            <a:r>
-              <a:rPr lang="en-US" sz="2400" b="1" dirty="0" smtClean="0">
-                <a:solidFill>
-                  <a:srgbClr val="008000"/>
-                </a:solidFill>
-              </a:rPr>
-              <a:t>(</a:t>
-            </a:r>
-            <a:r>
-              <a:rPr lang="en-US" sz="2400" dirty="0" smtClean="0">
-                <a:solidFill>
-                  <a:srgbClr val="008000"/>
-                </a:solidFill>
-              </a:rPr>
-              <a:t>id</a:t>
-            </a:r>
-            <a:r>
-              <a:rPr lang="en-US" sz="2400" b="1" dirty="0" smtClean="0">
-                <a:solidFill>
-                  <a:srgbClr val="008000"/>
-                </a:solidFill>
-              </a:rPr>
-              <a:t>=</a:t>
-            </a:r>
-            <a:r>
-              <a:rPr lang="en-US" sz="2400" dirty="0" smtClean="0">
-                <a:solidFill>
-                  <a:srgbClr val="008000"/>
-                </a:solidFill>
-              </a:rPr>
-              <a:t>entry_id</a:t>
-            </a:r>
-            <a:r>
-              <a:rPr lang="en-US" sz="2400" b="1" dirty="0" smtClean="0">
-                <a:solidFill>
-                  <a:srgbClr val="008000"/>
-                </a:solidFill>
-              </a:rPr>
-              <a:t>)</a:t>
-            </a:r>
-          </a:p>
-          <a:p>
-            <a:pPr>
-              <a:buNone/>
-            </a:pPr>
-            <a:r>
-              <a:rPr lang="en-US" sz="2400" dirty="0" smtClean="0">
-                <a:solidFill>
-                  <a:srgbClr val="008000"/>
-                </a:solidFill>
-              </a:rPr>
-              <a:t>			</a:t>
-            </a:r>
-            <a:r>
-              <a:rPr lang="en-US" sz="2400" b="1" dirty="0" smtClean="0">
-                <a:solidFill>
-                  <a:srgbClr val="008000"/>
-                </a:solidFill>
-              </a:rPr>
-              <a:t>except </a:t>
-            </a:r>
-            <a:r>
-              <a:rPr lang="en-US" sz="2400" dirty="0" smtClean="0">
-                <a:solidFill>
-                  <a:srgbClr val="008000"/>
-                </a:solidFill>
-              </a:rPr>
-              <a:t>Entry.DoesNotExists</a:t>
-            </a:r>
-            <a:r>
-              <a:rPr lang="en-US" sz="2400" b="1" dirty="0" smtClean="0">
-                <a:solidFill>
-                  <a:srgbClr val="008000"/>
-                </a:solidFill>
-              </a:rPr>
-              <a:t>:</a:t>
-            </a:r>
-          </a:p>
-          <a:p>
-            <a:pPr>
-              <a:buNone/>
-            </a:pPr>
-            <a:r>
-              <a:rPr lang="en-US" sz="2400" dirty="0" smtClean="0">
-                <a:solidFill>
-                  <a:srgbClr val="008000"/>
-                </a:solidFill>
-              </a:rPr>
-              <a:t>				</a:t>
-            </a:r>
-            <a:r>
-              <a:rPr lang="en-US" sz="2400" b="1" dirty="0" smtClean="0">
-                <a:solidFill>
-                  <a:srgbClr val="008000"/>
-                </a:solidFill>
-              </a:rPr>
-              <a:t>raise </a:t>
-            </a:r>
-            <a:r>
-              <a:rPr lang="en-US" sz="2400" dirty="0" smtClean="0">
-                <a:solidFill>
-                  <a:srgbClr val="008000"/>
-                </a:solidFill>
-              </a:rPr>
-              <a:t>Http404</a:t>
-            </a:r>
-          </a:p>
-          <a:p>
-            <a:pPr>
-              <a:buNone/>
-            </a:pPr>
-            <a:r>
-              <a:rPr lang="en-US" sz="2400" dirty="0" smtClean="0">
-                <a:solidFill>
-                  <a:srgbClr val="008000"/>
-                </a:solidFill>
-              </a:rPr>
-              <a:t>			</a:t>
-            </a:r>
-            <a:r>
-              <a:rPr lang="en-US" sz="2400" b="1" dirty="0" smtClean="0">
-                <a:solidFill>
-                  <a:srgbClr val="008000"/>
-                </a:solidFill>
-              </a:rPr>
-              <a:t>return </a:t>
-            </a:r>
-            <a:r>
-              <a:rPr lang="en-US" sz="2400" dirty="0" smtClean="0">
-                <a:solidFill>
-                  <a:srgbClr val="008000"/>
-                </a:solidFill>
-              </a:rPr>
-              <a:t>render_to_response</a:t>
-            </a:r>
-            <a:r>
-              <a:rPr lang="en-US" sz="2400" b="1" dirty="0" smtClean="0">
-                <a:solidFill>
-                  <a:srgbClr val="008000"/>
-                </a:solidFill>
-              </a:rPr>
-              <a:t>(</a:t>
-            </a:r>
-            <a:r>
-              <a:rPr lang="en-US" sz="2400" dirty="0" smtClean="0">
-                <a:solidFill>
-                  <a:srgbClr val="3366FF"/>
-                </a:solidFill>
-              </a:rPr>
-              <a:t>‘blog/entry.html’</a:t>
-            </a:r>
-            <a:r>
-              <a:rPr lang="en-US" sz="2400" dirty="0" smtClean="0">
-                <a:solidFill>
-                  <a:srgbClr val="008000"/>
-                </a:solidFill>
-              </a:rPr>
-              <a:t>, </a:t>
-            </a:r>
-            <a:r>
-              <a:rPr lang="en-US" sz="2400" b="1" dirty="0" smtClean="0">
-                <a:solidFill>
-                  <a:srgbClr val="008000"/>
-                </a:solidFill>
-              </a:rPr>
-              <a:t>{</a:t>
-            </a:r>
-            <a:r>
-              <a:rPr lang="en-US" sz="2400" dirty="0" smtClean="0">
-                <a:solidFill>
-                  <a:srgbClr val="3366FF"/>
-                </a:solidFill>
-              </a:rPr>
-              <a:t>‘entry’</a:t>
-            </a:r>
-            <a:r>
-              <a:rPr lang="en-US" sz="2400" b="1" dirty="0" smtClean="0">
-                <a:solidFill>
-                  <a:srgbClr val="008000"/>
-                </a:solidFill>
-              </a:rPr>
-              <a:t>:</a:t>
-            </a:r>
-            <a:r>
-              <a:rPr lang="en-US" sz="2400" dirty="0" smtClean="0">
-                <a:solidFill>
-                  <a:srgbClr val="008000"/>
-                </a:solidFill>
-              </a:rPr>
-              <a:t> entry</a:t>
-            </a:r>
-            <a:r>
-              <a:rPr lang="en-US" sz="2400" b="1" dirty="0" smtClean="0">
-                <a:solidFill>
-                  <a:srgbClr val="008000"/>
-                </a:solidFill>
-              </a:rPr>
-              <a:t>})</a:t>
-            </a:r>
-            <a:endParaRPr lang="en-US" sz="2400" b="1" dirty="0">
-              <a:solidFill>
-                <a:srgbClr val="008000"/>
-              </a:solidFill>
-            </a:endParaRPr>
-          </a:p>
-        </p:txBody>
-      </p:sp>
-    </p:spTree>
-  </p:cSld>
-  <p:clrMapOvr>
-    <a:masterClrMapping/>
-  </p:clrMapOvr>
-  <p:timing>
-    <p:tnLst>
-      <p:par>
-        <p:cTn id="1" dur="indefinite" restart="never" nodeType="tmRoot"/>
-      </p:par>
-    </p:tnLst>
-  </p:timing>
-</p:sld>
-</file>
-
-<file path=ppt/slides/slide28.xml><?xml version="1.0" encoding="utf-8"?>
-<p:sld xmlns:a="http://schemas.openxmlformats.org/drawingml/2006/main" xmlns:r="http://schemas.openxmlformats.org/officeDocument/2006/relationships" xmlns:p="http://schemas.openxmlformats.org/presentationml/2006/main">
-  <p:cSld>
-    <p:spTree>
-      <p:nvGrpSpPr>
-        <p:cNvPr id="1" name=""/>
-        <p:cNvGrpSpPr/>
-        <p:nvPr/>
-      </p:nvGrpSpPr>
-      <p:grpSpPr>
-        <a:xfrm>
-          <a:off x="0" y="0"/>
-          <a:ext cx="0" cy="0"/>
-          <a:chOff x="0" y="0"/>
-          <a:chExt cx="0" cy="0"/>
-        </a:xfrm>
-      </p:grpSpPr>
-      <p:sp>
-        <p:nvSpPr>
-          <p:cNvPr id="2" name="Title 1"/>
-          <p:cNvSpPr>
-            <a:spLocks noGrp="1"/>
-          </p:cNvSpPr>
-          <p:nvPr>
-            <p:ph type="title"/>
-          </p:nvPr>
-        </p:nvSpPr>
-        <p:spPr/>
-        <p:txBody>
-          <a:bodyPr/>
-          <a:lstStyle/>
-          <a:p>
-            <a:r>
-              <a:rPr lang="ru-RU" dirty="0" smtClean="0">
-                <a:solidFill>
-                  <a:schemeClr val="accent6">
-                    <a:lumMod val="50000"/>
-                  </a:schemeClr>
-                </a:solidFill>
-              </a:rPr>
-              <a:t>Формы в </a:t>
-            </a:r>
-            <a:r>
-              <a:rPr lang="en-US" dirty="0" smtClean="0">
-                <a:solidFill>
-                  <a:schemeClr val="accent6">
-                    <a:lumMod val="50000"/>
-                  </a:schemeClr>
-                </a:solidFill>
-              </a:rPr>
-              <a:t>django</a:t>
-            </a:r>
-            <a:endParaRPr lang="en-US" dirty="0">
-              <a:solidFill>
-                <a:schemeClr val="accent6">
-                  <a:lumMod val="50000"/>
-                </a:schemeClr>
-              </a:solidFill>
-            </a:endParaRPr>
-          </a:p>
-        </p:txBody>
-      </p:sp>
-      <p:sp>
-        <p:nvSpPr>
-          <p:cNvPr id="3" name="Content Placeholder 2"/>
-          <p:cNvSpPr>
-            <a:spLocks noGrp="1"/>
-          </p:cNvSpPr>
-          <p:nvPr>
-            <p:ph idx="1"/>
-          </p:nvPr>
-        </p:nvSpPr>
-        <p:spPr/>
-        <p:txBody>
-          <a:bodyPr>
-            <a:normAutofit fontScale="47500" lnSpcReduction="20000"/>
-          </a:bodyPr>
-          <a:lstStyle/>
-          <a:p>
-            <a:pPr>
-              <a:buNone/>
-            </a:pPr>
-            <a:r>
-              <a:rPr lang="ru-RU" dirty="0" smtClean="0"/>
-              <a:t>Создание формы:</a:t>
-            </a:r>
-          </a:p>
-          <a:p>
-            <a:pPr>
-              <a:buNone/>
-            </a:pPr>
-            <a:r>
-              <a:rPr lang="en-US" dirty="0" smtClean="0">
-                <a:solidFill>
-                  <a:srgbClr val="008000"/>
-                </a:solidFill>
-              </a:rPr>
-              <a:t>	class ContactForm(forms.Form):</a:t>
-            </a:r>
-          </a:p>
-          <a:p>
-            <a:pPr>
-              <a:buNone/>
-            </a:pPr>
-            <a:r>
-              <a:rPr lang="en-US" dirty="0" smtClean="0">
-                <a:solidFill>
-                  <a:srgbClr val="008000"/>
-                </a:solidFill>
-              </a:rPr>
-              <a:t>			subject = forms.CharField(max_length=32)</a:t>
-            </a:r>
-          </a:p>
-          <a:p>
-            <a:pPr>
-              <a:buNone/>
-            </a:pPr>
-            <a:r>
-              <a:rPr lang="en-US" dirty="0" smtClean="0">
-                <a:solidFill>
-                  <a:srgbClr val="008000"/>
-                </a:solidFill>
-              </a:rPr>
-              <a:t>			message = forms.TextField()</a:t>
-            </a:r>
-          </a:p>
-          <a:p>
-            <a:pPr>
-              <a:buNone/>
-            </a:pPr>
-            <a:r>
-              <a:rPr lang="en-US" dirty="0" smtClean="0">
-                <a:solidFill>
-                  <a:srgbClr val="008000"/>
-                </a:solidFill>
-              </a:rPr>
-              <a:t>			sender = forms.EmailField()</a:t>
-            </a:r>
-          </a:p>
-          <a:p>
-            <a:pPr>
-              <a:buNone/>
-            </a:pPr>
-            <a:endParaRPr lang="en-US" sz="1684" dirty="0" smtClean="0">
-              <a:solidFill>
-                <a:srgbClr val="008000"/>
-              </a:solidFill>
-            </a:endParaRPr>
-          </a:p>
-          <a:p>
-            <a:pPr>
-              <a:buNone/>
-            </a:pPr>
-            <a:r>
-              <a:rPr lang="ru-RU" dirty="0" smtClean="0"/>
-              <a:t>Форма из модели:</a:t>
-            </a:r>
-          </a:p>
-          <a:p>
-            <a:pPr>
-              <a:buNone/>
-            </a:pPr>
-            <a:r>
-              <a:rPr lang="en-US" dirty="0" smtClean="0">
-                <a:solidFill>
-                  <a:srgbClr val="008000"/>
-                </a:solidFill>
-              </a:rPr>
-              <a:t>	class EntryForm(ModelForm):</a:t>
-            </a:r>
-          </a:p>
-          <a:p>
-            <a:pPr>
-              <a:buNone/>
-            </a:pPr>
-            <a:r>
-              <a:rPr lang="en-US" dirty="0" smtClean="0">
-                <a:solidFill>
-                  <a:srgbClr val="008000"/>
-                </a:solidFill>
-              </a:rPr>
-              <a:t>			class Meta:</a:t>
-            </a:r>
-          </a:p>
-          <a:p>
-            <a:pPr>
-              <a:buNone/>
-            </a:pPr>
-            <a:r>
-              <a:rPr lang="en-US" dirty="0" smtClean="0">
-                <a:solidFill>
-                  <a:srgbClr val="008000"/>
-                </a:solidFill>
-              </a:rPr>
-              <a:t>				model = Entry</a:t>
-            </a:r>
-          </a:p>
-          <a:p>
-            <a:pPr>
-              <a:buNone/>
-            </a:pPr>
-            <a:endParaRPr lang="en-US" sz="1684" dirty="0" smtClean="0">
-              <a:solidFill>
-                <a:srgbClr val="008000"/>
-              </a:solidFill>
-            </a:endParaRPr>
-          </a:p>
-          <a:p>
-            <a:pPr>
-              <a:buNone/>
-            </a:pPr>
-            <a:r>
-              <a:rPr lang="ru-RU" dirty="0" smtClean="0"/>
-              <a:t>Работа с формой:</a:t>
-            </a:r>
-          </a:p>
-          <a:p>
-            <a:pPr>
-              <a:buNone/>
-            </a:pPr>
-            <a:r>
-              <a:rPr lang="en-US" dirty="0" smtClean="0">
-                <a:solidFill>
-                  <a:srgbClr val="008000"/>
-                </a:solidFill>
-              </a:rPr>
-              <a:t>	form = ContactForm(request.POST)</a:t>
-            </a:r>
-          </a:p>
-          <a:p>
-            <a:pPr>
-              <a:buNone/>
-            </a:pPr>
-            <a:r>
-              <a:rPr lang="en-US" dirty="0" smtClean="0">
-                <a:solidFill>
-                  <a:srgbClr val="008000"/>
-                </a:solidFill>
-              </a:rPr>
-              <a:t>	if form.is_valid():</a:t>
-            </a:r>
-          </a:p>
-          <a:p>
-            <a:pPr>
-              <a:buNone/>
-            </a:pPr>
-            <a:r>
-              <a:rPr lang="en-US" dirty="0" smtClean="0"/>
-              <a:t>			</a:t>
-            </a:r>
-            <a:r>
-              <a:rPr lang="en-US" dirty="0" smtClean="0">
-                <a:solidFill>
-                  <a:srgbClr val="008000"/>
-                </a:solidFill>
-              </a:rPr>
-              <a:t>…</a:t>
-            </a:r>
-          </a:p>
-          <a:p>
-            <a:pPr>
-              <a:buNone/>
-            </a:pPr>
-            <a:r>
-              <a:rPr lang="ru-RU" dirty="0" smtClean="0"/>
-              <a:t>Вывод формы в шаблоне:</a:t>
-            </a:r>
-          </a:p>
-          <a:p>
-            <a:pPr>
-              <a:buNone/>
-            </a:pPr>
-            <a:r>
-              <a:rPr lang="en-US" dirty="0" smtClean="0">
-                <a:solidFill>
-                  <a:srgbClr val="008000"/>
-                </a:solidFill>
-              </a:rPr>
-              <a:t>	{{ form }}</a:t>
-            </a:r>
-            <a:endParaRPr lang="ru-RU" dirty="0" smtClean="0">
-              <a:solidFill>
-                <a:srgbClr val="008000"/>
-              </a:solidFill>
-            </a:endParaRPr>
-          </a:p>
-          <a:p>
-            <a:pPr>
-              <a:buNone/>
-            </a:pPr>
-            <a:r>
-              <a:rPr lang="en-US" dirty="0" smtClean="0">
-                <a:solidFill>
-                  <a:srgbClr val="008000"/>
-                </a:solidFill>
-              </a:rPr>
-              <a:t>	{{ form.as_table }}</a:t>
-            </a:r>
-          </a:p>
-          <a:p>
-            <a:pPr>
-              <a:buNone/>
-            </a:pPr>
-            <a:r>
-              <a:rPr lang="en-US" dirty="0" smtClean="0">
-                <a:solidFill>
-                  <a:srgbClr val="008000"/>
-                </a:solidFill>
-              </a:rPr>
-              <a:t>	{{ form.as_ul }}</a:t>
-            </a:r>
-          </a:p>
-          <a:p>
-            <a:pPr>
-              <a:buNone/>
-            </a:pPr>
-            <a:r>
-              <a:rPr lang="en-US" dirty="0" smtClean="0">
-                <a:solidFill>
-                  <a:srgbClr val="008000"/>
-                </a:solidFill>
-              </a:rPr>
-              <a:t>	{{ form.as_p }}</a:t>
-            </a:r>
-          </a:p>
-        </p:txBody>
-      </p:sp>
-    </p:spTree>
-  </p:cSld>
-  <p:clrMapOvr>
-    <a:masterClrMapping/>
-  </p:clrMapOvr>
-  <p:timing>
-    <p:tnLst>
-      <p:par>
-        <p:cTn id="1" dur="indefinite" restart="never" nodeType="tmRoot"/>
-      </p:par>
-    </p:tnLst>
-  </p:timing>
-</p:sld>
-</file>
-
-<file path=ppt/slides/slide29.xml><?xml version="1.0" encoding="utf-8"?>
-<p:sld xmlns:a="http://schemas.openxmlformats.org/drawingml/2006/main" xmlns:r="http://schemas.openxmlformats.org/officeDocument/2006/relationships" xmlns:p="http://schemas.openxmlformats.org/presentationml/2006/main">
-  <p:cSld>
-    <p:spTree>
-      <p:nvGrpSpPr>
-        <p:cNvPr id="1" name=""/>
-        <p:cNvGrpSpPr/>
-        <p:nvPr/>
-      </p:nvGrpSpPr>
-      <p:grpSpPr>
-        <a:xfrm>
-          <a:off x="0" y="0"/>
-          <a:ext cx="0" cy="0"/>
-          <a:chOff x="0" y="0"/>
-          <a:chExt cx="0" cy="0"/>
-        </a:xfrm>
-      </p:grpSpPr>
-      <p:sp>
-        <p:nvSpPr>
-          <p:cNvPr id="2" name="Title 1"/>
-          <p:cNvSpPr>
-            <a:spLocks noGrp="1"/>
-          </p:cNvSpPr>
-          <p:nvPr>
-            <p:ph type="title"/>
-          </p:nvPr>
-        </p:nvSpPr>
-        <p:spPr/>
-        <p:txBody>
-          <a:bodyPr/>
-          <a:lstStyle/>
-          <a:p>
-            <a:r>
-              <a:rPr lang="ru-RU" dirty="0" smtClean="0">
-                <a:solidFill>
-                  <a:schemeClr val="accent6">
-                    <a:lumMod val="50000"/>
-                  </a:schemeClr>
-                </a:solidFill>
-              </a:rPr>
-              <a:t>Аутентификация</a:t>
-            </a:r>
-            <a:endParaRPr lang="en-US" dirty="0">
-              <a:solidFill>
-                <a:schemeClr val="accent6">
-                  <a:lumMod val="50000"/>
-                </a:schemeClr>
-              </a:solidFill>
-            </a:endParaRPr>
-          </a:p>
-        </p:txBody>
-      </p:sp>
-      <p:sp>
-        <p:nvSpPr>
-          <p:cNvPr id="3" name="Content Placeholder 2"/>
-          <p:cNvSpPr>
-            <a:spLocks noGrp="1"/>
-          </p:cNvSpPr>
-          <p:nvPr>
-            <p:ph idx="1"/>
-          </p:nvPr>
-        </p:nvSpPr>
-        <p:spPr/>
-        <p:txBody>
-          <a:bodyPr>
-            <a:normAutofit/>
-          </a:bodyPr>
-          <a:lstStyle/>
-          <a:p>
-            <a:pPr>
-              <a:buNone/>
-            </a:pPr>
-            <a:r>
-              <a:rPr lang="en-US" sz="2400" dirty="0" smtClean="0">
-                <a:solidFill>
-                  <a:srgbClr val="008000"/>
-                </a:solidFill>
-              </a:rPr>
-              <a:t>request.user.is_authenticated()</a:t>
-            </a:r>
-          </a:p>
-          <a:p>
-            <a:pPr>
-              <a:buNone/>
-            </a:pPr>
-            <a:endParaRPr lang="en-US" sz="2400" dirty="0" smtClean="0">
-              <a:solidFill>
-                <a:srgbClr val="008000"/>
-              </a:solidFill>
-            </a:endParaRPr>
-          </a:p>
-          <a:p>
-            <a:pPr>
-              <a:buNone/>
-            </a:pPr>
-            <a:r>
-              <a:rPr lang="en-US" sz="2400" dirty="0" smtClean="0">
-                <a:solidFill>
-                  <a:srgbClr val="008000"/>
-                </a:solidFill>
-              </a:rPr>
-              <a:t>logout(request)</a:t>
-            </a:r>
-          </a:p>
-          <a:p>
-            <a:pPr>
-              <a:buNone/>
-            </a:pPr>
-            <a:endParaRPr lang="en-US" sz="2400" dirty="0" smtClean="0">
-              <a:solidFill>
-                <a:srgbClr val="008000"/>
-              </a:solidFill>
-            </a:endParaRPr>
-          </a:p>
-          <a:p>
-            <a:pPr>
-              <a:buNone/>
-            </a:pPr>
-            <a:r>
-              <a:rPr lang="en-US" sz="2400" dirty="0" smtClean="0">
-                <a:solidFill>
-                  <a:schemeClr val="tx1">
-                    <a:lumMod val="65000"/>
-                    <a:lumOff val="35000"/>
-                  </a:schemeClr>
-                </a:solidFill>
-              </a:rPr>
-              <a:t>@login_required</a:t>
-            </a:r>
-          </a:p>
-          <a:p>
-            <a:pPr>
-              <a:buNone/>
-            </a:pPr>
-            <a:r>
-              <a:rPr lang="en-US" sz="2400" b="1" dirty="0" smtClean="0">
-                <a:solidFill>
-                  <a:srgbClr val="008000"/>
-                </a:solidFill>
-              </a:rPr>
-              <a:t>def </a:t>
-            </a:r>
-            <a:r>
-              <a:rPr lang="en-US" sz="2400" dirty="0" smtClean="0">
-                <a:solidFill>
-                  <a:srgbClr val="008000"/>
-                </a:solidFill>
-              </a:rPr>
-              <a:t>my_view(request):</a:t>
-            </a:r>
-          </a:p>
-          <a:p>
-            <a:pPr>
-              <a:buNone/>
-            </a:pPr>
-            <a:r>
-              <a:rPr lang="en-US" sz="2400" dirty="0" smtClean="0">
-                <a:solidFill>
-                  <a:srgbClr val="008000"/>
-                </a:solidFill>
-              </a:rPr>
-              <a:t>	…</a:t>
-            </a:r>
-          </a:p>
-          <a:p>
-            <a:pPr>
-              <a:buNone/>
-            </a:pPr>
-            <a:endParaRPr lang="en-US" sz="2400" dirty="0" smtClean="0">
-              <a:solidFill>
-                <a:srgbClr val="008000"/>
-              </a:solidFill>
-            </a:endParaRPr>
-          </a:p>
-          <a:p>
-            <a:pPr>
-              <a:buNone/>
-            </a:pPr>
-            <a:r>
-              <a:rPr lang="en-US" sz="2400" dirty="0" smtClean="0">
-                <a:solidFill>
-                  <a:srgbClr val="008000"/>
-                </a:solidFill>
-              </a:rPr>
-              <a:t>(r</a:t>
-            </a:r>
-            <a:r>
-              <a:rPr lang="en-US" sz="2400" dirty="0" smtClean="0">
-                <a:solidFill>
-                  <a:srgbClr val="3366FF"/>
-                </a:solidFill>
-              </a:rPr>
-              <a:t>’^accounts/login/$’</a:t>
-            </a:r>
-            <a:r>
-              <a:rPr lang="en-US" sz="2400" dirty="0" smtClean="0">
-                <a:solidFill>
-                  <a:srgbClr val="008000"/>
-                </a:solidFill>
-              </a:rPr>
-              <a:t>, </a:t>
-            </a:r>
-            <a:r>
-              <a:rPr lang="en-US" sz="2400" dirty="0" smtClean="0">
-                <a:solidFill>
-                  <a:srgbClr val="3366FF"/>
-                </a:solidFill>
-              </a:rPr>
-              <a:t>‘django.contrib.auto.views.login’</a:t>
-            </a:r>
-            <a:r>
-              <a:rPr lang="en-US" sz="2400" dirty="0" smtClean="0">
-                <a:solidFill>
-                  <a:srgbClr val="008000"/>
-                </a:solidFill>
-              </a:rPr>
-              <a:t>)</a:t>
-            </a:r>
-            <a:endParaRPr lang="en-US" sz="2400" dirty="0">
-              <a:solidFill>
-                <a:srgbClr val="008000"/>
-              </a:solidFill>
-            </a:endParaRPr>
-          </a:p>
-        </p:txBody>
-      </p:sp>
-    </p:spTree>
-  </p:cSld>
-  <p:clrMapOvr>
-    <a:masterClrMapping/>
-  </p:clrMapOvr>
-  <p:timing>
-    <p:tnLst>
-      <p:par>
-        <p:cTn id="1" dur="indefinite" restart="never" nodeType="tmRoot"/>
-      </p:par>
-    </p:tnLst>
-  </p:timing>
-</p:sld>
-</file>
-
 <file path=ppt/slides/slide3.xml><?xml version="1.0" encoding="utf-8"?>
 <p:sld xmlns:a="http://schemas.openxmlformats.org/drawingml/2006/main" xmlns:r="http://schemas.openxmlformats.org/officeDocument/2006/relationships" xmlns:p="http://schemas.openxmlformats.org/presentationml/2006/main">
   <p:cSld>
@@ -13324,703 +9731,6 @@
             </p:seq>
           </p:childTnLst>
         </p:cTn>
-      </p:par>
-    </p:tnLst>
-  </p:timing>
-</p:sld>
-</file>
-
-<file path=ppt/slides/slide30.xml><?xml version="1.0" encoding="utf-8"?>
-<p:sld xmlns:a="http://schemas.openxmlformats.org/drawingml/2006/main" xmlns:r="http://schemas.openxmlformats.org/officeDocument/2006/relationships" xmlns:p="http://schemas.openxmlformats.org/presentationml/2006/main">
-  <p:cSld>
-    <p:spTree>
-      <p:nvGrpSpPr>
-        <p:cNvPr id="1" name=""/>
-        <p:cNvGrpSpPr/>
-        <p:nvPr/>
-      </p:nvGrpSpPr>
-      <p:grpSpPr>
-        <a:xfrm>
-          <a:off x="0" y="0"/>
-          <a:ext cx="0" cy="0"/>
-          <a:chOff x="0" y="0"/>
-          <a:chExt cx="0" cy="0"/>
-        </a:xfrm>
-      </p:grpSpPr>
-      <p:sp>
-        <p:nvSpPr>
-          <p:cNvPr id="2" name="Title 1"/>
-          <p:cNvSpPr>
-            <a:spLocks noGrp="1"/>
-          </p:cNvSpPr>
-          <p:nvPr>
-            <p:ph type="title"/>
-          </p:nvPr>
-        </p:nvSpPr>
-        <p:spPr/>
-        <p:txBody>
-          <a:bodyPr/>
-          <a:lstStyle/>
-          <a:p>
-            <a:r>
-              <a:rPr lang="ru-RU" dirty="0" smtClean="0">
-                <a:solidFill>
-                  <a:schemeClr val="accent6">
-                    <a:lumMod val="50000"/>
-                  </a:schemeClr>
-                </a:solidFill>
-              </a:rPr>
-              <a:t>Кеширование</a:t>
-            </a:r>
-            <a:endParaRPr lang="en-US" dirty="0">
-              <a:solidFill>
-                <a:schemeClr val="accent6">
-                  <a:lumMod val="50000"/>
-                </a:schemeClr>
-              </a:solidFill>
-            </a:endParaRPr>
-          </a:p>
-        </p:txBody>
-      </p:sp>
-      <p:sp>
-        <p:nvSpPr>
-          <p:cNvPr id="3" name="Content Placeholder 2"/>
-          <p:cNvSpPr>
-            <a:spLocks noGrp="1"/>
-          </p:cNvSpPr>
-          <p:nvPr>
-            <p:ph idx="1"/>
-          </p:nvPr>
-        </p:nvSpPr>
-        <p:spPr>
-          <a:xfrm>
-            <a:off x="457200" y="1600200"/>
-            <a:ext cx="8229600" cy="4944152"/>
-          </a:xfrm>
-        </p:spPr>
-        <p:txBody>
-          <a:bodyPr>
-            <a:normAutofit fontScale="47500" lnSpcReduction="20000"/>
-          </a:bodyPr>
-          <a:lstStyle/>
-          <a:p>
-            <a:pPr>
-              <a:buNone/>
-            </a:pPr>
-            <a:r>
-              <a:rPr lang="ru-RU" dirty="0" smtClean="0"/>
-              <a:t>Настройка кеша:</a:t>
-            </a:r>
-          </a:p>
-          <a:p>
-            <a:pPr>
-              <a:buNone/>
-            </a:pPr>
-            <a:r>
-              <a:rPr lang="en-US" dirty="0" smtClean="0">
-                <a:solidFill>
-                  <a:srgbClr val="008000"/>
-                </a:solidFill>
-              </a:rPr>
-              <a:t>	CACHE_BACKEND = </a:t>
-            </a:r>
-            <a:r>
-              <a:rPr lang="en-US" dirty="0" smtClean="0">
-                <a:solidFill>
-                  <a:srgbClr val="3366FF"/>
-                </a:solidFill>
-              </a:rPr>
-              <a:t>‘memcached://127.0.0.1:11211/’</a:t>
-            </a:r>
-          </a:p>
-          <a:p>
-            <a:pPr>
-              <a:buNone/>
-            </a:pPr>
-            <a:endParaRPr lang="en-US" dirty="0" smtClean="0"/>
-          </a:p>
-          <a:p>
-            <a:pPr>
-              <a:buNone/>
-            </a:pPr>
-            <a:r>
-              <a:rPr lang="ru-RU" dirty="0" smtClean="0"/>
-              <a:t>Использование:</a:t>
-            </a:r>
-          </a:p>
-          <a:p>
-            <a:pPr>
-              <a:buNone/>
-            </a:pPr>
-            <a:r>
-              <a:rPr lang="en-US" dirty="0" smtClean="0">
-                <a:solidFill>
-                  <a:schemeClr val="tx1">
-                    <a:lumMod val="65000"/>
-                    <a:lumOff val="35000"/>
-                  </a:schemeClr>
-                </a:solidFill>
-              </a:rPr>
-              <a:t>	</a:t>
-            </a:r>
-            <a:r>
-              <a:rPr lang="en-US" sz="3789" dirty="0" smtClean="0">
-                <a:solidFill>
-                  <a:schemeClr val="tx1">
-                    <a:lumMod val="65000"/>
-                    <a:lumOff val="35000"/>
-                  </a:schemeClr>
-                </a:solidFill>
-              </a:rPr>
-              <a:t>@cache_page(60*15)</a:t>
-            </a:r>
-          </a:p>
-          <a:p>
-            <a:pPr>
-              <a:buNone/>
-            </a:pPr>
-            <a:r>
-              <a:rPr lang="en-US" sz="3789" dirty="0" smtClean="0">
-                <a:solidFill>
-                  <a:srgbClr val="008000"/>
-                </a:solidFill>
-              </a:rPr>
-              <a:t>	</a:t>
-            </a:r>
-            <a:r>
-              <a:rPr lang="en-US" sz="3789" b="1" dirty="0" smtClean="0">
-                <a:solidFill>
-                  <a:srgbClr val="008000"/>
-                </a:solidFill>
-              </a:rPr>
-              <a:t>def </a:t>
-            </a:r>
-            <a:r>
-              <a:rPr lang="en-US" sz="3789" dirty="0" smtClean="0">
-                <a:solidFill>
-                  <a:srgbClr val="008000"/>
-                </a:solidFill>
-              </a:rPr>
-              <a:t>my_view(request):</a:t>
-            </a:r>
-          </a:p>
-          <a:p>
-            <a:pPr>
-              <a:buNone/>
-            </a:pPr>
-            <a:r>
-              <a:rPr lang="en-US" sz="3789" dirty="0" smtClean="0">
-                <a:solidFill>
-                  <a:srgbClr val="008000"/>
-                </a:solidFill>
-              </a:rPr>
-              <a:t>			…</a:t>
-            </a:r>
-          </a:p>
-          <a:p>
-            <a:pPr>
-              <a:buNone/>
-            </a:pPr>
-            <a:r>
-              <a:rPr lang="en-US" sz="3789" dirty="0" smtClean="0">
-                <a:solidFill>
-                  <a:srgbClr val="008000"/>
-                </a:solidFill>
-              </a:rPr>
-              <a:t>	</a:t>
-            </a:r>
-          </a:p>
-          <a:p>
-            <a:pPr>
-              <a:buNone/>
-            </a:pPr>
-            <a:r>
-              <a:rPr lang="en-US" sz="3789" dirty="0">
-                <a:solidFill>
-                  <a:srgbClr val="595959"/>
-                </a:solidFill>
-              </a:rPr>
-              <a:t>	</a:t>
-            </a:r>
-            <a:r>
-              <a:rPr lang="en-US" sz="3789" dirty="0" smtClean="0">
-                <a:solidFill>
-                  <a:srgbClr val="595959"/>
-                </a:solidFill>
-              </a:rPr>
-              <a:t>@never_cache</a:t>
-            </a:r>
-          </a:p>
-          <a:p>
-            <a:pPr>
-              <a:buNone/>
-            </a:pPr>
-            <a:endParaRPr lang="en-US" sz="3789" dirty="0" smtClean="0">
-              <a:solidFill>
-                <a:srgbClr val="008000"/>
-              </a:solidFill>
-            </a:endParaRPr>
-          </a:p>
-          <a:p>
-            <a:pPr>
-              <a:buNone/>
-            </a:pPr>
-            <a:r>
-              <a:rPr lang="en-US" sz="3789" b="1" dirty="0" smtClean="0">
-                <a:solidFill>
-                  <a:srgbClr val="008000"/>
-                </a:solidFill>
-              </a:rPr>
-              <a:t>	{% load </a:t>
-            </a:r>
-            <a:r>
-              <a:rPr lang="en-US" sz="3789" dirty="0" smtClean="0">
-                <a:solidFill>
-                  <a:srgbClr val="008000"/>
-                </a:solidFill>
-              </a:rPr>
-              <a:t>cache</a:t>
-            </a:r>
-            <a:r>
-              <a:rPr lang="en-US" sz="3789" b="1" dirty="0" smtClean="0">
-                <a:solidFill>
-                  <a:srgbClr val="008000"/>
-                </a:solidFill>
-              </a:rPr>
-              <a:t> %}</a:t>
-            </a:r>
-          </a:p>
-          <a:p>
-            <a:pPr>
-              <a:buNone/>
-            </a:pPr>
-            <a:r>
-              <a:rPr lang="en-US" sz="3789" dirty="0" smtClean="0">
-                <a:solidFill>
-                  <a:srgbClr val="008000"/>
-                </a:solidFill>
-              </a:rPr>
-              <a:t>	</a:t>
-            </a:r>
-            <a:r>
-              <a:rPr lang="en-US" sz="3789" b="1" dirty="0" smtClean="0">
-                <a:solidFill>
-                  <a:srgbClr val="008000"/>
-                </a:solidFill>
-              </a:rPr>
-              <a:t>{% cache </a:t>
-            </a:r>
-            <a:r>
-              <a:rPr lang="en-US" sz="3789" dirty="0" smtClean="0">
-                <a:solidFill>
-                  <a:srgbClr val="008000"/>
-                </a:solidFill>
-              </a:rPr>
-              <a:t>500 sidebar </a:t>
-            </a:r>
-            <a:r>
-              <a:rPr lang="en-US" sz="3789" b="1" dirty="0" smtClean="0">
-                <a:solidFill>
-                  <a:srgbClr val="008000"/>
-                </a:solidFill>
-              </a:rPr>
-              <a:t>%}</a:t>
-            </a:r>
-          </a:p>
-          <a:p>
-            <a:pPr>
-              <a:buNone/>
-            </a:pPr>
-            <a:r>
-              <a:rPr lang="en-US" sz="3789" dirty="0" smtClean="0">
-                <a:solidFill>
-                  <a:srgbClr val="008000"/>
-                </a:solidFill>
-              </a:rPr>
-              <a:t>			…</a:t>
-            </a:r>
-          </a:p>
-          <a:p>
-            <a:pPr>
-              <a:buNone/>
-            </a:pPr>
-            <a:r>
-              <a:rPr lang="en-US" sz="3789" b="1" dirty="0" smtClean="0">
-                <a:solidFill>
-                  <a:srgbClr val="008000"/>
-                </a:solidFill>
-              </a:rPr>
-              <a:t>	{% endcache %}</a:t>
-            </a:r>
-          </a:p>
-          <a:p>
-            <a:pPr>
-              <a:buNone/>
-            </a:pPr>
-            <a:endParaRPr lang="en-US" sz="3789" dirty="0" smtClean="0">
-              <a:solidFill>
-                <a:srgbClr val="008000"/>
-              </a:solidFill>
-            </a:endParaRPr>
-          </a:p>
-          <a:p>
-            <a:pPr>
-              <a:buNone/>
-            </a:pPr>
-            <a:r>
-              <a:rPr lang="en-US" sz="3789" dirty="0" smtClean="0">
-                <a:solidFill>
-                  <a:srgbClr val="008000"/>
-                </a:solidFill>
-              </a:rPr>
-              <a:t>	cache.set(</a:t>
-            </a:r>
-            <a:r>
-              <a:rPr lang="en-US" sz="3789" dirty="0" smtClean="0">
-                <a:solidFill>
-                  <a:srgbClr val="3366FF"/>
-                </a:solidFill>
-              </a:rPr>
-              <a:t>‘a’</a:t>
-            </a:r>
-            <a:r>
-              <a:rPr lang="en-US" sz="3789" dirty="0" smtClean="0">
-                <a:solidFill>
-                  <a:srgbClr val="008000"/>
-                </a:solidFill>
-              </a:rPr>
-              <a:t>, 1)</a:t>
-            </a:r>
-          </a:p>
-          <a:p>
-            <a:pPr>
-              <a:buNone/>
-            </a:pPr>
-            <a:r>
-              <a:rPr lang="en-US" sz="3789" dirty="0" smtClean="0">
-                <a:solidFill>
-                  <a:srgbClr val="008000"/>
-                </a:solidFill>
-              </a:rPr>
-              <a:t>	cache.get(</a:t>
-            </a:r>
-            <a:r>
-              <a:rPr lang="en-US" sz="3789" dirty="0" smtClean="0">
-                <a:solidFill>
-                  <a:srgbClr val="3366FF"/>
-                </a:solidFill>
-              </a:rPr>
-              <a:t>‘a’</a:t>
-            </a:r>
-            <a:r>
-              <a:rPr lang="en-US" sz="3789" dirty="0" smtClean="0">
-                <a:solidFill>
-                  <a:srgbClr val="008000"/>
-                </a:solidFill>
-              </a:rPr>
-              <a:t>)</a:t>
-            </a:r>
-          </a:p>
-          <a:p>
-            <a:pPr>
-              <a:buNone/>
-            </a:pPr>
-            <a:r>
-              <a:rPr lang="en-US" sz="3789" dirty="0" smtClean="0">
-                <a:solidFill>
-                  <a:srgbClr val="008000"/>
-                </a:solidFill>
-              </a:rPr>
-              <a:t>	cache.delete(</a:t>
-            </a:r>
-            <a:r>
-              <a:rPr lang="en-US" sz="3789" dirty="0" smtClean="0">
-                <a:solidFill>
-                  <a:srgbClr val="3366FF"/>
-                </a:solidFill>
-              </a:rPr>
-              <a:t>‘a’</a:t>
-            </a:r>
-            <a:r>
-              <a:rPr lang="en-US" sz="3789" dirty="0" smtClean="0">
-                <a:solidFill>
-                  <a:srgbClr val="008000"/>
-                </a:solidFill>
-              </a:rPr>
-              <a:t>)</a:t>
-            </a:r>
-          </a:p>
-        </p:txBody>
-      </p:sp>
-    </p:spTree>
-  </p:cSld>
-  <p:clrMapOvr>
-    <a:masterClrMapping/>
-  </p:clrMapOvr>
-  <p:timing>
-    <p:tnLst>
-      <p:par>
-        <p:cTn id="1" dur="indefinite" restart="never" nodeType="tmRoot"/>
-      </p:par>
-    </p:tnLst>
-  </p:timing>
-</p:sld>
-</file>
-
-<file path=ppt/slides/slide31.xml><?xml version="1.0" encoding="utf-8"?>
-<p:sld xmlns:a="http://schemas.openxmlformats.org/drawingml/2006/main" xmlns:r="http://schemas.openxmlformats.org/officeDocument/2006/relationships" xmlns:p="http://schemas.openxmlformats.org/presentationml/2006/main">
-  <p:cSld>
-    <p:spTree>
-      <p:nvGrpSpPr>
-        <p:cNvPr id="1" name=""/>
-        <p:cNvGrpSpPr/>
-        <p:nvPr/>
-      </p:nvGrpSpPr>
-      <p:grpSpPr>
-        <a:xfrm>
-          <a:off x="0" y="0"/>
-          <a:ext cx="0" cy="0"/>
-          <a:chOff x="0" y="0"/>
-          <a:chExt cx="0" cy="0"/>
-        </a:xfrm>
-      </p:grpSpPr>
-      <p:sp>
-        <p:nvSpPr>
-          <p:cNvPr id="2" name="Title 1"/>
-          <p:cNvSpPr>
-            <a:spLocks noGrp="1"/>
-          </p:cNvSpPr>
-          <p:nvPr>
-            <p:ph type="title"/>
-          </p:nvPr>
-        </p:nvSpPr>
-        <p:spPr/>
-        <p:txBody>
-          <a:bodyPr>
-            <a:normAutofit fontScale="90000"/>
-          </a:bodyPr>
-          <a:lstStyle/>
-          <a:p>
-            <a:r>
-              <a:rPr lang="ru-RU" dirty="0" smtClean="0">
-                <a:solidFill>
-                  <a:schemeClr val="accent6">
-                    <a:lumMod val="50000"/>
-                  </a:schemeClr>
-                </a:solidFill>
-              </a:rPr>
-              <a:t>Дополнительные возможности</a:t>
-            </a:r>
-            <a:endParaRPr lang="en-US" dirty="0">
-              <a:solidFill>
-                <a:schemeClr val="accent6">
-                  <a:lumMod val="50000"/>
-                </a:schemeClr>
-              </a:solidFill>
-            </a:endParaRPr>
-          </a:p>
-        </p:txBody>
-      </p:sp>
-      <p:sp>
-        <p:nvSpPr>
-          <p:cNvPr id="3" name="Content Placeholder 2"/>
-          <p:cNvSpPr>
-            <a:spLocks noGrp="1"/>
-          </p:cNvSpPr>
-          <p:nvPr>
-            <p:ph idx="1"/>
-          </p:nvPr>
-        </p:nvSpPr>
-        <p:spPr/>
-        <p:txBody>
-          <a:bodyPr>
-            <a:normAutofit/>
-          </a:bodyPr>
-          <a:lstStyle/>
-          <a:p>
-            <a:r>
-              <a:rPr lang="ru-RU" sz="2400" dirty="0" smtClean="0"/>
-              <a:t>Сессии</a:t>
-            </a:r>
-          </a:p>
-          <a:p>
-            <a:r>
-              <a:rPr lang="ru-RU" sz="2400" dirty="0" smtClean="0"/>
-              <a:t>Локализация</a:t>
-            </a:r>
-          </a:p>
-          <a:p>
-            <a:r>
-              <a:rPr lang="ru-RU" sz="2400" dirty="0" smtClean="0"/>
-              <a:t>Пагинация (</a:t>
-            </a:r>
-            <a:r>
-              <a:rPr lang="en-US" sz="2400" dirty="0" smtClean="0">
-                <a:solidFill>
-                  <a:srgbClr val="008000"/>
-                </a:solidFill>
-              </a:rPr>
-              <a:t>p = Paginator(objects, 10)</a:t>
-            </a:r>
-            <a:r>
-              <a:rPr lang="en-US" sz="2400" dirty="0" smtClean="0"/>
-              <a:t>)</a:t>
-            </a:r>
-          </a:p>
-          <a:p>
-            <a:r>
-              <a:rPr lang="en-US" sz="2400" dirty="0" smtClean="0"/>
-              <a:t>Sitemap</a:t>
-            </a:r>
-          </a:p>
-          <a:p>
-            <a:r>
-              <a:rPr lang="ru-RU" sz="2400" dirty="0" smtClean="0"/>
-              <a:t>Генерация </a:t>
-            </a:r>
-            <a:r>
-              <a:rPr lang="en-US" sz="2400" dirty="0" smtClean="0"/>
-              <a:t>RSS</a:t>
-            </a:r>
-          </a:p>
-          <a:p>
-            <a:r>
-              <a:rPr lang="ru-RU" sz="2400" dirty="0" smtClean="0"/>
-              <a:t>Поддержка </a:t>
-            </a:r>
-            <a:r>
-              <a:rPr lang="en-US" sz="2400" dirty="0" smtClean="0"/>
-              <a:t>JSON</a:t>
-            </a:r>
-          </a:p>
-          <a:p>
-            <a:r>
-              <a:rPr lang="ru-RU" sz="2400" dirty="0" smtClean="0"/>
-              <a:t>И многое другое</a:t>
-            </a:r>
-            <a:r>
-              <a:rPr lang="en-US" sz="2400" dirty="0" smtClean="0"/>
-              <a:t>…</a:t>
-            </a:r>
-            <a:endParaRPr lang="en-US" sz="2400" dirty="0"/>
-          </a:p>
-        </p:txBody>
-      </p:sp>
-    </p:spTree>
-  </p:cSld>
-  <p:clrMapOvr>
-    <a:masterClrMapping/>
-  </p:clrMapOvr>
-  <p:timing>
-    <p:tnLst>
-      <p:par>
-        <p:cTn id="1" dur="indefinite" restart="never" nodeType="tmRoot"/>
-      </p:par>
-    </p:tnLst>
-  </p:timing>
-</p:sld>
-</file>
-
-<file path=ppt/slides/slide32.xml><?xml version="1.0" encoding="utf-8"?>
-<p:sld xmlns:a="http://schemas.openxmlformats.org/drawingml/2006/main" xmlns:r="http://schemas.openxmlformats.org/officeDocument/2006/relationships" xmlns:p="http://schemas.openxmlformats.org/presentationml/2006/main">
-  <p:cSld>
-    <p:spTree>
-      <p:nvGrpSpPr>
-        <p:cNvPr id="1" name=""/>
-        <p:cNvGrpSpPr/>
-        <p:nvPr/>
-      </p:nvGrpSpPr>
-      <p:grpSpPr>
-        <a:xfrm>
-          <a:off x="0" y="0"/>
-          <a:ext cx="0" cy="0"/>
-          <a:chOff x="0" y="0"/>
-          <a:chExt cx="0" cy="0"/>
-        </a:xfrm>
-      </p:grpSpPr>
-      <p:sp>
-        <p:nvSpPr>
-          <p:cNvPr id="2" name="Title 1"/>
-          <p:cNvSpPr>
-            <a:spLocks noGrp="1"/>
-          </p:cNvSpPr>
-          <p:nvPr>
-            <p:ph type="title"/>
-          </p:nvPr>
-        </p:nvSpPr>
-        <p:spPr/>
-        <p:txBody>
-          <a:bodyPr/>
-          <a:lstStyle/>
-          <a:p>
-            <a:r>
-              <a:rPr lang="ru-RU" dirty="0" smtClean="0">
-                <a:solidFill>
-                  <a:srgbClr val="984807"/>
-                </a:solidFill>
-              </a:rPr>
-              <a:t>Конец</a:t>
-            </a:r>
-            <a:endParaRPr lang="en-US" dirty="0">
-              <a:solidFill>
-                <a:srgbClr val="984807"/>
-              </a:solidFill>
-            </a:endParaRPr>
-          </a:p>
-        </p:txBody>
-      </p:sp>
-      <p:sp>
-        <p:nvSpPr>
-          <p:cNvPr id="3" name="Content Placeholder 2"/>
-          <p:cNvSpPr>
-            <a:spLocks noGrp="1"/>
-          </p:cNvSpPr>
-          <p:nvPr>
-            <p:ph idx="1"/>
-          </p:nvPr>
-        </p:nvSpPr>
-        <p:spPr/>
-        <p:txBody>
-          <a:bodyPr/>
-          <a:lstStyle/>
-          <a:p>
-            <a:r>
-              <a:rPr lang="ru-RU" sz="2000" dirty="0" smtClean="0"/>
-              <a:t>При подготовке презентации были использованы материалы:</a:t>
-            </a:r>
-            <a:endParaRPr lang="en-US" sz="2000" dirty="0" smtClean="0"/>
-          </a:p>
-          <a:p>
-            <a:pPr>
-              <a:buNone/>
-            </a:pPr>
-            <a:r>
-              <a:rPr lang="en-US" sz="2000" dirty="0" smtClean="0"/>
-              <a:t>	http://docs.djangoproject.com</a:t>
-            </a:r>
-            <a:endParaRPr lang="ru-RU" sz="2000" dirty="0" smtClean="0"/>
-          </a:p>
-          <a:p>
-            <a:pPr>
-              <a:buNone/>
-            </a:pPr>
-            <a:r>
-              <a:rPr lang="en-US" sz="2000" dirty="0" smtClean="0"/>
-              <a:t>	http://www.slideshare.net/Coagulant/django-3919346</a:t>
-            </a:r>
-            <a:endParaRPr lang="ru-RU" sz="2000" dirty="0" smtClean="0"/>
-          </a:p>
-        </p:txBody>
-      </p:sp>
-    </p:spTree>
-  </p:cSld>
-  <p:clrMapOvr>
-    <a:masterClrMapping/>
-  </p:clrMapOvr>
-  <p:timing>
-    <p:tnLst>
-      <p:par>
-        <p:cTn id="1" dur="indefinite" restart="never" nodeType="tmRoot"/>
       </p:par>
     </p:tnLst>
   </p:timing>
@@ -15532,11 +11242,6 @@
               </a:rPr>
               <a:t>website</a:t>
             </a:r>
-            <a:endParaRPr lang="en-US" sz="2595" dirty="0" smtClean="0">
-              <a:solidFill>
-                <a:srgbClr val="00B0F0"/>
-              </a:solidFill>
-            </a:endParaRPr>
           </a:p>
         </p:txBody>
       </p:sp>
@@ -15884,11 +11589,6 @@
               </a:rPr>
               <a:t>website</a:t>
             </a:r>
-            <a:endParaRPr lang="en-US" sz="2595" dirty="0" smtClean="0">
-              <a:solidFill>
-                <a:srgbClr val="00B0F0"/>
-              </a:solidFill>
-            </a:endParaRPr>
           </a:p>
           <a:p>
             <a:pPr>

--- a/week11/intro_django.pptx
+++ b/week11/intro_django.pptx
@@ -5,28 +5,29 @@
     <p:sldMasterId id="2147483648" r:id="rId1"/>
   </p:sldMasterIdLst>
   <p:notesMasterIdLst>
-    <p:notesMasterId r:id="rId21"/>
+    <p:notesMasterId r:id="rId22"/>
   </p:notesMasterIdLst>
   <p:sldIdLst>
     <p:sldId id="256" r:id="rId2"/>
     <p:sldId id="274" r:id="rId3"/>
     <p:sldId id="277" r:id="rId4"/>
     <p:sldId id="278" r:id="rId5"/>
-    <p:sldId id="257" r:id="rId6"/>
-    <p:sldId id="258" r:id="rId7"/>
-    <p:sldId id="259" r:id="rId8"/>
-    <p:sldId id="276" r:id="rId9"/>
-    <p:sldId id="279" r:id="rId10"/>
-    <p:sldId id="283" r:id="rId11"/>
-    <p:sldId id="281" r:id="rId12"/>
-    <p:sldId id="280" r:id="rId13"/>
-    <p:sldId id="282" r:id="rId14"/>
-    <p:sldId id="261" r:id="rId15"/>
-    <p:sldId id="284" r:id="rId16"/>
-    <p:sldId id="285" r:id="rId17"/>
-    <p:sldId id="286" r:id="rId18"/>
-    <p:sldId id="287" r:id="rId19"/>
-    <p:sldId id="288" r:id="rId20"/>
+    <p:sldId id="289" r:id="rId6"/>
+    <p:sldId id="257" r:id="rId7"/>
+    <p:sldId id="258" r:id="rId8"/>
+    <p:sldId id="259" r:id="rId9"/>
+    <p:sldId id="276" r:id="rId10"/>
+    <p:sldId id="279" r:id="rId11"/>
+    <p:sldId id="283" r:id="rId12"/>
+    <p:sldId id="281" r:id="rId13"/>
+    <p:sldId id="280" r:id="rId14"/>
+    <p:sldId id="282" r:id="rId15"/>
+    <p:sldId id="261" r:id="rId16"/>
+    <p:sldId id="284" r:id="rId17"/>
+    <p:sldId id="285" r:id="rId18"/>
+    <p:sldId id="286" r:id="rId19"/>
+    <p:sldId id="287" r:id="rId20"/>
+    <p:sldId id="288" r:id="rId21"/>
   </p:sldIdLst>
   <p:sldSz cx="9144000" cy="6858000" type="screen4x3"/>
   <p:notesSz cx="6858000" cy="9144000"/>
@@ -127,7 +128,7 @@
   </p:defaultTextStyle>
   <p:extLst>
     <p:ext uri="{EFAFB233-063F-42B5-8137-9DF3F51BA10A}">
-      <p15:sldGuideLst xmlns:p15="http://schemas.microsoft.com/office/powerpoint/2012/main">
+      <p15:sldGuideLst xmlns:p15="http://schemas.microsoft.com/office/powerpoint/2012/main" xmlns="">
         <p15:guide id="1" orient="horz" pos="2160">
           <p15:clr>
             <a:srgbClr val="A4A3A4"/>
@@ -226,7 +227,7 @@
           <a:p>
             <a:fld id="{BB853691-2568-724D-8AC3-0B4EBB217FA1}" type="datetimeFigureOut">
               <a:rPr lang="en-US" smtClean="0"/>
-              <a:t>10/29/2016</a:t>
+              <a:t>4/30/2017</a:t>
             </a:fld>
             <a:endParaRPr lang="en-US"/>
           </a:p>
@@ -651,7 +652,7 @@
           <a:p>
             <a:fld id="{1A2A6817-5B0F-ED4C-8B30-03A1A1081BF2}" type="slidenum">
               <a:rPr lang="en-US" smtClean="0"/>
-              <a:t>17</a:t>
+              <a:t>18</a:t>
             </a:fld>
             <a:endParaRPr lang="en-US"/>
           </a:p>
@@ -737,7 +738,7 @@
           <a:p>
             <a:fld id="{1A2A6817-5B0F-ED4C-8B30-03A1A1081BF2}" type="slidenum">
               <a:rPr lang="en-US" smtClean="0"/>
-              <a:t>18</a:t>
+              <a:t>19</a:t>
             </a:fld>
             <a:endParaRPr lang="en-US"/>
           </a:p>
@@ -823,7 +824,7 @@
           <a:p>
             <a:fld id="{1A2A6817-5B0F-ED4C-8B30-03A1A1081BF2}" type="slidenum">
               <a:rPr lang="en-US" smtClean="0"/>
-              <a:t>19</a:t>
+              <a:t>20</a:t>
             </a:fld>
             <a:endParaRPr lang="en-US"/>
           </a:p>
@@ -909,7 +910,7 @@
           <a:p>
             <a:fld id="{1A2A6817-5B0F-ED4C-8B30-03A1A1081BF2}" type="slidenum">
               <a:rPr lang="en-US" smtClean="0"/>
-              <a:t>7</a:t>
+              <a:t>8</a:t>
             </a:fld>
             <a:endParaRPr lang="en-US"/>
           </a:p>
@@ -990,7 +991,7 @@
           <a:p>
             <a:fld id="{1A2A6817-5B0F-ED4C-8B30-03A1A1081BF2}" type="slidenum">
               <a:rPr lang="en-US" smtClean="0"/>
-              <a:t>8</a:t>
+              <a:t>9</a:t>
             </a:fld>
             <a:endParaRPr lang="en-US"/>
           </a:p>
@@ -1080,7 +1081,7 @@
           <a:p>
             <a:fld id="{1A2A6817-5B0F-ED4C-8B30-03A1A1081BF2}" type="slidenum">
               <a:rPr lang="en-US" smtClean="0"/>
-              <a:t>9</a:t>
+              <a:t>10</a:t>
             </a:fld>
             <a:endParaRPr lang="en-US"/>
           </a:p>
@@ -1166,7 +1167,7 @@
           <a:p>
             <a:fld id="{1A2A6817-5B0F-ED4C-8B30-03A1A1081BF2}" type="slidenum">
               <a:rPr lang="en-US" smtClean="0"/>
-              <a:t>11</a:t>
+              <a:t>12</a:t>
             </a:fld>
             <a:endParaRPr lang="en-US"/>
           </a:p>
@@ -1252,7 +1253,7 @@
           <a:p>
             <a:fld id="{1A2A6817-5B0F-ED4C-8B30-03A1A1081BF2}" type="slidenum">
               <a:rPr lang="en-US" smtClean="0"/>
-              <a:t>12</a:t>
+              <a:t>13</a:t>
             </a:fld>
             <a:endParaRPr lang="en-US"/>
           </a:p>
@@ -1338,7 +1339,7 @@
           <a:p>
             <a:fld id="{1A2A6817-5B0F-ED4C-8B30-03A1A1081BF2}" type="slidenum">
               <a:rPr lang="en-US" smtClean="0"/>
-              <a:t>13</a:t>
+              <a:t>14</a:t>
             </a:fld>
             <a:endParaRPr lang="en-US"/>
           </a:p>
@@ -1424,7 +1425,7 @@
           <a:p>
             <a:fld id="{1A2A6817-5B0F-ED4C-8B30-03A1A1081BF2}" type="slidenum">
               <a:rPr lang="en-US" smtClean="0"/>
-              <a:t>15</a:t>
+              <a:t>16</a:t>
             </a:fld>
             <a:endParaRPr lang="en-US"/>
           </a:p>
@@ -1510,7 +1511,7 @@
           <a:p>
             <a:fld id="{1A2A6817-5B0F-ED4C-8B30-03A1A1081BF2}" type="slidenum">
               <a:rPr lang="en-US" smtClean="0"/>
-              <a:t>16</a:t>
+              <a:t>17</a:t>
             </a:fld>
             <a:endParaRPr lang="en-US"/>
           </a:p>
@@ -1710,7 +1711,7 @@
           <a:p>
             <a:fld id="{1FACF698-560B-A546-A4FA-6B15CCA392CB}" type="datetimeFigureOut">
               <a:rPr lang="en-US" smtClean="0"/>
-              <a:t>10/29/2016</a:t>
+              <a:t>4/30/2017</a:t>
             </a:fld>
             <a:endParaRPr lang="en-US"/>
           </a:p>
@@ -1875,7 +1876,7 @@
           <a:p>
             <a:fld id="{1FACF698-560B-A546-A4FA-6B15CCA392CB}" type="datetimeFigureOut">
               <a:rPr lang="en-US" smtClean="0"/>
-              <a:t>10/29/2016</a:t>
+              <a:t>4/30/2017</a:t>
             </a:fld>
             <a:endParaRPr lang="en-US"/>
           </a:p>
@@ -2050,7 +2051,7 @@
           <a:p>
             <a:fld id="{1FACF698-560B-A546-A4FA-6B15CCA392CB}" type="datetimeFigureOut">
               <a:rPr lang="en-US" smtClean="0"/>
-              <a:t>10/29/2016</a:t>
+              <a:t>4/30/2017</a:t>
             </a:fld>
             <a:endParaRPr lang="en-US"/>
           </a:p>
@@ -2215,7 +2216,7 @@
           <a:p>
             <a:fld id="{1FACF698-560B-A546-A4FA-6B15CCA392CB}" type="datetimeFigureOut">
               <a:rPr lang="en-US" smtClean="0"/>
-              <a:t>10/29/2016</a:t>
+              <a:t>4/30/2017</a:t>
             </a:fld>
             <a:endParaRPr lang="en-US"/>
           </a:p>
@@ -2456,7 +2457,7 @@
           <a:p>
             <a:fld id="{1FACF698-560B-A546-A4FA-6B15CCA392CB}" type="datetimeFigureOut">
               <a:rPr lang="en-US" smtClean="0"/>
-              <a:t>10/29/2016</a:t>
+              <a:t>4/30/2017</a:t>
             </a:fld>
             <a:endParaRPr lang="en-US"/>
           </a:p>
@@ -2739,7 +2740,7 @@
           <a:p>
             <a:fld id="{1FACF698-560B-A546-A4FA-6B15CCA392CB}" type="datetimeFigureOut">
               <a:rPr lang="en-US" smtClean="0"/>
-              <a:t>10/29/2016</a:t>
+              <a:t>4/30/2017</a:t>
             </a:fld>
             <a:endParaRPr lang="en-US"/>
           </a:p>
@@ -3156,7 +3157,7 @@
           <a:p>
             <a:fld id="{1FACF698-560B-A546-A4FA-6B15CCA392CB}" type="datetimeFigureOut">
               <a:rPr lang="en-US" smtClean="0"/>
-              <a:t>10/29/2016</a:t>
+              <a:t>4/30/2017</a:t>
             </a:fld>
             <a:endParaRPr lang="en-US"/>
           </a:p>
@@ -3269,7 +3270,7 @@
           <a:p>
             <a:fld id="{1FACF698-560B-A546-A4FA-6B15CCA392CB}" type="datetimeFigureOut">
               <a:rPr lang="en-US" smtClean="0"/>
-              <a:t>10/29/2016</a:t>
+              <a:t>4/30/2017</a:t>
             </a:fld>
             <a:endParaRPr lang="en-US"/>
           </a:p>
@@ -3359,7 +3360,7 @@
           <a:p>
             <a:fld id="{1FACF698-560B-A546-A4FA-6B15CCA392CB}" type="datetimeFigureOut">
               <a:rPr lang="en-US" smtClean="0"/>
-              <a:t>10/29/2016</a:t>
+              <a:t>4/30/2017</a:t>
             </a:fld>
             <a:endParaRPr lang="en-US"/>
           </a:p>
@@ -3631,7 +3632,7 @@
           <a:p>
             <a:fld id="{1FACF698-560B-A546-A4FA-6B15CCA392CB}" type="datetimeFigureOut">
               <a:rPr lang="en-US" smtClean="0"/>
-              <a:t>10/29/2016</a:t>
+              <a:t>4/30/2017</a:t>
             </a:fld>
             <a:endParaRPr lang="en-US"/>
           </a:p>
@@ -3879,7 +3880,7 @@
           <a:p>
             <a:fld id="{1FACF698-560B-A546-A4FA-6B15CCA392CB}" type="datetimeFigureOut">
               <a:rPr lang="en-US" smtClean="0"/>
-              <a:t>10/29/2016</a:t>
+              <a:t>4/30/2017</a:t>
             </a:fld>
             <a:endParaRPr lang="en-US"/>
           </a:p>
@@ -4087,7 +4088,7 @@
           <a:p>
             <a:fld id="{1FACF698-560B-A546-A4FA-6B15CCA392CB}" type="datetimeFigureOut">
               <a:rPr lang="en-US" smtClean="0"/>
-              <a:t>10/29/2016</a:t>
+              <a:t>4/30/2017</a:t>
             </a:fld>
             <a:endParaRPr lang="en-US"/>
           </a:p>
@@ -4546,6 +4547,629 @@
 </file>
 
 <file path=ppt/slides/slide10.xml><?xml version="1.0" encoding="utf-8"?>
+<p:sld xmlns:a="http://schemas.openxmlformats.org/drawingml/2006/main" xmlns:r="http://schemas.openxmlformats.org/officeDocument/2006/relationships" xmlns:p="http://schemas.openxmlformats.org/presentationml/2006/main">
+  <p:cSld>
+    <p:spTree>
+      <p:nvGrpSpPr>
+        <p:cNvPr id="1" name=""/>
+        <p:cNvGrpSpPr/>
+        <p:nvPr/>
+      </p:nvGrpSpPr>
+      <p:grpSpPr>
+        <a:xfrm>
+          <a:off x="0" y="0"/>
+          <a:ext cx="0" cy="0"/>
+          <a:chOff x="0" y="0"/>
+          <a:chExt cx="0" cy="0"/>
+        </a:xfrm>
+      </p:grpSpPr>
+      <p:sp>
+        <p:nvSpPr>
+          <p:cNvPr id="2" name="Title 1"/>
+          <p:cNvSpPr>
+            <a:spLocks noGrp="1"/>
+          </p:cNvSpPr>
+          <p:nvPr>
+            <p:ph type="title"/>
+          </p:nvPr>
+        </p:nvSpPr>
+        <p:spPr/>
+        <p:txBody>
+          <a:bodyPr>
+            <a:normAutofit/>
+          </a:bodyPr>
+          <a:lstStyle/>
+          <a:p>
+            <a:r>
+              <a:rPr lang="ru-RU" dirty="0">
+                <a:solidFill>
+                  <a:srgbClr val="984807"/>
+                </a:solidFill>
+              </a:rPr>
+              <a:t>Создание приложения</a:t>
+            </a:r>
+            <a:endParaRPr lang="en-US" dirty="0">
+              <a:solidFill>
+                <a:srgbClr val="984807"/>
+              </a:solidFill>
+            </a:endParaRPr>
+          </a:p>
+        </p:txBody>
+      </p:sp>
+      <p:sp>
+        <p:nvSpPr>
+          <p:cNvPr id="3" name="Content Placeholder 2"/>
+          <p:cNvSpPr>
+            <a:spLocks noGrp="1"/>
+          </p:cNvSpPr>
+          <p:nvPr>
+            <p:ph idx="1"/>
+          </p:nvPr>
+        </p:nvSpPr>
+        <p:spPr>
+          <a:xfrm>
+            <a:off x="457200" y="1408846"/>
+            <a:ext cx="8229600" cy="4525963"/>
+          </a:xfrm>
+        </p:spPr>
+        <p:txBody>
+          <a:bodyPr>
+            <a:normAutofit/>
+          </a:bodyPr>
+          <a:lstStyle/>
+          <a:p>
+            <a:r>
+              <a:rPr lang="ru-RU" dirty="0" smtClean="0"/>
+              <a:t>Создание приложения:</a:t>
+            </a:r>
+          </a:p>
+          <a:p>
+            <a:pPr>
+              <a:buNone/>
+            </a:pPr>
+            <a:r>
+              <a:rPr lang="en-US" sz="2595" dirty="0" smtClean="0">
+                <a:solidFill>
+                  <a:srgbClr val="008000"/>
+                </a:solidFill>
+              </a:rPr>
+              <a:t>		&gt; cd </a:t>
+            </a:r>
+            <a:r>
+              <a:rPr lang="en-US" sz="2595" dirty="0" smtClean="0">
+                <a:solidFill>
+                  <a:srgbClr val="00B0F0"/>
+                </a:solidFill>
+              </a:rPr>
+              <a:t>website</a:t>
+            </a:r>
+          </a:p>
+          <a:p>
+            <a:pPr>
+              <a:buNone/>
+            </a:pPr>
+            <a:r>
+              <a:rPr lang="en-US" sz="2595" dirty="0" smtClean="0">
+                <a:solidFill>
+                  <a:srgbClr val="008000"/>
+                </a:solidFill>
+              </a:rPr>
+              <a:t>		&gt; python manage.py </a:t>
+            </a:r>
+            <a:r>
+              <a:rPr lang="en-US" sz="2595" dirty="0" err="1" smtClean="0">
+                <a:solidFill>
+                  <a:srgbClr val="008000"/>
+                </a:solidFill>
+              </a:rPr>
+              <a:t>startapp</a:t>
+            </a:r>
+            <a:r>
+              <a:rPr lang="en-US" sz="2595" dirty="0" smtClean="0">
+                <a:solidFill>
+                  <a:srgbClr val="008000"/>
+                </a:solidFill>
+              </a:rPr>
+              <a:t> </a:t>
+            </a:r>
+            <a:r>
+              <a:rPr lang="en-US" sz="2595" dirty="0" err="1" smtClean="0">
+                <a:solidFill>
+                  <a:srgbClr val="00B0F0"/>
+                </a:solidFill>
+              </a:rPr>
+              <a:t>helloweb</a:t>
+            </a:r>
+            <a:endParaRPr lang="en-US" sz="2595" dirty="0" smtClean="0">
+              <a:solidFill>
+                <a:srgbClr val="00B0F0"/>
+              </a:solidFill>
+            </a:endParaRPr>
+          </a:p>
+        </p:txBody>
+      </p:sp>
+      <p:pic>
+        <p:nvPicPr>
+          <p:cNvPr id="4" name="Picture 3" descr="Open File or Project"/>
+          <p:cNvPicPr>
+            <a:picLocks noChangeAspect="1"/>
+          </p:cNvPicPr>
+          <p:nvPr/>
+        </p:nvPicPr>
+        <p:blipFill rotWithShape="1">
+          <a:blip r:embed="rId3">
+            <a:extLst>
+              <a:ext uri="{28A0092B-C50C-407E-A947-70E740481C1C}">
+                <a14:useLocalDpi xmlns:a14="http://schemas.microsoft.com/office/drawing/2010/main" val="0"/>
+              </a:ext>
+            </a:extLst>
+          </a:blip>
+          <a:srcRect l="12051" t="43333" r="64359" b="22821"/>
+          <a:stretch/>
+        </p:blipFill>
+        <p:spPr>
+          <a:xfrm>
+            <a:off x="3314699" y="3174406"/>
+            <a:ext cx="2567354" cy="3683594"/>
+          </a:xfrm>
+          <a:prstGeom prst="rect">
+            <a:avLst/>
+          </a:prstGeom>
+        </p:spPr>
+      </p:pic>
+      <p:sp>
+        <p:nvSpPr>
+          <p:cNvPr id="5" name="Rectangle 4"/>
+          <p:cNvSpPr/>
+          <p:nvPr/>
+        </p:nvSpPr>
+        <p:spPr>
+          <a:xfrm>
+            <a:off x="3569677" y="3393830"/>
+            <a:ext cx="1995853" cy="1951893"/>
+          </a:xfrm>
+          <a:prstGeom prst="rect">
+            <a:avLst/>
+          </a:prstGeom>
+          <a:noFill/>
+          <a:ln w="28575">
+            <a:solidFill>
+              <a:srgbClr val="00B050"/>
+            </a:solidFill>
+          </a:ln>
+        </p:spPr>
+        <p:style>
+          <a:lnRef idx="1">
+            <a:schemeClr val="accent1"/>
+          </a:lnRef>
+          <a:fillRef idx="3">
+            <a:schemeClr val="accent1"/>
+          </a:fillRef>
+          <a:effectRef idx="2">
+            <a:schemeClr val="accent1"/>
+          </a:effectRef>
+          <a:fontRef idx="minor">
+            <a:schemeClr val="lt1"/>
+          </a:fontRef>
+        </p:style>
+        <p:txBody>
+          <a:bodyPr rtlCol="0" anchor="ctr"/>
+          <a:lstStyle/>
+          <a:p>
+            <a:pPr algn="ctr"/>
+            <a:endParaRPr lang="ru-RU"/>
+          </a:p>
+        </p:txBody>
+      </p:sp>
+      <p:sp>
+        <p:nvSpPr>
+          <p:cNvPr id="6" name="Rectangle 5"/>
+          <p:cNvSpPr/>
+          <p:nvPr/>
+        </p:nvSpPr>
+        <p:spPr>
+          <a:xfrm>
+            <a:off x="3565280" y="5345723"/>
+            <a:ext cx="2000250" cy="1450731"/>
+          </a:xfrm>
+          <a:prstGeom prst="rect">
+            <a:avLst/>
+          </a:prstGeom>
+          <a:solidFill>
+            <a:srgbClr val="000000">
+              <a:alpha val="27059"/>
+            </a:srgbClr>
+          </a:solidFill>
+        </p:spPr>
+        <p:style>
+          <a:lnRef idx="1">
+            <a:schemeClr val="accent1"/>
+          </a:lnRef>
+          <a:fillRef idx="3">
+            <a:schemeClr val="accent1"/>
+          </a:fillRef>
+          <a:effectRef idx="2">
+            <a:schemeClr val="accent1"/>
+          </a:effectRef>
+          <a:fontRef idx="minor">
+            <a:schemeClr val="lt1"/>
+          </a:fontRef>
+        </p:style>
+        <p:txBody>
+          <a:bodyPr rtlCol="0" anchor="ctr"/>
+          <a:lstStyle/>
+          <a:p>
+            <a:pPr algn="ctr"/>
+            <a:endParaRPr lang="ru-RU"/>
+          </a:p>
+        </p:txBody>
+      </p:sp>
+    </p:spTree>
+    <p:extLst>
+      <p:ext uri="{BB962C8B-B14F-4D97-AF65-F5344CB8AC3E}">
+        <p14:creationId xmlns:p14="http://schemas.microsoft.com/office/powerpoint/2010/main" val="755113853"/>
+      </p:ext>
+    </p:extLst>
+  </p:cSld>
+  <p:clrMapOvr>
+    <a:masterClrMapping/>
+  </p:clrMapOvr>
+  <p:timing>
+    <p:tnLst>
+      <p:par>
+        <p:cTn id="1" dur="indefinite" restart="never" nodeType="tmRoot">
+          <p:childTnLst>
+            <p:seq concurrent="1" nextAc="seek">
+              <p:cTn id="2" dur="indefinite" nodeType="mainSeq">
+                <p:childTnLst>
+                  <p:par>
+                    <p:cTn id="3" fill="hold">
+                      <p:stCondLst>
+                        <p:cond delay="indefinite"/>
+                      </p:stCondLst>
+                      <p:childTnLst>
+                        <p:par>
+                          <p:cTn id="4" fill="hold">
+                            <p:stCondLst>
+                              <p:cond delay="0"/>
+                            </p:stCondLst>
+                            <p:childTnLst>
+                              <p:par>
+                                <p:cTn id="5" presetID="10" presetClass="entr" presetSubtype="0" fill="hold" nodeType="clickEffect">
+                                  <p:stCondLst>
+                                    <p:cond delay="0"/>
+                                  </p:stCondLst>
+                                  <p:childTnLst>
+                                    <p:set>
+                                      <p:cBhvr>
+                                        <p:cTn id="6" dur="1" fill="hold">
+                                          <p:stCondLst>
+                                            <p:cond delay="0"/>
+                                          </p:stCondLst>
+                                        </p:cTn>
+                                        <p:tgtEl>
+                                          <p:spTgt spid="3">
+                                            <p:txEl>
+                                              <p:pRg st="0" end="0"/>
+                                            </p:txEl>
+                                          </p:spTgt>
+                                        </p:tgtEl>
+                                        <p:attrNameLst>
+                                          <p:attrName>style.visibility</p:attrName>
+                                        </p:attrNameLst>
+                                      </p:cBhvr>
+                                      <p:to>
+                                        <p:strVal val="visible"/>
+                                      </p:to>
+                                    </p:set>
+                                    <p:animEffect transition="in" filter="fade">
+                                      <p:cBhvr>
+                                        <p:cTn id="7" dur="500"/>
+                                        <p:tgtEl>
+                                          <p:spTgt spid="3">
+                                            <p:txEl>
+                                              <p:pRg st="0" end="0"/>
+                                            </p:txEl>
+                                          </p:spTgt>
+                                        </p:tgtEl>
+                                      </p:cBhvr>
+                                    </p:animEffect>
+                                  </p:childTnLst>
+                                </p:cTn>
+                              </p:par>
+                            </p:childTnLst>
+                          </p:cTn>
+                        </p:par>
+                      </p:childTnLst>
+                    </p:cTn>
+                  </p:par>
+                  <p:par>
+                    <p:cTn id="8" fill="hold">
+                      <p:stCondLst>
+                        <p:cond delay="indefinite"/>
+                      </p:stCondLst>
+                      <p:childTnLst>
+                        <p:par>
+                          <p:cTn id="9" fill="hold">
+                            <p:stCondLst>
+                              <p:cond delay="0"/>
+                            </p:stCondLst>
+                            <p:childTnLst>
+                              <p:par>
+                                <p:cTn id="10" presetID="10" presetClass="entr" presetSubtype="0" fill="hold" nodeType="clickEffect">
+                                  <p:stCondLst>
+                                    <p:cond delay="0"/>
+                                  </p:stCondLst>
+                                  <p:childTnLst>
+                                    <p:set>
+                                      <p:cBhvr>
+                                        <p:cTn id="11" dur="1" fill="hold">
+                                          <p:stCondLst>
+                                            <p:cond delay="0"/>
+                                          </p:stCondLst>
+                                        </p:cTn>
+                                        <p:tgtEl>
+                                          <p:spTgt spid="3">
+                                            <p:txEl>
+                                              <p:pRg st="1" end="1"/>
+                                            </p:txEl>
+                                          </p:spTgt>
+                                        </p:tgtEl>
+                                        <p:attrNameLst>
+                                          <p:attrName>style.visibility</p:attrName>
+                                        </p:attrNameLst>
+                                      </p:cBhvr>
+                                      <p:to>
+                                        <p:strVal val="visible"/>
+                                      </p:to>
+                                    </p:set>
+                                    <p:animEffect transition="in" filter="fade">
+                                      <p:cBhvr>
+                                        <p:cTn id="12" dur="500"/>
+                                        <p:tgtEl>
+                                          <p:spTgt spid="3">
+                                            <p:txEl>
+                                              <p:pRg st="1" end="1"/>
+                                            </p:txEl>
+                                          </p:spTgt>
+                                        </p:tgtEl>
+                                      </p:cBhvr>
+                                    </p:animEffect>
+                                  </p:childTnLst>
+                                </p:cTn>
+                              </p:par>
+                            </p:childTnLst>
+                          </p:cTn>
+                        </p:par>
+                      </p:childTnLst>
+                    </p:cTn>
+                  </p:par>
+                  <p:par>
+                    <p:cTn id="13" fill="hold">
+                      <p:stCondLst>
+                        <p:cond delay="indefinite"/>
+                      </p:stCondLst>
+                      <p:childTnLst>
+                        <p:par>
+                          <p:cTn id="14" fill="hold">
+                            <p:stCondLst>
+                              <p:cond delay="0"/>
+                            </p:stCondLst>
+                            <p:childTnLst>
+                              <p:par>
+                                <p:cTn id="15" presetID="10" presetClass="entr" presetSubtype="0" fill="hold" nodeType="clickEffect">
+                                  <p:stCondLst>
+                                    <p:cond delay="0"/>
+                                  </p:stCondLst>
+                                  <p:childTnLst>
+                                    <p:set>
+                                      <p:cBhvr>
+                                        <p:cTn id="16" dur="1" fill="hold">
+                                          <p:stCondLst>
+                                            <p:cond delay="0"/>
+                                          </p:stCondLst>
+                                        </p:cTn>
+                                        <p:tgtEl>
+                                          <p:spTgt spid="3">
+                                            <p:txEl>
+                                              <p:pRg st="2" end="2"/>
+                                            </p:txEl>
+                                          </p:spTgt>
+                                        </p:tgtEl>
+                                        <p:attrNameLst>
+                                          <p:attrName>style.visibility</p:attrName>
+                                        </p:attrNameLst>
+                                      </p:cBhvr>
+                                      <p:to>
+                                        <p:strVal val="visible"/>
+                                      </p:to>
+                                    </p:set>
+                                    <p:animEffect transition="in" filter="fade">
+                                      <p:cBhvr>
+                                        <p:cTn id="17" dur="500"/>
+                                        <p:tgtEl>
+                                          <p:spTgt spid="3">
+                                            <p:txEl>
+                                              <p:pRg st="2" end="2"/>
+                                            </p:txEl>
+                                          </p:spTgt>
+                                        </p:tgtEl>
+                                      </p:cBhvr>
+                                    </p:animEffect>
+                                  </p:childTnLst>
+                                </p:cTn>
+                              </p:par>
+                            </p:childTnLst>
+                          </p:cTn>
+                        </p:par>
+                      </p:childTnLst>
+                    </p:cTn>
+                  </p:par>
+                  <p:par>
+                    <p:cTn id="18" fill="hold">
+                      <p:stCondLst>
+                        <p:cond delay="indefinite"/>
+                      </p:stCondLst>
+                      <p:childTnLst>
+                        <p:par>
+                          <p:cTn id="19" fill="hold">
+                            <p:stCondLst>
+                              <p:cond delay="0"/>
+                            </p:stCondLst>
+                            <p:childTnLst>
+                              <p:par>
+                                <p:cTn id="20" presetID="1" presetClass="entr" presetSubtype="0" fill="hold" nodeType="clickEffect">
+                                  <p:stCondLst>
+                                    <p:cond delay="0"/>
+                                  </p:stCondLst>
+                                  <p:childTnLst>
+                                    <p:set>
+                                      <p:cBhvr>
+                                        <p:cTn id="21" dur="1" fill="hold">
+                                          <p:stCondLst>
+                                            <p:cond delay="0"/>
+                                          </p:stCondLst>
+                                        </p:cTn>
+                                        <p:tgtEl>
+                                          <p:spTgt spid="4"/>
+                                        </p:tgtEl>
+                                        <p:attrNameLst>
+                                          <p:attrName>style.visibility</p:attrName>
+                                        </p:attrNameLst>
+                                      </p:cBhvr>
+                                      <p:to>
+                                        <p:strVal val="visible"/>
+                                      </p:to>
+                                    </p:set>
+                                  </p:childTnLst>
+                                </p:cTn>
+                              </p:par>
+                            </p:childTnLst>
+                          </p:cTn>
+                        </p:par>
+                      </p:childTnLst>
+                    </p:cTn>
+                  </p:par>
+                  <p:par>
+                    <p:cTn id="22" fill="hold">
+                      <p:stCondLst>
+                        <p:cond delay="indefinite"/>
+                      </p:stCondLst>
+                      <p:childTnLst>
+                        <p:par>
+                          <p:cTn id="23" fill="hold">
+                            <p:stCondLst>
+                              <p:cond delay="0"/>
+                            </p:stCondLst>
+                            <p:childTnLst>
+                              <p:par>
+                                <p:cTn id="24" presetID="1" presetClass="entr" presetSubtype="0" fill="hold" grpId="0" nodeType="clickEffect">
+                                  <p:stCondLst>
+                                    <p:cond delay="0"/>
+                                  </p:stCondLst>
+                                  <p:childTnLst>
+                                    <p:set>
+                                      <p:cBhvr>
+                                        <p:cTn id="25" dur="1" fill="hold">
+                                          <p:stCondLst>
+                                            <p:cond delay="0"/>
+                                          </p:stCondLst>
+                                        </p:cTn>
+                                        <p:tgtEl>
+                                          <p:spTgt spid="6"/>
+                                        </p:tgtEl>
+                                        <p:attrNameLst>
+                                          <p:attrName>style.visibility</p:attrName>
+                                        </p:attrNameLst>
+                                      </p:cBhvr>
+                                      <p:to>
+                                        <p:strVal val="visible"/>
+                                      </p:to>
+                                    </p:set>
+                                  </p:childTnLst>
+                                </p:cTn>
+                              </p:par>
+                            </p:childTnLst>
+                          </p:cTn>
+                        </p:par>
+                      </p:childTnLst>
+                    </p:cTn>
+                  </p:par>
+                  <p:par>
+                    <p:cTn id="26" fill="hold">
+                      <p:stCondLst>
+                        <p:cond delay="indefinite"/>
+                      </p:stCondLst>
+                      <p:childTnLst>
+                        <p:par>
+                          <p:cTn id="27" fill="hold">
+                            <p:stCondLst>
+                              <p:cond delay="0"/>
+                            </p:stCondLst>
+                            <p:childTnLst>
+                              <p:par>
+                                <p:cTn id="28" presetID="1" presetClass="entr" presetSubtype="0" fill="hold" grpId="0" nodeType="clickEffect">
+                                  <p:stCondLst>
+                                    <p:cond delay="0"/>
+                                  </p:stCondLst>
+                                  <p:childTnLst>
+                                    <p:set>
+                                      <p:cBhvr>
+                                        <p:cTn id="29" dur="1" fill="hold">
+                                          <p:stCondLst>
+                                            <p:cond delay="0"/>
+                                          </p:stCondLst>
+                                        </p:cTn>
+                                        <p:tgtEl>
+                                          <p:spTgt spid="5"/>
+                                        </p:tgtEl>
+                                        <p:attrNameLst>
+                                          <p:attrName>style.visibility</p:attrName>
+                                        </p:attrNameLst>
+                                      </p:cBhvr>
+                                      <p:to>
+                                        <p:strVal val="visible"/>
+                                      </p:to>
+                                    </p:set>
+                                  </p:childTnLst>
+                                </p:cTn>
+                              </p:par>
+                            </p:childTnLst>
+                          </p:cTn>
+                        </p:par>
+                      </p:childTnLst>
+                    </p:cTn>
+                  </p:par>
+                </p:childTnLst>
+              </p:cTn>
+              <p:prevCondLst>
+                <p:cond evt="onPrev" delay="0">
+                  <p:tgtEl>
+                    <p:sldTgt/>
+                  </p:tgtEl>
+                </p:cond>
+              </p:prevCondLst>
+              <p:nextCondLst>
+                <p:cond evt="onNext" delay="0">
+                  <p:tgtEl>
+                    <p:sldTgt/>
+                  </p:tgtEl>
+                </p:cond>
+              </p:nextCondLst>
+            </p:seq>
+          </p:childTnLst>
+        </p:cTn>
+      </p:par>
+    </p:tnLst>
+    <p:bldLst>
+      <p:bldP spid="5" grpId="0" animBg="1"/>
+      <p:bldP spid="6" grpId="0" animBg="1"/>
+    </p:bldLst>
+  </p:timing>
+</p:sld>
+</file>
+
+<file path=ppt/slides/slide11.xml><?xml version="1.0" encoding="utf-8"?>
 <p:sld xmlns:a="http://schemas.openxmlformats.org/drawingml/2006/main" xmlns:r="http://schemas.openxmlformats.org/officeDocument/2006/relationships" xmlns:p="http://schemas.openxmlformats.org/presentationml/2006/main">
   <p:cSld>
     <p:spTree>
@@ -5279,7 +5903,7 @@
 </p:sld>
 </file>
 
-<file path=ppt/slides/slide11.xml><?xml version="1.0" encoding="utf-8"?>
+<file path=ppt/slides/slide12.xml><?xml version="1.0" encoding="utf-8"?>
 <p:sld xmlns:a="http://schemas.openxmlformats.org/drawingml/2006/main" xmlns:r="http://schemas.openxmlformats.org/officeDocument/2006/relationships" xmlns:p="http://schemas.openxmlformats.org/presentationml/2006/main">
   <p:cSld>
     <p:spTree>
@@ -5561,7 +6185,7 @@
 </p:sld>
 </file>
 
-<file path=ppt/slides/slide12.xml><?xml version="1.0" encoding="utf-8"?>
+<file path=ppt/slides/slide13.xml><?xml version="1.0" encoding="utf-8"?>
 <p:sld xmlns:a="http://schemas.openxmlformats.org/drawingml/2006/main" xmlns:r="http://schemas.openxmlformats.org/officeDocument/2006/relationships" xmlns:p="http://schemas.openxmlformats.org/presentationml/2006/main">
   <p:cSld>
     <p:spTree>
@@ -5963,7 +6587,7 @@
 </p:sld>
 </file>
 
-<file path=ppt/slides/slide13.xml><?xml version="1.0" encoding="utf-8"?>
+<file path=ppt/slides/slide14.xml><?xml version="1.0" encoding="utf-8"?>
 <p:sld xmlns:a="http://schemas.openxmlformats.org/drawingml/2006/main" xmlns:r="http://schemas.openxmlformats.org/officeDocument/2006/relationships" xmlns:p="http://schemas.openxmlformats.org/presentationml/2006/main">
   <p:cSld>
     <p:spTree>
@@ -6353,7 +6977,7 @@
 </p:sld>
 </file>
 
-<file path=ppt/slides/slide14.xml><?xml version="1.0" encoding="utf-8"?>
+<file path=ppt/slides/slide15.xml><?xml version="1.0" encoding="utf-8"?>
 <p:sld xmlns:a="http://schemas.openxmlformats.org/drawingml/2006/main" xmlns:r="http://schemas.openxmlformats.org/officeDocument/2006/relationships" xmlns:p="http://schemas.openxmlformats.org/presentationml/2006/main">
   <p:cSld>
     <p:spTree>
@@ -6539,7 +7163,7 @@
 </p:sld>
 </file>
 
-<file path=ppt/slides/slide15.xml><?xml version="1.0" encoding="utf-8"?>
+<file path=ppt/slides/slide16.xml><?xml version="1.0" encoding="utf-8"?>
 <p:sld xmlns:a="http://schemas.openxmlformats.org/drawingml/2006/main" xmlns:r="http://schemas.openxmlformats.org/officeDocument/2006/relationships" xmlns:p="http://schemas.openxmlformats.org/presentationml/2006/main">
   <p:cSld>
     <p:spTree>
@@ -7067,7 +7691,7 @@
 </p:sld>
 </file>
 
-<file path=ppt/slides/slide16.xml><?xml version="1.0" encoding="utf-8"?>
+<file path=ppt/slides/slide17.xml><?xml version="1.0" encoding="utf-8"?>
 <p:sld xmlns:a="http://schemas.openxmlformats.org/drawingml/2006/main" xmlns:r="http://schemas.openxmlformats.org/officeDocument/2006/relationships" xmlns:p="http://schemas.openxmlformats.org/presentationml/2006/main">
   <p:cSld>
     <p:spTree>
@@ -7639,7 +8263,7 @@
 </p:sld>
 </file>
 
-<file path=ppt/slides/slide17.xml><?xml version="1.0" encoding="utf-8"?>
+<file path=ppt/slides/slide18.xml><?xml version="1.0" encoding="utf-8"?>
 <p:sld xmlns:a="http://schemas.openxmlformats.org/drawingml/2006/main" xmlns:r="http://schemas.openxmlformats.org/officeDocument/2006/relationships" xmlns:p="http://schemas.openxmlformats.org/presentationml/2006/main">
   <p:cSld>
     <p:spTree>
@@ -8219,7 +8843,7 @@
 </p:sld>
 </file>
 
-<file path=ppt/slides/slide18.xml><?xml version="1.0" encoding="utf-8"?>
+<file path=ppt/slides/slide19.xml><?xml version="1.0" encoding="utf-8"?>
 <p:sld xmlns:a="http://schemas.openxmlformats.org/drawingml/2006/main" xmlns:r="http://schemas.openxmlformats.org/officeDocument/2006/relationships" xmlns:p="http://schemas.openxmlformats.org/presentationml/2006/main">
   <p:cSld>
     <p:spTree>
@@ -8769,7 +9393,393 @@
 </p:sld>
 </file>
 
-<file path=ppt/slides/slide19.xml><?xml version="1.0" encoding="utf-8"?>
+<file path=ppt/slides/slide2.xml><?xml version="1.0" encoding="utf-8"?>
+<p:sld xmlns:a="http://schemas.openxmlformats.org/drawingml/2006/main" xmlns:r="http://schemas.openxmlformats.org/officeDocument/2006/relationships" xmlns:p="http://schemas.openxmlformats.org/presentationml/2006/main">
+  <p:cSld>
+    <p:spTree>
+      <p:nvGrpSpPr>
+        <p:cNvPr id="1" name=""/>
+        <p:cNvGrpSpPr/>
+        <p:nvPr/>
+      </p:nvGrpSpPr>
+      <p:grpSpPr>
+        <a:xfrm>
+          <a:off x="0" y="0"/>
+          <a:ext cx="0" cy="0"/>
+          <a:chOff x="0" y="0"/>
+          <a:chExt cx="0" cy="0"/>
+        </a:xfrm>
+      </p:grpSpPr>
+      <p:sp>
+        <p:nvSpPr>
+          <p:cNvPr id="2" name="Title 1"/>
+          <p:cNvSpPr>
+            <a:spLocks noGrp="1"/>
+          </p:cNvSpPr>
+          <p:nvPr>
+            <p:ph type="title"/>
+          </p:nvPr>
+        </p:nvSpPr>
+        <p:spPr/>
+        <p:txBody>
+          <a:bodyPr/>
+          <a:lstStyle/>
+          <a:p>
+            <a:r>
+              <a:rPr lang="en-US" dirty="0" smtClean="0">
+                <a:solidFill>
+                  <a:srgbClr val="984807"/>
+                </a:solidFill>
+              </a:rPr>
+              <a:t>django</a:t>
+            </a:r>
+            <a:endParaRPr lang="en-US" dirty="0">
+              <a:solidFill>
+                <a:srgbClr val="984807"/>
+              </a:solidFill>
+            </a:endParaRPr>
+          </a:p>
+        </p:txBody>
+      </p:sp>
+      <p:sp>
+        <p:nvSpPr>
+          <p:cNvPr id="3" name="Content Placeholder 2"/>
+          <p:cNvSpPr>
+            <a:spLocks noGrp="1"/>
+          </p:cNvSpPr>
+          <p:nvPr>
+            <p:ph idx="1"/>
+          </p:nvPr>
+        </p:nvSpPr>
+        <p:spPr/>
+        <p:txBody>
+          <a:bodyPr>
+            <a:normAutofit/>
+          </a:bodyPr>
+          <a:lstStyle/>
+          <a:p>
+            <a:r>
+              <a:rPr lang="en-US" dirty="0"/>
+              <a:t>Django (</a:t>
+            </a:r>
+            <a:r>
+              <a:rPr lang="ru-RU" dirty="0"/>
+              <a:t>Джанго, ['</a:t>
+            </a:r>
+            <a:r>
+              <a:rPr lang="en-US" dirty="0" err="1"/>
+              <a:t>dʒæŋɡoʊ</a:t>
+            </a:r>
+            <a:r>
+              <a:rPr lang="en-US" dirty="0"/>
+              <a:t>]) — </a:t>
+            </a:r>
+            <a:r>
+              <a:rPr lang="ru-RU" dirty="0"/>
+              <a:t>свободный фреймворк для веб-приложений </a:t>
+            </a:r>
+            <a:r>
+              <a:rPr lang="ru-RU" dirty="0" smtClean="0"/>
+              <a:t>на</a:t>
+            </a:r>
+            <a:r>
+              <a:rPr lang="en-US" dirty="0" smtClean="0"/>
+              <a:t> </a:t>
+            </a:r>
+            <a:r>
+              <a:rPr lang="ru-RU" dirty="0" smtClean="0"/>
+              <a:t>языке </a:t>
+            </a:r>
+            <a:r>
+              <a:rPr lang="en-US" dirty="0" smtClean="0"/>
+              <a:t>Python.</a:t>
+            </a:r>
+          </a:p>
+          <a:p>
+            <a:r>
+              <a:rPr lang="ru-RU" dirty="0" smtClean="0"/>
+              <a:t>Проект </a:t>
+            </a:r>
+            <a:r>
+              <a:rPr lang="ru-RU" dirty="0"/>
+              <a:t>поддерживается организацией </a:t>
+            </a:r>
+            <a:r>
+              <a:rPr lang="en-US" dirty="0"/>
+              <a:t>Django Software Foundation</a:t>
+            </a:r>
+            <a:r>
+              <a:rPr lang="en-US" dirty="0" smtClean="0"/>
+              <a:t>.</a:t>
+            </a:r>
+          </a:p>
+          <a:p>
+            <a:r>
+              <a:rPr lang="ru-RU" dirty="0" smtClean="0"/>
+              <a:t>Актуальная версия </a:t>
+            </a:r>
+            <a:r>
+              <a:rPr lang="en-US" dirty="0" err="1" smtClean="0"/>
+              <a:t>django</a:t>
+            </a:r>
+            <a:r>
+              <a:rPr lang="en-US" dirty="0" smtClean="0"/>
+              <a:t> </a:t>
+            </a:r>
+            <a:r>
+              <a:rPr lang="en-US" dirty="0" smtClean="0"/>
+              <a:t>1.11 </a:t>
+            </a:r>
+            <a:endParaRPr lang="en-US" dirty="0" smtClean="0"/>
+          </a:p>
+          <a:p>
+            <a:r>
+              <a:rPr lang="ru-RU" dirty="0" smtClean="0"/>
+              <a:t>Проект был опубликован в 2005 г</a:t>
+            </a:r>
+          </a:p>
+        </p:txBody>
+      </p:sp>
+    </p:spTree>
+  </p:cSld>
+  <p:clrMapOvr>
+    <a:masterClrMapping/>
+  </p:clrMapOvr>
+  <mc:AlternateContent xmlns:mc="http://schemas.openxmlformats.org/markup-compatibility/2006" xmlns:p14="http://schemas.microsoft.com/office/powerpoint/2010/main">
+    <mc:Choice Requires="p14">
+      <p:transition spd="slow" p14:dur="2000"/>
+    </mc:Choice>
+    <mc:Fallback xmlns="">
+      <p:transition spd="slow"/>
+    </mc:Fallback>
+  </mc:AlternateContent>
+  <p:timing>
+    <p:tnLst>
+      <p:par>
+        <p:cTn id="1" dur="indefinite" restart="never" nodeType="tmRoot">
+          <p:childTnLst>
+            <p:seq concurrent="1" nextAc="seek">
+              <p:cTn id="2" dur="indefinite" nodeType="mainSeq">
+                <p:childTnLst>
+                  <p:par>
+                    <p:cTn id="3" fill="hold">
+                      <p:stCondLst>
+                        <p:cond delay="indefinite"/>
+                        <p:cond evt="onBegin" delay="0">
+                          <p:tn val="2"/>
+                        </p:cond>
+                      </p:stCondLst>
+                      <p:childTnLst>
+                        <p:par>
+                          <p:cTn id="4" fill="hold">
+                            <p:stCondLst>
+                              <p:cond delay="0"/>
+                            </p:stCondLst>
+                            <p:childTnLst>
+                              <p:par>
+                                <p:cTn id="5" presetID="10" presetClass="entr" presetSubtype="0" fill="hold" nodeType="withEffect">
+                                  <p:stCondLst>
+                                    <p:cond delay="0"/>
+                                  </p:stCondLst>
+                                  <p:childTnLst>
+                                    <p:set>
+                                      <p:cBhvr>
+                                        <p:cTn id="6" dur="1" fill="hold">
+                                          <p:stCondLst>
+                                            <p:cond delay="0"/>
+                                          </p:stCondLst>
+                                        </p:cTn>
+                                        <p:tgtEl>
+                                          <p:spTgt spid="3">
+                                            <p:txEl>
+                                              <p:pRg st="0" end="0"/>
+                                            </p:txEl>
+                                          </p:spTgt>
+                                        </p:tgtEl>
+                                        <p:attrNameLst>
+                                          <p:attrName>style.visibility</p:attrName>
+                                        </p:attrNameLst>
+                                      </p:cBhvr>
+                                      <p:to>
+                                        <p:strVal val="visible"/>
+                                      </p:to>
+                                    </p:set>
+                                    <p:animEffect transition="in" filter="fade">
+                                      <p:cBhvr>
+                                        <p:cTn id="7" dur="500"/>
+                                        <p:tgtEl>
+                                          <p:spTgt spid="3">
+                                            <p:txEl>
+                                              <p:pRg st="0" end="0"/>
+                                            </p:txEl>
+                                          </p:spTgt>
+                                        </p:tgtEl>
+                                      </p:cBhvr>
+                                    </p:animEffect>
+                                  </p:childTnLst>
+                                </p:cTn>
+                              </p:par>
+                              <p:par>
+                                <p:cTn id="8" presetID="10" presetClass="entr" presetSubtype="0" fill="hold" nodeType="withEffect">
+                                  <p:stCondLst>
+                                    <p:cond delay="0"/>
+                                  </p:stCondLst>
+                                  <p:childTnLst>
+                                    <p:set>
+                                      <p:cBhvr>
+                                        <p:cTn id="9" dur="1" fill="hold">
+                                          <p:stCondLst>
+                                            <p:cond delay="0"/>
+                                          </p:stCondLst>
+                                        </p:cTn>
+                                        <p:tgtEl>
+                                          <p:spTgt spid="3">
+                                            <p:txEl>
+                                              <p:pRg st="1" end="1"/>
+                                            </p:txEl>
+                                          </p:spTgt>
+                                        </p:tgtEl>
+                                        <p:attrNameLst>
+                                          <p:attrName>style.visibility</p:attrName>
+                                        </p:attrNameLst>
+                                      </p:cBhvr>
+                                      <p:to>
+                                        <p:strVal val="visible"/>
+                                      </p:to>
+                                    </p:set>
+                                    <p:animEffect transition="in" filter="fade">
+                                      <p:cBhvr>
+                                        <p:cTn id="10" dur="500"/>
+                                        <p:tgtEl>
+                                          <p:spTgt spid="3">
+                                            <p:txEl>
+                                              <p:pRg st="1" end="1"/>
+                                            </p:txEl>
+                                          </p:spTgt>
+                                        </p:tgtEl>
+                                      </p:cBhvr>
+                                    </p:animEffect>
+                                  </p:childTnLst>
+                                </p:cTn>
+                              </p:par>
+                              <p:par>
+                                <p:cTn id="11" presetID="10" presetClass="entr" presetSubtype="0" fill="hold" nodeType="withEffect">
+                                  <p:stCondLst>
+                                    <p:cond delay="0"/>
+                                  </p:stCondLst>
+                                  <p:childTnLst>
+                                    <p:set>
+                                      <p:cBhvr>
+                                        <p:cTn id="12" dur="1" fill="hold">
+                                          <p:stCondLst>
+                                            <p:cond delay="0"/>
+                                          </p:stCondLst>
+                                        </p:cTn>
+                                        <p:tgtEl>
+                                          <p:spTgt spid="3">
+                                            <p:txEl>
+                                              <p:pRg st="2" end="2"/>
+                                            </p:txEl>
+                                          </p:spTgt>
+                                        </p:tgtEl>
+                                        <p:attrNameLst>
+                                          <p:attrName>style.visibility</p:attrName>
+                                        </p:attrNameLst>
+                                      </p:cBhvr>
+                                      <p:to>
+                                        <p:strVal val="visible"/>
+                                      </p:to>
+                                    </p:set>
+                                    <p:animEffect transition="in" filter="fade">
+                                      <p:cBhvr>
+                                        <p:cTn id="13" dur="500"/>
+                                        <p:tgtEl>
+                                          <p:spTgt spid="3">
+                                            <p:txEl>
+                                              <p:pRg st="2" end="2"/>
+                                            </p:txEl>
+                                          </p:spTgt>
+                                        </p:tgtEl>
+                                      </p:cBhvr>
+                                    </p:animEffect>
+                                  </p:childTnLst>
+                                </p:cTn>
+                              </p:par>
+                              <p:par>
+                                <p:cTn id="14" presetID="10" presetClass="entr" presetSubtype="0" fill="hold" nodeType="withEffect">
+                                  <p:stCondLst>
+                                    <p:cond delay="0"/>
+                                  </p:stCondLst>
+                                  <p:childTnLst>
+                                    <p:set>
+                                      <p:cBhvr>
+                                        <p:cTn id="15" dur="1" fill="hold">
+                                          <p:stCondLst>
+                                            <p:cond delay="0"/>
+                                          </p:stCondLst>
+                                        </p:cTn>
+                                        <p:tgtEl>
+                                          <p:spTgt spid="3">
+                                            <p:txEl>
+                                              <p:pRg st="3" end="3"/>
+                                            </p:txEl>
+                                          </p:spTgt>
+                                        </p:tgtEl>
+                                        <p:attrNameLst>
+                                          <p:attrName>style.visibility</p:attrName>
+                                        </p:attrNameLst>
+                                      </p:cBhvr>
+                                      <p:to>
+                                        <p:strVal val="visible"/>
+                                      </p:to>
+                                    </p:set>
+                                    <p:animEffect transition="in" filter="fade">
+                                      <p:cBhvr>
+                                        <p:cTn id="16" dur="500"/>
+                                        <p:tgtEl>
+                                          <p:spTgt spid="3">
+                                            <p:txEl>
+                                              <p:pRg st="3" end="3"/>
+                                            </p:txEl>
+                                          </p:spTgt>
+                                        </p:tgtEl>
+                                      </p:cBhvr>
+                                    </p:animEffect>
+                                  </p:childTnLst>
+                                </p:cTn>
+                              </p:par>
+                            </p:childTnLst>
+                          </p:cTn>
+                        </p:par>
+                      </p:childTnLst>
+                    </p:cTn>
+                  </p:par>
+                </p:childTnLst>
+              </p:cTn>
+              <p:prevCondLst>
+                <p:cond evt="onPrev" delay="0">
+                  <p:tgtEl>
+                    <p:sldTgt/>
+                  </p:tgtEl>
+                </p:cond>
+              </p:prevCondLst>
+              <p:nextCondLst>
+                <p:cond evt="onNext" delay="0">
+                  <p:tgtEl>
+                    <p:sldTgt/>
+                  </p:tgtEl>
+                </p:cond>
+              </p:nextCondLst>
+            </p:seq>
+          </p:childTnLst>
+        </p:cTn>
+      </p:par>
+    </p:tnLst>
+  </p:timing>
+</p:sld>
+</file>
+
+<file path=ppt/slides/slide20.xml><?xml version="1.0" encoding="utf-8"?>
 <p:sld xmlns:a="http://schemas.openxmlformats.org/drawingml/2006/main" xmlns:r="http://schemas.openxmlformats.org/officeDocument/2006/relationships" xmlns:p="http://schemas.openxmlformats.org/presentationml/2006/main">
   <p:cSld>
     <p:spTree>
@@ -9129,387 +10139,6 @@
 </p:sld>
 </file>
 
-<file path=ppt/slides/slide2.xml><?xml version="1.0" encoding="utf-8"?>
-<p:sld xmlns:a="http://schemas.openxmlformats.org/drawingml/2006/main" xmlns:r="http://schemas.openxmlformats.org/officeDocument/2006/relationships" xmlns:p="http://schemas.openxmlformats.org/presentationml/2006/main">
-  <p:cSld>
-    <p:spTree>
-      <p:nvGrpSpPr>
-        <p:cNvPr id="1" name=""/>
-        <p:cNvGrpSpPr/>
-        <p:nvPr/>
-      </p:nvGrpSpPr>
-      <p:grpSpPr>
-        <a:xfrm>
-          <a:off x="0" y="0"/>
-          <a:ext cx="0" cy="0"/>
-          <a:chOff x="0" y="0"/>
-          <a:chExt cx="0" cy="0"/>
-        </a:xfrm>
-      </p:grpSpPr>
-      <p:sp>
-        <p:nvSpPr>
-          <p:cNvPr id="2" name="Title 1"/>
-          <p:cNvSpPr>
-            <a:spLocks noGrp="1"/>
-          </p:cNvSpPr>
-          <p:nvPr>
-            <p:ph type="title"/>
-          </p:nvPr>
-        </p:nvSpPr>
-        <p:spPr/>
-        <p:txBody>
-          <a:bodyPr/>
-          <a:lstStyle/>
-          <a:p>
-            <a:r>
-              <a:rPr lang="en-US" dirty="0" smtClean="0">
-                <a:solidFill>
-                  <a:srgbClr val="984807"/>
-                </a:solidFill>
-              </a:rPr>
-              <a:t>django</a:t>
-            </a:r>
-            <a:endParaRPr lang="en-US" dirty="0">
-              <a:solidFill>
-                <a:srgbClr val="984807"/>
-              </a:solidFill>
-            </a:endParaRPr>
-          </a:p>
-        </p:txBody>
-      </p:sp>
-      <p:sp>
-        <p:nvSpPr>
-          <p:cNvPr id="3" name="Content Placeholder 2"/>
-          <p:cNvSpPr>
-            <a:spLocks noGrp="1"/>
-          </p:cNvSpPr>
-          <p:nvPr>
-            <p:ph idx="1"/>
-          </p:nvPr>
-        </p:nvSpPr>
-        <p:spPr/>
-        <p:txBody>
-          <a:bodyPr>
-            <a:normAutofit/>
-          </a:bodyPr>
-          <a:lstStyle/>
-          <a:p>
-            <a:r>
-              <a:rPr lang="en-US" dirty="0"/>
-              <a:t>Django (</a:t>
-            </a:r>
-            <a:r>
-              <a:rPr lang="ru-RU" dirty="0"/>
-              <a:t>Джанго, ['</a:t>
-            </a:r>
-            <a:r>
-              <a:rPr lang="en-US" dirty="0" err="1"/>
-              <a:t>dʒæŋɡoʊ</a:t>
-            </a:r>
-            <a:r>
-              <a:rPr lang="en-US" dirty="0"/>
-              <a:t>]) — </a:t>
-            </a:r>
-            <a:r>
-              <a:rPr lang="ru-RU" dirty="0"/>
-              <a:t>свободный фреймворк для веб-приложений </a:t>
-            </a:r>
-            <a:r>
-              <a:rPr lang="ru-RU" dirty="0" smtClean="0"/>
-              <a:t>на</a:t>
-            </a:r>
-            <a:r>
-              <a:rPr lang="en-US" dirty="0" smtClean="0"/>
-              <a:t> </a:t>
-            </a:r>
-            <a:r>
-              <a:rPr lang="ru-RU" dirty="0" smtClean="0"/>
-              <a:t>языке </a:t>
-            </a:r>
-            <a:r>
-              <a:rPr lang="en-US" dirty="0" smtClean="0"/>
-              <a:t>Python.</a:t>
-            </a:r>
-          </a:p>
-          <a:p>
-            <a:r>
-              <a:rPr lang="ru-RU" dirty="0" smtClean="0"/>
-              <a:t>Проект </a:t>
-            </a:r>
-            <a:r>
-              <a:rPr lang="ru-RU" dirty="0"/>
-              <a:t>поддерживается организацией </a:t>
-            </a:r>
-            <a:r>
-              <a:rPr lang="en-US" dirty="0"/>
-              <a:t>Django Software Foundation</a:t>
-            </a:r>
-            <a:r>
-              <a:rPr lang="en-US" dirty="0" smtClean="0"/>
-              <a:t>.</a:t>
-            </a:r>
-          </a:p>
-          <a:p>
-            <a:r>
-              <a:rPr lang="ru-RU" dirty="0" smtClean="0"/>
-              <a:t>Актуальная версия </a:t>
-            </a:r>
-            <a:r>
-              <a:rPr lang="en-US" dirty="0" err="1" smtClean="0"/>
-              <a:t>django</a:t>
-            </a:r>
-            <a:r>
-              <a:rPr lang="en-US" dirty="0" smtClean="0"/>
-              <a:t> 1.10.1 </a:t>
-            </a:r>
-          </a:p>
-          <a:p>
-            <a:r>
-              <a:rPr lang="ru-RU" dirty="0" smtClean="0"/>
-              <a:t>Проект был опубликован в 2005 г</a:t>
-            </a:r>
-          </a:p>
-        </p:txBody>
-      </p:sp>
-    </p:spTree>
-  </p:cSld>
-  <p:clrMapOvr>
-    <a:masterClrMapping/>
-  </p:clrMapOvr>
-  <mc:AlternateContent xmlns:mc="http://schemas.openxmlformats.org/markup-compatibility/2006" xmlns:p14="http://schemas.microsoft.com/office/powerpoint/2010/main">
-    <mc:Choice Requires="p14">
-      <p:transition spd="slow" p14:dur="2000"/>
-    </mc:Choice>
-    <mc:Fallback xmlns="">
-      <p:transition spd="slow"/>
-    </mc:Fallback>
-  </mc:AlternateContent>
-  <p:timing>
-    <p:tnLst>
-      <p:par>
-        <p:cTn id="1" dur="indefinite" restart="never" nodeType="tmRoot">
-          <p:childTnLst>
-            <p:seq concurrent="1" nextAc="seek">
-              <p:cTn id="2" dur="indefinite" nodeType="mainSeq">
-                <p:childTnLst>
-                  <p:par>
-                    <p:cTn id="3" fill="hold">
-                      <p:stCondLst>
-                        <p:cond delay="indefinite"/>
-                        <p:cond evt="onBegin" delay="0">
-                          <p:tn val="2"/>
-                        </p:cond>
-                      </p:stCondLst>
-                      <p:childTnLst>
-                        <p:par>
-                          <p:cTn id="4" fill="hold">
-                            <p:stCondLst>
-                              <p:cond delay="0"/>
-                            </p:stCondLst>
-                            <p:childTnLst>
-                              <p:par>
-                                <p:cTn id="5" presetID="10" presetClass="entr" presetSubtype="0" fill="hold" nodeType="withEffect">
-                                  <p:stCondLst>
-                                    <p:cond delay="0"/>
-                                  </p:stCondLst>
-                                  <p:childTnLst>
-                                    <p:set>
-                                      <p:cBhvr>
-                                        <p:cTn id="6" dur="1" fill="hold">
-                                          <p:stCondLst>
-                                            <p:cond delay="0"/>
-                                          </p:stCondLst>
-                                        </p:cTn>
-                                        <p:tgtEl>
-                                          <p:spTgt spid="3">
-                                            <p:txEl>
-                                              <p:pRg st="0" end="0"/>
-                                            </p:txEl>
-                                          </p:spTgt>
-                                        </p:tgtEl>
-                                        <p:attrNameLst>
-                                          <p:attrName>style.visibility</p:attrName>
-                                        </p:attrNameLst>
-                                      </p:cBhvr>
-                                      <p:to>
-                                        <p:strVal val="visible"/>
-                                      </p:to>
-                                    </p:set>
-                                    <p:animEffect transition="in" filter="fade">
-                                      <p:cBhvr>
-                                        <p:cTn id="7" dur="500"/>
-                                        <p:tgtEl>
-                                          <p:spTgt spid="3">
-                                            <p:txEl>
-                                              <p:pRg st="0" end="0"/>
-                                            </p:txEl>
-                                          </p:spTgt>
-                                        </p:tgtEl>
-                                      </p:cBhvr>
-                                    </p:animEffect>
-                                  </p:childTnLst>
-                                </p:cTn>
-                              </p:par>
-                              <p:par>
-                                <p:cTn id="8" presetID="10" presetClass="entr" presetSubtype="0" fill="hold" nodeType="withEffect">
-                                  <p:stCondLst>
-                                    <p:cond delay="0"/>
-                                  </p:stCondLst>
-                                  <p:childTnLst>
-                                    <p:set>
-                                      <p:cBhvr>
-                                        <p:cTn id="9" dur="1" fill="hold">
-                                          <p:stCondLst>
-                                            <p:cond delay="0"/>
-                                          </p:stCondLst>
-                                        </p:cTn>
-                                        <p:tgtEl>
-                                          <p:spTgt spid="3">
-                                            <p:txEl>
-                                              <p:pRg st="1" end="1"/>
-                                            </p:txEl>
-                                          </p:spTgt>
-                                        </p:tgtEl>
-                                        <p:attrNameLst>
-                                          <p:attrName>style.visibility</p:attrName>
-                                        </p:attrNameLst>
-                                      </p:cBhvr>
-                                      <p:to>
-                                        <p:strVal val="visible"/>
-                                      </p:to>
-                                    </p:set>
-                                    <p:animEffect transition="in" filter="fade">
-                                      <p:cBhvr>
-                                        <p:cTn id="10" dur="500"/>
-                                        <p:tgtEl>
-                                          <p:spTgt spid="3">
-                                            <p:txEl>
-                                              <p:pRg st="1" end="1"/>
-                                            </p:txEl>
-                                          </p:spTgt>
-                                        </p:tgtEl>
-                                      </p:cBhvr>
-                                    </p:animEffect>
-                                  </p:childTnLst>
-                                </p:cTn>
-                              </p:par>
-                              <p:par>
-                                <p:cTn id="11" presetID="10" presetClass="entr" presetSubtype="0" fill="hold" nodeType="withEffect">
-                                  <p:stCondLst>
-                                    <p:cond delay="0"/>
-                                  </p:stCondLst>
-                                  <p:childTnLst>
-                                    <p:set>
-                                      <p:cBhvr>
-                                        <p:cTn id="12" dur="1" fill="hold">
-                                          <p:stCondLst>
-                                            <p:cond delay="0"/>
-                                          </p:stCondLst>
-                                        </p:cTn>
-                                        <p:tgtEl>
-                                          <p:spTgt spid="3">
-                                            <p:txEl>
-                                              <p:pRg st="2" end="2"/>
-                                            </p:txEl>
-                                          </p:spTgt>
-                                        </p:tgtEl>
-                                        <p:attrNameLst>
-                                          <p:attrName>style.visibility</p:attrName>
-                                        </p:attrNameLst>
-                                      </p:cBhvr>
-                                      <p:to>
-                                        <p:strVal val="visible"/>
-                                      </p:to>
-                                    </p:set>
-                                    <p:animEffect transition="in" filter="fade">
-                                      <p:cBhvr>
-                                        <p:cTn id="13" dur="500"/>
-                                        <p:tgtEl>
-                                          <p:spTgt spid="3">
-                                            <p:txEl>
-                                              <p:pRg st="2" end="2"/>
-                                            </p:txEl>
-                                          </p:spTgt>
-                                        </p:tgtEl>
-                                      </p:cBhvr>
-                                    </p:animEffect>
-                                  </p:childTnLst>
-                                </p:cTn>
-                              </p:par>
-                              <p:par>
-                                <p:cTn id="14" presetID="10" presetClass="entr" presetSubtype="0" fill="hold" nodeType="withEffect">
-                                  <p:stCondLst>
-                                    <p:cond delay="0"/>
-                                  </p:stCondLst>
-                                  <p:childTnLst>
-                                    <p:set>
-                                      <p:cBhvr>
-                                        <p:cTn id="15" dur="1" fill="hold">
-                                          <p:stCondLst>
-                                            <p:cond delay="0"/>
-                                          </p:stCondLst>
-                                        </p:cTn>
-                                        <p:tgtEl>
-                                          <p:spTgt spid="3">
-                                            <p:txEl>
-                                              <p:pRg st="3" end="3"/>
-                                            </p:txEl>
-                                          </p:spTgt>
-                                        </p:tgtEl>
-                                        <p:attrNameLst>
-                                          <p:attrName>style.visibility</p:attrName>
-                                        </p:attrNameLst>
-                                      </p:cBhvr>
-                                      <p:to>
-                                        <p:strVal val="visible"/>
-                                      </p:to>
-                                    </p:set>
-                                    <p:animEffect transition="in" filter="fade">
-                                      <p:cBhvr>
-                                        <p:cTn id="16" dur="500"/>
-                                        <p:tgtEl>
-                                          <p:spTgt spid="3">
-                                            <p:txEl>
-                                              <p:pRg st="3" end="3"/>
-                                            </p:txEl>
-                                          </p:spTgt>
-                                        </p:tgtEl>
-                                      </p:cBhvr>
-                                    </p:animEffect>
-                                  </p:childTnLst>
-                                </p:cTn>
-                              </p:par>
-                            </p:childTnLst>
-                          </p:cTn>
-                        </p:par>
-                      </p:childTnLst>
-                    </p:cTn>
-                  </p:par>
-                </p:childTnLst>
-              </p:cTn>
-              <p:prevCondLst>
-                <p:cond evt="onPrev" delay="0">
-                  <p:tgtEl>
-                    <p:sldTgt/>
-                  </p:tgtEl>
-                </p:cond>
-              </p:prevCondLst>
-              <p:nextCondLst>
-                <p:cond evt="onNext" delay="0">
-                  <p:tgtEl>
-                    <p:sldTgt/>
-                  </p:tgtEl>
-                </p:cond>
-              </p:nextCondLst>
-            </p:seq>
-          </p:childTnLst>
-        </p:cTn>
-      </p:par>
-    </p:tnLst>
-  </p:timing>
-</p:sld>
-</file>
-
 <file path=ppt/slides/slide3.xml><?xml version="1.0" encoding="utf-8"?>
 <p:sld xmlns:a="http://schemas.openxmlformats.org/drawingml/2006/main" xmlns:r="http://schemas.openxmlformats.org/officeDocument/2006/relationships" xmlns:p="http://schemas.openxmlformats.org/presentationml/2006/main">
   <p:cSld>
@@ -9993,6 +10622,92 @@
 </file>
 
 <file path=ppt/slides/slide5.xml><?xml version="1.0" encoding="utf-8"?>
+<p:sld xmlns:a="http://schemas.openxmlformats.org/drawingml/2006/main" xmlns:r="http://schemas.openxmlformats.org/officeDocument/2006/relationships" xmlns:p="http://schemas.openxmlformats.org/presentationml/2006/main">
+  <p:cSld>
+    <p:spTree>
+      <p:nvGrpSpPr>
+        <p:cNvPr id="1" name=""/>
+        <p:cNvGrpSpPr/>
+        <p:nvPr/>
+      </p:nvGrpSpPr>
+      <p:grpSpPr>
+        <a:xfrm>
+          <a:off x="0" y="0"/>
+          <a:ext cx="0" cy="0"/>
+          <a:chOff x="0" y="0"/>
+          <a:chExt cx="0" cy="0"/>
+        </a:xfrm>
+      </p:grpSpPr>
+      <p:sp>
+        <p:nvSpPr>
+          <p:cNvPr id="2" name="Заголовок 1"/>
+          <p:cNvSpPr>
+            <a:spLocks noGrp="1"/>
+          </p:cNvSpPr>
+          <p:nvPr>
+            <p:ph type="title"/>
+          </p:nvPr>
+        </p:nvSpPr>
+        <p:spPr/>
+        <p:txBody>
+          <a:bodyPr/>
+          <a:lstStyle/>
+          <a:p>
+            <a:r>
+              <a:rPr lang="ru-RU" dirty="0" smtClean="0"/>
+              <a:t>Особенности</a:t>
+            </a:r>
+            <a:endParaRPr lang="ru-RU" dirty="0"/>
+          </a:p>
+        </p:txBody>
+      </p:sp>
+      <p:sp>
+        <p:nvSpPr>
+          <p:cNvPr id="3" name="Объект 2"/>
+          <p:cNvSpPr>
+            <a:spLocks noGrp="1"/>
+          </p:cNvSpPr>
+          <p:nvPr>
+            <p:ph idx="1"/>
+          </p:nvPr>
+        </p:nvSpPr>
+        <p:spPr/>
+        <p:txBody>
+          <a:bodyPr/>
+          <a:lstStyle/>
+          <a:p>
+            <a:pPr marL="0" indent="0">
+              <a:buNone/>
+            </a:pPr>
+            <a:r>
+              <a:rPr lang="ru-RU" dirty="0"/>
+              <a:t>Первоначальная разработка </a:t>
+            </a:r>
+            <a:r>
+              <a:rPr lang="ru-RU" dirty="0" err="1"/>
+              <a:t>Django</a:t>
+            </a:r>
+            <a:r>
+              <a:rPr lang="ru-RU" dirty="0"/>
+              <a:t>, как средства для работы новостных ресурсов, достаточно сильно отразилась на его архитектуре: он предоставляет ряд средств, которые помогают в быстрой разработке веб-сайтов информационного характера. </a:t>
+            </a:r>
+          </a:p>
+        </p:txBody>
+      </p:sp>
+    </p:spTree>
+    <p:extLst>
+      <p:ext uri="{BB962C8B-B14F-4D97-AF65-F5344CB8AC3E}">
+        <p14:creationId xmlns:p14="http://schemas.microsoft.com/office/powerpoint/2010/main" val="3496374782"/>
+      </p:ext>
+    </p:extLst>
+  </p:cSld>
+  <p:clrMapOvr>
+    <a:masterClrMapping/>
+  </p:clrMapOvr>
+</p:sld>
+</file>
+
+<file path=ppt/slides/slide6.xml><?xml version="1.0" encoding="utf-8"?>
 <p:sld xmlns:a="http://schemas.openxmlformats.org/drawingml/2006/main" xmlns:r="http://schemas.openxmlformats.org/officeDocument/2006/relationships" xmlns:p="http://schemas.openxmlformats.org/presentationml/2006/main" show="0">
   <p:cSld>
     <p:spTree>
@@ -10171,7 +10886,7 @@
 </p:sld>
 </file>
 
-<file path=ppt/slides/slide6.xml><?xml version="1.0" encoding="utf-8"?>
+<file path=ppt/slides/slide7.xml><?xml version="1.0" encoding="utf-8"?>
 <p:sld xmlns:a="http://schemas.openxmlformats.org/drawingml/2006/main" xmlns:r="http://schemas.openxmlformats.org/officeDocument/2006/relationships" xmlns:p="http://schemas.openxmlformats.org/presentationml/2006/main">
   <p:cSld>
     <p:spTree>
@@ -10820,7 +11535,7 @@
 </p:sld>
 </file>
 
-<file path=ppt/slides/slide7.xml><?xml version="1.0" encoding="utf-8"?>
+<file path=ppt/slides/slide8.xml><?xml version="1.0" encoding="utf-8"?>
 <p:sld xmlns:a="http://schemas.openxmlformats.org/drawingml/2006/main" xmlns:r="http://schemas.openxmlformats.org/officeDocument/2006/relationships" xmlns:p="http://schemas.openxmlformats.org/presentationml/2006/main">
   <p:cSld>
     <p:spTree>
@@ -11118,7 +11833,7 @@
 </p:sld>
 </file>
 
-<file path=ppt/slides/slide8.xml><?xml version="1.0" encoding="utf-8"?>
+<file path=ppt/slides/slide9.xml><?xml version="1.0" encoding="utf-8"?>
 <p:sld xmlns:a="http://schemas.openxmlformats.org/drawingml/2006/main" xmlns:r="http://schemas.openxmlformats.org/officeDocument/2006/relationships" xmlns:p="http://schemas.openxmlformats.org/presentationml/2006/main">
   <p:cSld>
     <p:spTree>
@@ -11488,629 +12203,6 @@
         </p:cTn>
       </p:par>
     </p:tnLst>
-  </p:timing>
-</p:sld>
-</file>
-
-<file path=ppt/slides/slide9.xml><?xml version="1.0" encoding="utf-8"?>
-<p:sld xmlns:a="http://schemas.openxmlformats.org/drawingml/2006/main" xmlns:r="http://schemas.openxmlformats.org/officeDocument/2006/relationships" xmlns:p="http://schemas.openxmlformats.org/presentationml/2006/main">
-  <p:cSld>
-    <p:spTree>
-      <p:nvGrpSpPr>
-        <p:cNvPr id="1" name=""/>
-        <p:cNvGrpSpPr/>
-        <p:nvPr/>
-      </p:nvGrpSpPr>
-      <p:grpSpPr>
-        <a:xfrm>
-          <a:off x="0" y="0"/>
-          <a:ext cx="0" cy="0"/>
-          <a:chOff x="0" y="0"/>
-          <a:chExt cx="0" cy="0"/>
-        </a:xfrm>
-      </p:grpSpPr>
-      <p:sp>
-        <p:nvSpPr>
-          <p:cNvPr id="2" name="Title 1"/>
-          <p:cNvSpPr>
-            <a:spLocks noGrp="1"/>
-          </p:cNvSpPr>
-          <p:nvPr>
-            <p:ph type="title"/>
-          </p:nvPr>
-        </p:nvSpPr>
-        <p:spPr/>
-        <p:txBody>
-          <a:bodyPr>
-            <a:normAutofit/>
-          </a:bodyPr>
-          <a:lstStyle/>
-          <a:p>
-            <a:r>
-              <a:rPr lang="ru-RU" dirty="0">
-                <a:solidFill>
-                  <a:srgbClr val="984807"/>
-                </a:solidFill>
-              </a:rPr>
-              <a:t>Создание приложения</a:t>
-            </a:r>
-            <a:endParaRPr lang="en-US" dirty="0">
-              <a:solidFill>
-                <a:srgbClr val="984807"/>
-              </a:solidFill>
-            </a:endParaRPr>
-          </a:p>
-        </p:txBody>
-      </p:sp>
-      <p:sp>
-        <p:nvSpPr>
-          <p:cNvPr id="3" name="Content Placeholder 2"/>
-          <p:cNvSpPr>
-            <a:spLocks noGrp="1"/>
-          </p:cNvSpPr>
-          <p:nvPr>
-            <p:ph idx="1"/>
-          </p:nvPr>
-        </p:nvSpPr>
-        <p:spPr>
-          <a:xfrm>
-            <a:off x="457200" y="1408846"/>
-            <a:ext cx="8229600" cy="4525963"/>
-          </a:xfrm>
-        </p:spPr>
-        <p:txBody>
-          <a:bodyPr>
-            <a:normAutofit/>
-          </a:bodyPr>
-          <a:lstStyle/>
-          <a:p>
-            <a:r>
-              <a:rPr lang="ru-RU" dirty="0" smtClean="0"/>
-              <a:t>Создание приложения:</a:t>
-            </a:r>
-          </a:p>
-          <a:p>
-            <a:pPr>
-              <a:buNone/>
-            </a:pPr>
-            <a:r>
-              <a:rPr lang="en-US" sz="2595" dirty="0" smtClean="0">
-                <a:solidFill>
-                  <a:srgbClr val="008000"/>
-                </a:solidFill>
-              </a:rPr>
-              <a:t>		&gt; cd </a:t>
-            </a:r>
-            <a:r>
-              <a:rPr lang="en-US" sz="2595" dirty="0" smtClean="0">
-                <a:solidFill>
-                  <a:srgbClr val="00B0F0"/>
-                </a:solidFill>
-              </a:rPr>
-              <a:t>website</a:t>
-            </a:r>
-          </a:p>
-          <a:p>
-            <a:pPr>
-              <a:buNone/>
-            </a:pPr>
-            <a:r>
-              <a:rPr lang="en-US" sz="2595" dirty="0" smtClean="0">
-                <a:solidFill>
-                  <a:srgbClr val="008000"/>
-                </a:solidFill>
-              </a:rPr>
-              <a:t>		&gt; python manage.py </a:t>
-            </a:r>
-            <a:r>
-              <a:rPr lang="en-US" sz="2595" dirty="0" err="1" smtClean="0">
-                <a:solidFill>
-                  <a:srgbClr val="008000"/>
-                </a:solidFill>
-              </a:rPr>
-              <a:t>startapp</a:t>
-            </a:r>
-            <a:r>
-              <a:rPr lang="en-US" sz="2595" dirty="0" smtClean="0">
-                <a:solidFill>
-                  <a:srgbClr val="008000"/>
-                </a:solidFill>
-              </a:rPr>
-              <a:t> </a:t>
-            </a:r>
-            <a:r>
-              <a:rPr lang="en-US" sz="2595" dirty="0" err="1" smtClean="0">
-                <a:solidFill>
-                  <a:srgbClr val="00B0F0"/>
-                </a:solidFill>
-              </a:rPr>
-              <a:t>helloweb</a:t>
-            </a:r>
-            <a:endParaRPr lang="en-US" sz="2595" dirty="0" smtClean="0">
-              <a:solidFill>
-                <a:srgbClr val="00B0F0"/>
-              </a:solidFill>
-            </a:endParaRPr>
-          </a:p>
-        </p:txBody>
-      </p:sp>
-      <p:pic>
-        <p:nvPicPr>
-          <p:cNvPr id="4" name="Picture 3" descr="Open File or Project"/>
-          <p:cNvPicPr>
-            <a:picLocks noChangeAspect="1"/>
-          </p:cNvPicPr>
-          <p:nvPr/>
-        </p:nvPicPr>
-        <p:blipFill rotWithShape="1">
-          <a:blip r:embed="rId3">
-            <a:extLst>
-              <a:ext uri="{28A0092B-C50C-407E-A947-70E740481C1C}">
-                <a14:useLocalDpi xmlns:a14="http://schemas.microsoft.com/office/drawing/2010/main" val="0"/>
-              </a:ext>
-            </a:extLst>
-          </a:blip>
-          <a:srcRect l="12051" t="43333" r="64359" b="22821"/>
-          <a:stretch/>
-        </p:blipFill>
-        <p:spPr>
-          <a:xfrm>
-            <a:off x="3314699" y="3174406"/>
-            <a:ext cx="2567354" cy="3683594"/>
-          </a:xfrm>
-          <a:prstGeom prst="rect">
-            <a:avLst/>
-          </a:prstGeom>
-        </p:spPr>
-      </p:pic>
-      <p:sp>
-        <p:nvSpPr>
-          <p:cNvPr id="5" name="Rectangle 4"/>
-          <p:cNvSpPr/>
-          <p:nvPr/>
-        </p:nvSpPr>
-        <p:spPr>
-          <a:xfrm>
-            <a:off x="3569677" y="3393830"/>
-            <a:ext cx="1995853" cy="1951893"/>
-          </a:xfrm>
-          <a:prstGeom prst="rect">
-            <a:avLst/>
-          </a:prstGeom>
-          <a:noFill/>
-          <a:ln w="28575">
-            <a:solidFill>
-              <a:srgbClr val="00B050"/>
-            </a:solidFill>
-          </a:ln>
-        </p:spPr>
-        <p:style>
-          <a:lnRef idx="1">
-            <a:schemeClr val="accent1"/>
-          </a:lnRef>
-          <a:fillRef idx="3">
-            <a:schemeClr val="accent1"/>
-          </a:fillRef>
-          <a:effectRef idx="2">
-            <a:schemeClr val="accent1"/>
-          </a:effectRef>
-          <a:fontRef idx="minor">
-            <a:schemeClr val="lt1"/>
-          </a:fontRef>
-        </p:style>
-        <p:txBody>
-          <a:bodyPr rtlCol="0" anchor="ctr"/>
-          <a:lstStyle/>
-          <a:p>
-            <a:pPr algn="ctr"/>
-            <a:endParaRPr lang="ru-RU"/>
-          </a:p>
-        </p:txBody>
-      </p:sp>
-      <p:sp>
-        <p:nvSpPr>
-          <p:cNvPr id="6" name="Rectangle 5"/>
-          <p:cNvSpPr/>
-          <p:nvPr/>
-        </p:nvSpPr>
-        <p:spPr>
-          <a:xfrm>
-            <a:off x="3565280" y="5345723"/>
-            <a:ext cx="2000250" cy="1450731"/>
-          </a:xfrm>
-          <a:prstGeom prst="rect">
-            <a:avLst/>
-          </a:prstGeom>
-          <a:solidFill>
-            <a:srgbClr val="000000">
-              <a:alpha val="27059"/>
-            </a:srgbClr>
-          </a:solidFill>
-        </p:spPr>
-        <p:style>
-          <a:lnRef idx="1">
-            <a:schemeClr val="accent1"/>
-          </a:lnRef>
-          <a:fillRef idx="3">
-            <a:schemeClr val="accent1"/>
-          </a:fillRef>
-          <a:effectRef idx="2">
-            <a:schemeClr val="accent1"/>
-          </a:effectRef>
-          <a:fontRef idx="minor">
-            <a:schemeClr val="lt1"/>
-          </a:fontRef>
-        </p:style>
-        <p:txBody>
-          <a:bodyPr rtlCol="0" anchor="ctr"/>
-          <a:lstStyle/>
-          <a:p>
-            <a:pPr algn="ctr"/>
-            <a:endParaRPr lang="ru-RU"/>
-          </a:p>
-        </p:txBody>
-      </p:sp>
-    </p:spTree>
-    <p:extLst>
-      <p:ext uri="{BB962C8B-B14F-4D97-AF65-F5344CB8AC3E}">
-        <p14:creationId xmlns:p14="http://schemas.microsoft.com/office/powerpoint/2010/main" val="755113853"/>
-      </p:ext>
-    </p:extLst>
-  </p:cSld>
-  <p:clrMapOvr>
-    <a:masterClrMapping/>
-  </p:clrMapOvr>
-  <p:timing>
-    <p:tnLst>
-      <p:par>
-        <p:cTn id="1" dur="indefinite" restart="never" nodeType="tmRoot">
-          <p:childTnLst>
-            <p:seq concurrent="1" nextAc="seek">
-              <p:cTn id="2" dur="indefinite" nodeType="mainSeq">
-                <p:childTnLst>
-                  <p:par>
-                    <p:cTn id="3" fill="hold">
-                      <p:stCondLst>
-                        <p:cond delay="indefinite"/>
-                      </p:stCondLst>
-                      <p:childTnLst>
-                        <p:par>
-                          <p:cTn id="4" fill="hold">
-                            <p:stCondLst>
-                              <p:cond delay="0"/>
-                            </p:stCondLst>
-                            <p:childTnLst>
-                              <p:par>
-                                <p:cTn id="5" presetID="10" presetClass="entr" presetSubtype="0" fill="hold" nodeType="clickEffect">
-                                  <p:stCondLst>
-                                    <p:cond delay="0"/>
-                                  </p:stCondLst>
-                                  <p:childTnLst>
-                                    <p:set>
-                                      <p:cBhvr>
-                                        <p:cTn id="6" dur="1" fill="hold">
-                                          <p:stCondLst>
-                                            <p:cond delay="0"/>
-                                          </p:stCondLst>
-                                        </p:cTn>
-                                        <p:tgtEl>
-                                          <p:spTgt spid="3">
-                                            <p:txEl>
-                                              <p:pRg st="0" end="0"/>
-                                            </p:txEl>
-                                          </p:spTgt>
-                                        </p:tgtEl>
-                                        <p:attrNameLst>
-                                          <p:attrName>style.visibility</p:attrName>
-                                        </p:attrNameLst>
-                                      </p:cBhvr>
-                                      <p:to>
-                                        <p:strVal val="visible"/>
-                                      </p:to>
-                                    </p:set>
-                                    <p:animEffect transition="in" filter="fade">
-                                      <p:cBhvr>
-                                        <p:cTn id="7" dur="500"/>
-                                        <p:tgtEl>
-                                          <p:spTgt spid="3">
-                                            <p:txEl>
-                                              <p:pRg st="0" end="0"/>
-                                            </p:txEl>
-                                          </p:spTgt>
-                                        </p:tgtEl>
-                                      </p:cBhvr>
-                                    </p:animEffect>
-                                  </p:childTnLst>
-                                </p:cTn>
-                              </p:par>
-                            </p:childTnLst>
-                          </p:cTn>
-                        </p:par>
-                      </p:childTnLst>
-                    </p:cTn>
-                  </p:par>
-                  <p:par>
-                    <p:cTn id="8" fill="hold">
-                      <p:stCondLst>
-                        <p:cond delay="indefinite"/>
-                      </p:stCondLst>
-                      <p:childTnLst>
-                        <p:par>
-                          <p:cTn id="9" fill="hold">
-                            <p:stCondLst>
-                              <p:cond delay="0"/>
-                            </p:stCondLst>
-                            <p:childTnLst>
-                              <p:par>
-                                <p:cTn id="10" presetID="10" presetClass="entr" presetSubtype="0" fill="hold" nodeType="clickEffect">
-                                  <p:stCondLst>
-                                    <p:cond delay="0"/>
-                                  </p:stCondLst>
-                                  <p:childTnLst>
-                                    <p:set>
-                                      <p:cBhvr>
-                                        <p:cTn id="11" dur="1" fill="hold">
-                                          <p:stCondLst>
-                                            <p:cond delay="0"/>
-                                          </p:stCondLst>
-                                        </p:cTn>
-                                        <p:tgtEl>
-                                          <p:spTgt spid="3">
-                                            <p:txEl>
-                                              <p:pRg st="1" end="1"/>
-                                            </p:txEl>
-                                          </p:spTgt>
-                                        </p:tgtEl>
-                                        <p:attrNameLst>
-                                          <p:attrName>style.visibility</p:attrName>
-                                        </p:attrNameLst>
-                                      </p:cBhvr>
-                                      <p:to>
-                                        <p:strVal val="visible"/>
-                                      </p:to>
-                                    </p:set>
-                                    <p:animEffect transition="in" filter="fade">
-                                      <p:cBhvr>
-                                        <p:cTn id="12" dur="500"/>
-                                        <p:tgtEl>
-                                          <p:spTgt spid="3">
-                                            <p:txEl>
-                                              <p:pRg st="1" end="1"/>
-                                            </p:txEl>
-                                          </p:spTgt>
-                                        </p:tgtEl>
-                                      </p:cBhvr>
-                                    </p:animEffect>
-                                  </p:childTnLst>
-                                </p:cTn>
-                              </p:par>
-                            </p:childTnLst>
-                          </p:cTn>
-                        </p:par>
-                      </p:childTnLst>
-                    </p:cTn>
-                  </p:par>
-                  <p:par>
-                    <p:cTn id="13" fill="hold">
-                      <p:stCondLst>
-                        <p:cond delay="indefinite"/>
-                      </p:stCondLst>
-                      <p:childTnLst>
-                        <p:par>
-                          <p:cTn id="14" fill="hold">
-                            <p:stCondLst>
-                              <p:cond delay="0"/>
-                            </p:stCondLst>
-                            <p:childTnLst>
-                              <p:par>
-                                <p:cTn id="15" presetID="10" presetClass="entr" presetSubtype="0" fill="hold" nodeType="clickEffect">
-                                  <p:stCondLst>
-                                    <p:cond delay="0"/>
-                                  </p:stCondLst>
-                                  <p:childTnLst>
-                                    <p:set>
-                                      <p:cBhvr>
-                                        <p:cTn id="16" dur="1" fill="hold">
-                                          <p:stCondLst>
-                                            <p:cond delay="0"/>
-                                          </p:stCondLst>
-                                        </p:cTn>
-                                        <p:tgtEl>
-                                          <p:spTgt spid="3">
-                                            <p:txEl>
-                                              <p:pRg st="2" end="2"/>
-                                            </p:txEl>
-                                          </p:spTgt>
-                                        </p:tgtEl>
-                                        <p:attrNameLst>
-                                          <p:attrName>style.visibility</p:attrName>
-                                        </p:attrNameLst>
-                                      </p:cBhvr>
-                                      <p:to>
-                                        <p:strVal val="visible"/>
-                                      </p:to>
-                                    </p:set>
-                                    <p:animEffect transition="in" filter="fade">
-                                      <p:cBhvr>
-                                        <p:cTn id="17" dur="500"/>
-                                        <p:tgtEl>
-                                          <p:spTgt spid="3">
-                                            <p:txEl>
-                                              <p:pRg st="2" end="2"/>
-                                            </p:txEl>
-                                          </p:spTgt>
-                                        </p:tgtEl>
-                                      </p:cBhvr>
-                                    </p:animEffect>
-                                  </p:childTnLst>
-                                </p:cTn>
-                              </p:par>
-                            </p:childTnLst>
-                          </p:cTn>
-                        </p:par>
-                      </p:childTnLst>
-                    </p:cTn>
-                  </p:par>
-                  <p:par>
-                    <p:cTn id="18" fill="hold">
-                      <p:stCondLst>
-                        <p:cond delay="indefinite"/>
-                      </p:stCondLst>
-                      <p:childTnLst>
-                        <p:par>
-                          <p:cTn id="19" fill="hold">
-                            <p:stCondLst>
-                              <p:cond delay="0"/>
-                            </p:stCondLst>
-                            <p:childTnLst>
-                              <p:par>
-                                <p:cTn id="20" presetID="1" presetClass="entr" presetSubtype="0" fill="hold" nodeType="clickEffect">
-                                  <p:stCondLst>
-                                    <p:cond delay="0"/>
-                                  </p:stCondLst>
-                                  <p:childTnLst>
-                                    <p:set>
-                                      <p:cBhvr>
-                                        <p:cTn id="21" dur="1" fill="hold">
-                                          <p:stCondLst>
-                                            <p:cond delay="0"/>
-                                          </p:stCondLst>
-                                        </p:cTn>
-                                        <p:tgtEl>
-                                          <p:spTgt spid="4"/>
-                                        </p:tgtEl>
-                                        <p:attrNameLst>
-                                          <p:attrName>style.visibility</p:attrName>
-                                        </p:attrNameLst>
-                                      </p:cBhvr>
-                                      <p:to>
-                                        <p:strVal val="visible"/>
-                                      </p:to>
-                                    </p:set>
-                                  </p:childTnLst>
-                                </p:cTn>
-                              </p:par>
-                            </p:childTnLst>
-                          </p:cTn>
-                        </p:par>
-                      </p:childTnLst>
-                    </p:cTn>
-                  </p:par>
-                  <p:par>
-                    <p:cTn id="22" fill="hold">
-                      <p:stCondLst>
-                        <p:cond delay="indefinite"/>
-                      </p:stCondLst>
-                      <p:childTnLst>
-                        <p:par>
-                          <p:cTn id="23" fill="hold">
-                            <p:stCondLst>
-                              <p:cond delay="0"/>
-                            </p:stCondLst>
-                            <p:childTnLst>
-                              <p:par>
-                                <p:cTn id="24" presetID="1" presetClass="entr" presetSubtype="0" fill="hold" grpId="0" nodeType="clickEffect">
-                                  <p:stCondLst>
-                                    <p:cond delay="0"/>
-                                  </p:stCondLst>
-                                  <p:childTnLst>
-                                    <p:set>
-                                      <p:cBhvr>
-                                        <p:cTn id="25" dur="1" fill="hold">
-                                          <p:stCondLst>
-                                            <p:cond delay="0"/>
-                                          </p:stCondLst>
-                                        </p:cTn>
-                                        <p:tgtEl>
-                                          <p:spTgt spid="6"/>
-                                        </p:tgtEl>
-                                        <p:attrNameLst>
-                                          <p:attrName>style.visibility</p:attrName>
-                                        </p:attrNameLst>
-                                      </p:cBhvr>
-                                      <p:to>
-                                        <p:strVal val="visible"/>
-                                      </p:to>
-                                    </p:set>
-                                  </p:childTnLst>
-                                </p:cTn>
-                              </p:par>
-                            </p:childTnLst>
-                          </p:cTn>
-                        </p:par>
-                      </p:childTnLst>
-                    </p:cTn>
-                  </p:par>
-                  <p:par>
-                    <p:cTn id="26" fill="hold">
-                      <p:stCondLst>
-                        <p:cond delay="indefinite"/>
-                      </p:stCondLst>
-                      <p:childTnLst>
-                        <p:par>
-                          <p:cTn id="27" fill="hold">
-                            <p:stCondLst>
-                              <p:cond delay="0"/>
-                            </p:stCondLst>
-                            <p:childTnLst>
-                              <p:par>
-                                <p:cTn id="28" presetID="1" presetClass="entr" presetSubtype="0" fill="hold" grpId="0" nodeType="clickEffect">
-                                  <p:stCondLst>
-                                    <p:cond delay="0"/>
-                                  </p:stCondLst>
-                                  <p:childTnLst>
-                                    <p:set>
-                                      <p:cBhvr>
-                                        <p:cTn id="29" dur="1" fill="hold">
-                                          <p:stCondLst>
-                                            <p:cond delay="0"/>
-                                          </p:stCondLst>
-                                        </p:cTn>
-                                        <p:tgtEl>
-                                          <p:spTgt spid="5"/>
-                                        </p:tgtEl>
-                                        <p:attrNameLst>
-                                          <p:attrName>style.visibility</p:attrName>
-                                        </p:attrNameLst>
-                                      </p:cBhvr>
-                                      <p:to>
-                                        <p:strVal val="visible"/>
-                                      </p:to>
-                                    </p:set>
-                                  </p:childTnLst>
-                                </p:cTn>
-                              </p:par>
-                            </p:childTnLst>
-                          </p:cTn>
-                        </p:par>
-                      </p:childTnLst>
-                    </p:cTn>
-                  </p:par>
-                </p:childTnLst>
-              </p:cTn>
-              <p:prevCondLst>
-                <p:cond evt="onPrev" delay="0">
-                  <p:tgtEl>
-                    <p:sldTgt/>
-                  </p:tgtEl>
-                </p:cond>
-              </p:prevCondLst>
-              <p:nextCondLst>
-                <p:cond evt="onNext" delay="0">
-                  <p:tgtEl>
-                    <p:sldTgt/>
-                  </p:tgtEl>
-                </p:cond>
-              </p:nextCondLst>
-            </p:seq>
-          </p:childTnLst>
-        </p:cTn>
-      </p:par>
-    </p:tnLst>
-    <p:bldLst>
-      <p:bldP spid="5" grpId="0" animBg="1"/>
-      <p:bldP spid="6" grpId="0" animBg="1"/>
-    </p:bldLst>
   </p:timing>
 </p:sld>
 </file>
